--- a/doc/img.pptx
+++ b/doc/img.pptx
@@ -6,6 +6,7 @@
   </p:sldMasterIdLst>
   <p:sldIdLst>
     <p:sldId id="256" r:id="rId2"/>
+    <p:sldId id="257" r:id="rId3"/>
   </p:sldIdLst>
   <p:sldSz cx="12192000" cy="6858000"/>
   <p:notesSz cx="6858000" cy="9144000"/>
@@ -859,6 +860,753 @@
 </dgm:colorsDef>
 </file>
 
+<file path=ppt/diagrams/colors2.xml><?xml version="1.0" encoding="utf-8"?>
+<dgm:colorsDef xmlns:dgm="http://schemas.openxmlformats.org/drawingml/2006/diagram" xmlns:a="http://schemas.openxmlformats.org/drawingml/2006/main" uniqueId="urn:microsoft.com/office/officeart/2005/8/colors/accent1_2">
+  <dgm:title val=""/>
+  <dgm:desc val=""/>
+  <dgm:catLst>
+    <dgm:cat type="accent1" pri="11200"/>
+  </dgm:catLst>
+  <dgm:styleLbl name="node0">
+    <dgm:fillClrLst meth="repeat">
+      <a:schemeClr val="accent1"/>
+    </dgm:fillClrLst>
+    <dgm:linClrLst meth="repeat">
+      <a:schemeClr val="lt1"/>
+    </dgm:linClrLst>
+    <dgm:effectClrLst/>
+    <dgm:txLinClrLst/>
+    <dgm:txFillClrLst/>
+    <dgm:txEffectClrLst/>
+  </dgm:styleLbl>
+  <dgm:styleLbl name="alignNode1">
+    <dgm:fillClrLst meth="repeat">
+      <a:schemeClr val="accent1"/>
+    </dgm:fillClrLst>
+    <dgm:linClrLst meth="repeat">
+      <a:schemeClr val="accent1"/>
+    </dgm:linClrLst>
+    <dgm:effectClrLst/>
+    <dgm:txLinClrLst/>
+    <dgm:txFillClrLst/>
+    <dgm:txEffectClrLst/>
+  </dgm:styleLbl>
+  <dgm:styleLbl name="node1">
+    <dgm:fillClrLst meth="repeat">
+      <a:schemeClr val="accent1"/>
+    </dgm:fillClrLst>
+    <dgm:linClrLst meth="repeat">
+      <a:schemeClr val="lt1"/>
+    </dgm:linClrLst>
+    <dgm:effectClrLst/>
+    <dgm:txLinClrLst/>
+    <dgm:txFillClrLst/>
+    <dgm:txEffectClrLst/>
+  </dgm:styleLbl>
+  <dgm:styleLbl name="lnNode1">
+    <dgm:fillClrLst meth="repeat">
+      <a:schemeClr val="accent1"/>
+    </dgm:fillClrLst>
+    <dgm:linClrLst meth="repeat">
+      <a:schemeClr val="lt1"/>
+    </dgm:linClrLst>
+    <dgm:effectClrLst/>
+    <dgm:txLinClrLst/>
+    <dgm:txFillClrLst/>
+    <dgm:txEffectClrLst/>
+  </dgm:styleLbl>
+  <dgm:styleLbl name="vennNode1">
+    <dgm:fillClrLst meth="repeat">
+      <a:schemeClr val="accent1">
+        <a:alpha val="50000"/>
+      </a:schemeClr>
+    </dgm:fillClrLst>
+    <dgm:linClrLst meth="repeat">
+      <a:schemeClr val="lt1"/>
+    </dgm:linClrLst>
+    <dgm:effectClrLst/>
+    <dgm:txLinClrLst/>
+    <dgm:txFillClrLst/>
+    <dgm:txEffectClrLst/>
+  </dgm:styleLbl>
+  <dgm:styleLbl name="node2">
+    <dgm:fillClrLst meth="repeat">
+      <a:schemeClr val="accent1"/>
+    </dgm:fillClrLst>
+    <dgm:linClrLst meth="repeat">
+      <a:schemeClr val="lt1"/>
+    </dgm:linClrLst>
+    <dgm:effectClrLst/>
+    <dgm:txLinClrLst/>
+    <dgm:txFillClrLst/>
+    <dgm:txEffectClrLst/>
+  </dgm:styleLbl>
+  <dgm:styleLbl name="node3">
+    <dgm:fillClrLst meth="repeat">
+      <a:schemeClr val="accent1"/>
+    </dgm:fillClrLst>
+    <dgm:linClrLst meth="repeat">
+      <a:schemeClr val="lt1"/>
+    </dgm:linClrLst>
+    <dgm:effectClrLst/>
+    <dgm:txLinClrLst/>
+    <dgm:txFillClrLst/>
+    <dgm:txEffectClrLst/>
+  </dgm:styleLbl>
+  <dgm:styleLbl name="node4">
+    <dgm:fillClrLst meth="repeat">
+      <a:schemeClr val="accent1"/>
+    </dgm:fillClrLst>
+    <dgm:linClrLst meth="repeat">
+      <a:schemeClr val="lt1"/>
+    </dgm:linClrLst>
+    <dgm:effectClrLst/>
+    <dgm:txLinClrLst/>
+    <dgm:txFillClrLst/>
+    <dgm:txEffectClrLst/>
+  </dgm:styleLbl>
+  <dgm:styleLbl name="fgImgPlace1">
+    <dgm:fillClrLst meth="repeat">
+      <a:schemeClr val="accent1">
+        <a:tint val="50000"/>
+      </a:schemeClr>
+    </dgm:fillClrLst>
+    <dgm:linClrLst meth="repeat">
+      <a:schemeClr val="lt1"/>
+    </dgm:linClrLst>
+    <dgm:effectClrLst/>
+    <dgm:txLinClrLst/>
+    <dgm:txFillClrLst meth="repeat">
+      <a:schemeClr val="lt1"/>
+    </dgm:txFillClrLst>
+    <dgm:txEffectClrLst/>
+  </dgm:styleLbl>
+  <dgm:styleLbl name="alignImgPlace1">
+    <dgm:fillClrLst meth="repeat">
+      <a:schemeClr val="accent1">
+        <a:tint val="50000"/>
+      </a:schemeClr>
+    </dgm:fillClrLst>
+    <dgm:linClrLst meth="repeat">
+      <a:schemeClr val="lt1"/>
+    </dgm:linClrLst>
+    <dgm:effectClrLst/>
+    <dgm:txLinClrLst/>
+    <dgm:txFillClrLst meth="repeat">
+      <a:schemeClr val="lt1"/>
+    </dgm:txFillClrLst>
+    <dgm:txEffectClrLst/>
+  </dgm:styleLbl>
+  <dgm:styleLbl name="bgImgPlace1">
+    <dgm:fillClrLst meth="repeat">
+      <a:schemeClr val="accent1">
+        <a:tint val="50000"/>
+      </a:schemeClr>
+    </dgm:fillClrLst>
+    <dgm:linClrLst meth="repeat">
+      <a:schemeClr val="lt1"/>
+    </dgm:linClrLst>
+    <dgm:effectClrLst/>
+    <dgm:txLinClrLst/>
+    <dgm:txFillClrLst meth="repeat">
+      <a:schemeClr val="lt1"/>
+    </dgm:txFillClrLst>
+    <dgm:txEffectClrLst/>
+  </dgm:styleLbl>
+  <dgm:styleLbl name="sibTrans2D1">
+    <dgm:fillClrLst meth="repeat">
+      <a:schemeClr val="accent1">
+        <a:tint val="60000"/>
+      </a:schemeClr>
+    </dgm:fillClrLst>
+    <dgm:linClrLst meth="repeat">
+      <a:schemeClr val="accent1">
+        <a:tint val="60000"/>
+      </a:schemeClr>
+    </dgm:linClrLst>
+    <dgm:effectClrLst/>
+    <dgm:txLinClrLst/>
+    <dgm:txFillClrLst/>
+    <dgm:txEffectClrLst/>
+  </dgm:styleLbl>
+  <dgm:styleLbl name="fgSibTrans2D1">
+    <dgm:fillClrLst meth="repeat">
+      <a:schemeClr val="accent1">
+        <a:tint val="60000"/>
+      </a:schemeClr>
+    </dgm:fillClrLst>
+    <dgm:linClrLst meth="repeat">
+      <a:schemeClr val="accent1">
+        <a:tint val="60000"/>
+      </a:schemeClr>
+    </dgm:linClrLst>
+    <dgm:effectClrLst/>
+    <dgm:txLinClrLst/>
+    <dgm:txFillClrLst/>
+    <dgm:txEffectClrLst/>
+  </dgm:styleLbl>
+  <dgm:styleLbl name="bgSibTrans2D1">
+    <dgm:fillClrLst meth="repeat">
+      <a:schemeClr val="accent1">
+        <a:tint val="60000"/>
+      </a:schemeClr>
+    </dgm:fillClrLst>
+    <dgm:linClrLst meth="repeat">
+      <a:schemeClr val="accent1">
+        <a:tint val="60000"/>
+      </a:schemeClr>
+    </dgm:linClrLst>
+    <dgm:effectClrLst/>
+    <dgm:txLinClrLst/>
+    <dgm:txFillClrLst/>
+    <dgm:txEffectClrLst/>
+  </dgm:styleLbl>
+  <dgm:styleLbl name="sibTrans1D1">
+    <dgm:fillClrLst meth="repeat">
+      <a:schemeClr val="accent1"/>
+    </dgm:fillClrLst>
+    <dgm:linClrLst meth="repeat">
+      <a:schemeClr val="accent1"/>
+    </dgm:linClrLst>
+    <dgm:effectClrLst/>
+    <dgm:txLinClrLst/>
+    <dgm:txFillClrLst meth="repeat">
+      <a:schemeClr val="tx1"/>
+    </dgm:txFillClrLst>
+    <dgm:txEffectClrLst/>
+  </dgm:styleLbl>
+  <dgm:styleLbl name="callout">
+    <dgm:fillClrLst meth="repeat">
+      <a:schemeClr val="accent1"/>
+    </dgm:fillClrLst>
+    <dgm:linClrLst meth="repeat">
+      <a:schemeClr val="accent1">
+        <a:tint val="50000"/>
+      </a:schemeClr>
+    </dgm:linClrLst>
+    <dgm:effectClrLst/>
+    <dgm:txLinClrLst/>
+    <dgm:txFillClrLst meth="repeat">
+      <a:schemeClr val="tx1"/>
+    </dgm:txFillClrLst>
+    <dgm:txEffectClrLst/>
+  </dgm:styleLbl>
+  <dgm:styleLbl name="asst0">
+    <dgm:fillClrLst meth="repeat">
+      <a:schemeClr val="accent1"/>
+    </dgm:fillClrLst>
+    <dgm:linClrLst meth="repeat">
+      <a:schemeClr val="lt1"/>
+    </dgm:linClrLst>
+    <dgm:effectClrLst/>
+    <dgm:txLinClrLst/>
+    <dgm:txFillClrLst/>
+    <dgm:txEffectClrLst/>
+  </dgm:styleLbl>
+  <dgm:styleLbl name="asst1">
+    <dgm:fillClrLst meth="repeat">
+      <a:schemeClr val="accent1"/>
+    </dgm:fillClrLst>
+    <dgm:linClrLst meth="repeat">
+      <a:schemeClr val="lt1"/>
+    </dgm:linClrLst>
+    <dgm:effectClrLst/>
+    <dgm:txLinClrLst/>
+    <dgm:txFillClrLst/>
+    <dgm:txEffectClrLst/>
+  </dgm:styleLbl>
+  <dgm:styleLbl name="asst2">
+    <dgm:fillClrLst meth="repeat">
+      <a:schemeClr val="accent1"/>
+    </dgm:fillClrLst>
+    <dgm:linClrLst meth="repeat">
+      <a:schemeClr val="lt1"/>
+    </dgm:linClrLst>
+    <dgm:effectClrLst/>
+    <dgm:txLinClrLst/>
+    <dgm:txFillClrLst/>
+    <dgm:txEffectClrLst/>
+  </dgm:styleLbl>
+  <dgm:styleLbl name="asst3">
+    <dgm:fillClrLst meth="repeat">
+      <a:schemeClr val="accent1"/>
+    </dgm:fillClrLst>
+    <dgm:linClrLst meth="repeat">
+      <a:schemeClr val="lt1"/>
+    </dgm:linClrLst>
+    <dgm:effectClrLst/>
+    <dgm:txLinClrLst/>
+    <dgm:txFillClrLst/>
+    <dgm:txEffectClrLst/>
+  </dgm:styleLbl>
+  <dgm:styleLbl name="asst4">
+    <dgm:fillClrLst meth="repeat">
+      <a:schemeClr val="accent1"/>
+    </dgm:fillClrLst>
+    <dgm:linClrLst meth="repeat">
+      <a:schemeClr val="lt1"/>
+    </dgm:linClrLst>
+    <dgm:effectClrLst/>
+    <dgm:txLinClrLst/>
+    <dgm:txFillClrLst/>
+    <dgm:txEffectClrLst/>
+  </dgm:styleLbl>
+  <dgm:styleLbl name="parChTrans2D1">
+    <dgm:fillClrLst meth="repeat">
+      <a:schemeClr val="accent1">
+        <a:tint val="60000"/>
+      </a:schemeClr>
+    </dgm:fillClrLst>
+    <dgm:linClrLst meth="repeat">
+      <a:schemeClr val="accent1">
+        <a:tint val="60000"/>
+      </a:schemeClr>
+    </dgm:linClrLst>
+    <dgm:effectClrLst/>
+    <dgm:txLinClrLst/>
+    <dgm:txFillClrLst meth="repeat">
+      <a:schemeClr val="lt1"/>
+    </dgm:txFillClrLst>
+    <dgm:txEffectClrLst/>
+  </dgm:styleLbl>
+  <dgm:styleLbl name="parChTrans2D2">
+    <dgm:fillClrLst meth="repeat">
+      <a:schemeClr val="accent1"/>
+    </dgm:fillClrLst>
+    <dgm:linClrLst meth="repeat">
+      <a:schemeClr val="accent1"/>
+    </dgm:linClrLst>
+    <dgm:effectClrLst/>
+    <dgm:txLinClrLst/>
+    <dgm:txFillClrLst meth="repeat">
+      <a:schemeClr val="lt1"/>
+    </dgm:txFillClrLst>
+    <dgm:txEffectClrLst/>
+  </dgm:styleLbl>
+  <dgm:styleLbl name="parChTrans2D3">
+    <dgm:fillClrLst meth="repeat">
+      <a:schemeClr val="accent1"/>
+    </dgm:fillClrLst>
+    <dgm:linClrLst meth="repeat">
+      <a:schemeClr val="accent1"/>
+    </dgm:linClrLst>
+    <dgm:effectClrLst/>
+    <dgm:txLinClrLst/>
+    <dgm:txFillClrLst meth="repeat">
+      <a:schemeClr val="lt1"/>
+    </dgm:txFillClrLst>
+    <dgm:txEffectClrLst/>
+  </dgm:styleLbl>
+  <dgm:styleLbl name="parChTrans2D4">
+    <dgm:fillClrLst meth="repeat">
+      <a:schemeClr val="accent1"/>
+    </dgm:fillClrLst>
+    <dgm:linClrLst meth="repeat">
+      <a:schemeClr val="accent1"/>
+    </dgm:linClrLst>
+    <dgm:effectClrLst/>
+    <dgm:txLinClrLst/>
+    <dgm:txFillClrLst meth="repeat">
+      <a:schemeClr val="lt1"/>
+    </dgm:txFillClrLst>
+    <dgm:txEffectClrLst/>
+  </dgm:styleLbl>
+  <dgm:styleLbl name="parChTrans1D1">
+    <dgm:fillClrLst meth="repeat">
+      <a:schemeClr val="accent1"/>
+    </dgm:fillClrLst>
+    <dgm:linClrLst meth="repeat">
+      <a:schemeClr val="accent1">
+        <a:shade val="60000"/>
+      </a:schemeClr>
+    </dgm:linClrLst>
+    <dgm:effectClrLst/>
+    <dgm:txLinClrLst/>
+    <dgm:txFillClrLst meth="repeat">
+      <a:schemeClr val="tx1"/>
+    </dgm:txFillClrLst>
+    <dgm:txEffectClrLst/>
+  </dgm:styleLbl>
+  <dgm:styleLbl name="parChTrans1D2">
+    <dgm:fillClrLst meth="repeat">
+      <a:schemeClr val="accent1"/>
+    </dgm:fillClrLst>
+    <dgm:linClrLst meth="repeat">
+      <a:schemeClr val="accent1">
+        <a:shade val="60000"/>
+      </a:schemeClr>
+    </dgm:linClrLst>
+    <dgm:effectClrLst/>
+    <dgm:txLinClrLst/>
+    <dgm:txFillClrLst meth="repeat">
+      <a:schemeClr val="tx1"/>
+    </dgm:txFillClrLst>
+    <dgm:txEffectClrLst/>
+  </dgm:styleLbl>
+  <dgm:styleLbl name="parChTrans1D3">
+    <dgm:fillClrLst meth="repeat">
+      <a:schemeClr val="accent1"/>
+    </dgm:fillClrLst>
+    <dgm:linClrLst meth="repeat">
+      <a:schemeClr val="accent1">
+        <a:shade val="80000"/>
+      </a:schemeClr>
+    </dgm:linClrLst>
+    <dgm:effectClrLst/>
+    <dgm:txLinClrLst/>
+    <dgm:txFillClrLst meth="repeat">
+      <a:schemeClr val="tx1"/>
+    </dgm:txFillClrLst>
+    <dgm:txEffectClrLst/>
+  </dgm:styleLbl>
+  <dgm:styleLbl name="parChTrans1D4">
+    <dgm:fillClrLst meth="repeat">
+      <a:schemeClr val="accent1"/>
+    </dgm:fillClrLst>
+    <dgm:linClrLst meth="repeat">
+      <a:schemeClr val="accent1">
+        <a:shade val="80000"/>
+      </a:schemeClr>
+    </dgm:linClrLst>
+    <dgm:effectClrLst/>
+    <dgm:txLinClrLst/>
+    <dgm:txFillClrLst meth="repeat">
+      <a:schemeClr val="tx1"/>
+    </dgm:txFillClrLst>
+    <dgm:txEffectClrLst/>
+  </dgm:styleLbl>
+  <dgm:styleLbl name="fgAcc1">
+    <dgm:fillClrLst meth="repeat">
+      <a:schemeClr val="lt1">
+        <a:alpha val="90000"/>
+      </a:schemeClr>
+    </dgm:fillClrLst>
+    <dgm:linClrLst meth="repeat">
+      <a:schemeClr val="accent1"/>
+    </dgm:linClrLst>
+    <dgm:effectClrLst/>
+    <dgm:txLinClrLst/>
+    <dgm:txFillClrLst meth="repeat">
+      <a:schemeClr val="dk1"/>
+    </dgm:txFillClrLst>
+    <dgm:txEffectClrLst/>
+  </dgm:styleLbl>
+  <dgm:styleLbl name="conFgAcc1">
+    <dgm:fillClrLst meth="repeat">
+      <a:schemeClr val="lt1">
+        <a:alpha val="90000"/>
+      </a:schemeClr>
+    </dgm:fillClrLst>
+    <dgm:linClrLst meth="repeat">
+      <a:schemeClr val="accent1"/>
+    </dgm:linClrLst>
+    <dgm:effectClrLst/>
+    <dgm:txLinClrLst/>
+    <dgm:txFillClrLst meth="repeat">
+      <a:schemeClr val="dk1"/>
+    </dgm:txFillClrLst>
+    <dgm:txEffectClrLst/>
+  </dgm:styleLbl>
+  <dgm:styleLbl name="alignAcc1">
+    <dgm:fillClrLst meth="repeat">
+      <a:schemeClr val="lt1">
+        <a:alpha val="90000"/>
+      </a:schemeClr>
+    </dgm:fillClrLst>
+    <dgm:linClrLst meth="repeat">
+      <a:schemeClr val="accent1"/>
+    </dgm:linClrLst>
+    <dgm:effectClrLst/>
+    <dgm:txLinClrLst/>
+    <dgm:txFillClrLst meth="repeat">
+      <a:schemeClr val="dk1"/>
+    </dgm:txFillClrLst>
+    <dgm:txEffectClrLst/>
+  </dgm:styleLbl>
+  <dgm:styleLbl name="trAlignAcc1">
+    <dgm:fillClrLst meth="repeat">
+      <a:schemeClr val="lt1">
+        <a:alpha val="40000"/>
+      </a:schemeClr>
+    </dgm:fillClrLst>
+    <dgm:linClrLst meth="repeat">
+      <a:schemeClr val="accent1"/>
+    </dgm:linClrLst>
+    <dgm:effectClrLst/>
+    <dgm:txLinClrLst/>
+    <dgm:txFillClrLst meth="repeat">
+      <a:schemeClr val="dk1"/>
+    </dgm:txFillClrLst>
+    <dgm:txEffectClrLst/>
+  </dgm:styleLbl>
+  <dgm:styleLbl name="bgAcc1">
+    <dgm:fillClrLst meth="repeat">
+      <a:schemeClr val="lt1">
+        <a:alpha val="90000"/>
+      </a:schemeClr>
+    </dgm:fillClrLst>
+    <dgm:linClrLst meth="repeat">
+      <a:schemeClr val="accent1"/>
+    </dgm:linClrLst>
+    <dgm:effectClrLst/>
+    <dgm:txLinClrLst/>
+    <dgm:txFillClrLst meth="repeat">
+      <a:schemeClr val="dk1"/>
+    </dgm:txFillClrLst>
+    <dgm:txEffectClrLst/>
+  </dgm:styleLbl>
+  <dgm:styleLbl name="solidFgAcc1">
+    <dgm:fillClrLst meth="repeat">
+      <a:schemeClr val="lt1"/>
+    </dgm:fillClrLst>
+    <dgm:linClrLst meth="repeat">
+      <a:schemeClr val="accent1"/>
+    </dgm:linClrLst>
+    <dgm:effectClrLst/>
+    <dgm:txLinClrLst/>
+    <dgm:txFillClrLst meth="repeat">
+      <a:schemeClr val="dk1"/>
+    </dgm:txFillClrLst>
+    <dgm:txEffectClrLst/>
+  </dgm:styleLbl>
+  <dgm:styleLbl name="solidAlignAcc1">
+    <dgm:fillClrLst meth="repeat">
+      <a:schemeClr val="lt1"/>
+    </dgm:fillClrLst>
+    <dgm:linClrLst meth="repeat">
+      <a:schemeClr val="accent1"/>
+    </dgm:linClrLst>
+    <dgm:effectClrLst/>
+    <dgm:txLinClrLst/>
+    <dgm:txFillClrLst meth="repeat">
+      <a:schemeClr val="dk1"/>
+    </dgm:txFillClrLst>
+    <dgm:txEffectClrLst/>
+  </dgm:styleLbl>
+  <dgm:styleLbl name="solidBgAcc1">
+    <dgm:fillClrLst meth="repeat">
+      <a:schemeClr val="lt1"/>
+    </dgm:fillClrLst>
+    <dgm:linClrLst meth="repeat">
+      <a:schemeClr val="accent1"/>
+    </dgm:linClrLst>
+    <dgm:effectClrLst/>
+    <dgm:txLinClrLst/>
+    <dgm:txFillClrLst meth="repeat">
+      <a:schemeClr val="dk1"/>
+    </dgm:txFillClrLst>
+    <dgm:txEffectClrLst/>
+  </dgm:styleLbl>
+  <dgm:styleLbl name="fgAccFollowNode1">
+    <dgm:fillClrLst meth="repeat">
+      <a:schemeClr val="accent1">
+        <a:alpha val="90000"/>
+        <a:tint val="40000"/>
+      </a:schemeClr>
+    </dgm:fillClrLst>
+    <dgm:linClrLst meth="repeat">
+      <a:schemeClr val="accent1">
+        <a:alpha val="90000"/>
+        <a:tint val="40000"/>
+      </a:schemeClr>
+    </dgm:linClrLst>
+    <dgm:effectClrLst/>
+    <dgm:txLinClrLst/>
+    <dgm:txFillClrLst meth="repeat">
+      <a:schemeClr val="dk1"/>
+    </dgm:txFillClrLst>
+    <dgm:txEffectClrLst/>
+  </dgm:styleLbl>
+  <dgm:styleLbl name="alignAccFollowNode1">
+    <dgm:fillClrLst meth="repeat">
+      <a:schemeClr val="accent1">
+        <a:alpha val="90000"/>
+        <a:tint val="40000"/>
+      </a:schemeClr>
+    </dgm:fillClrLst>
+    <dgm:linClrLst meth="repeat">
+      <a:schemeClr val="accent1">
+        <a:alpha val="90000"/>
+        <a:tint val="40000"/>
+      </a:schemeClr>
+    </dgm:linClrLst>
+    <dgm:effectClrLst/>
+    <dgm:txLinClrLst/>
+    <dgm:txFillClrLst meth="repeat">
+      <a:schemeClr val="dk1"/>
+    </dgm:txFillClrLst>
+    <dgm:txEffectClrLst/>
+  </dgm:styleLbl>
+  <dgm:styleLbl name="bgAccFollowNode1">
+    <dgm:fillClrLst meth="repeat">
+      <a:schemeClr val="accent1">
+        <a:alpha val="90000"/>
+        <a:tint val="40000"/>
+      </a:schemeClr>
+    </dgm:fillClrLst>
+    <dgm:linClrLst meth="repeat">
+      <a:schemeClr val="accent1">
+        <a:alpha val="90000"/>
+        <a:tint val="40000"/>
+      </a:schemeClr>
+    </dgm:linClrLst>
+    <dgm:effectClrLst/>
+    <dgm:txLinClrLst/>
+    <dgm:txFillClrLst meth="repeat">
+      <a:schemeClr val="dk1"/>
+    </dgm:txFillClrLst>
+    <dgm:txEffectClrLst/>
+  </dgm:styleLbl>
+  <dgm:styleLbl name="fgAcc0">
+    <dgm:fillClrLst meth="repeat">
+      <a:schemeClr val="lt1">
+        <a:alpha val="90000"/>
+      </a:schemeClr>
+    </dgm:fillClrLst>
+    <dgm:linClrLst meth="repeat">
+      <a:schemeClr val="accent1"/>
+    </dgm:linClrLst>
+    <dgm:effectClrLst/>
+    <dgm:txLinClrLst/>
+    <dgm:txFillClrLst meth="repeat">
+      <a:schemeClr val="dk1"/>
+    </dgm:txFillClrLst>
+    <dgm:txEffectClrLst/>
+  </dgm:styleLbl>
+  <dgm:styleLbl name="fgAcc2">
+    <dgm:fillClrLst meth="repeat">
+      <a:schemeClr val="lt1">
+        <a:alpha val="90000"/>
+      </a:schemeClr>
+    </dgm:fillClrLst>
+    <dgm:linClrLst meth="repeat">
+      <a:schemeClr val="accent1"/>
+    </dgm:linClrLst>
+    <dgm:effectClrLst/>
+    <dgm:txLinClrLst/>
+    <dgm:txFillClrLst meth="repeat">
+      <a:schemeClr val="dk1"/>
+    </dgm:txFillClrLst>
+    <dgm:txEffectClrLst/>
+  </dgm:styleLbl>
+  <dgm:styleLbl name="fgAcc3">
+    <dgm:fillClrLst meth="repeat">
+      <a:schemeClr val="lt1">
+        <a:alpha val="90000"/>
+      </a:schemeClr>
+    </dgm:fillClrLst>
+    <dgm:linClrLst meth="repeat">
+      <a:schemeClr val="accent1"/>
+    </dgm:linClrLst>
+    <dgm:effectClrLst/>
+    <dgm:txLinClrLst/>
+    <dgm:txFillClrLst meth="repeat">
+      <a:schemeClr val="dk1"/>
+    </dgm:txFillClrLst>
+    <dgm:txEffectClrLst/>
+  </dgm:styleLbl>
+  <dgm:styleLbl name="fgAcc4">
+    <dgm:fillClrLst meth="repeat">
+      <a:schemeClr val="lt1">
+        <a:alpha val="90000"/>
+      </a:schemeClr>
+    </dgm:fillClrLst>
+    <dgm:linClrLst meth="repeat">
+      <a:schemeClr val="accent1"/>
+    </dgm:linClrLst>
+    <dgm:effectClrLst/>
+    <dgm:txLinClrLst/>
+    <dgm:txFillClrLst meth="repeat">
+      <a:schemeClr val="dk1"/>
+    </dgm:txFillClrLst>
+    <dgm:txEffectClrLst/>
+  </dgm:styleLbl>
+  <dgm:styleLbl name="bgShp">
+    <dgm:fillClrLst meth="repeat">
+      <a:schemeClr val="accent1">
+        <a:tint val="40000"/>
+      </a:schemeClr>
+    </dgm:fillClrLst>
+    <dgm:linClrLst meth="repeat">
+      <a:schemeClr val="accent1"/>
+    </dgm:linClrLst>
+    <dgm:effectClrLst/>
+    <dgm:txLinClrLst/>
+    <dgm:txFillClrLst meth="repeat">
+      <a:schemeClr val="dk1"/>
+    </dgm:txFillClrLst>
+    <dgm:txEffectClrLst/>
+  </dgm:styleLbl>
+  <dgm:styleLbl name="dkBgShp">
+    <dgm:fillClrLst meth="repeat">
+      <a:schemeClr val="accent1">
+        <a:shade val="80000"/>
+      </a:schemeClr>
+    </dgm:fillClrLst>
+    <dgm:linClrLst meth="repeat">
+      <a:schemeClr val="accent1"/>
+    </dgm:linClrLst>
+    <dgm:effectClrLst/>
+    <dgm:txLinClrLst/>
+    <dgm:txFillClrLst meth="repeat">
+      <a:schemeClr val="lt1"/>
+    </dgm:txFillClrLst>
+    <dgm:txEffectClrLst/>
+  </dgm:styleLbl>
+  <dgm:styleLbl name="trBgShp">
+    <dgm:fillClrLst meth="repeat">
+      <a:schemeClr val="accent1">
+        <a:tint val="50000"/>
+        <a:alpha val="40000"/>
+      </a:schemeClr>
+    </dgm:fillClrLst>
+    <dgm:linClrLst meth="repeat">
+      <a:schemeClr val="accent1"/>
+    </dgm:linClrLst>
+    <dgm:effectClrLst/>
+    <dgm:txLinClrLst/>
+    <dgm:txFillClrLst meth="repeat">
+      <a:schemeClr val="lt1"/>
+    </dgm:txFillClrLst>
+    <dgm:txEffectClrLst/>
+  </dgm:styleLbl>
+  <dgm:styleLbl name="fgShp">
+    <dgm:fillClrLst meth="repeat">
+      <a:schemeClr val="accent1">
+        <a:tint val="60000"/>
+      </a:schemeClr>
+    </dgm:fillClrLst>
+    <dgm:linClrLst meth="repeat">
+      <a:schemeClr val="lt1"/>
+    </dgm:linClrLst>
+    <dgm:effectClrLst/>
+    <dgm:txLinClrLst/>
+    <dgm:txFillClrLst meth="repeat">
+      <a:schemeClr val="dk1"/>
+    </dgm:txFillClrLst>
+    <dgm:txEffectClrLst/>
+  </dgm:styleLbl>
+  <dgm:styleLbl name="revTx">
+    <dgm:fillClrLst meth="repeat">
+      <a:schemeClr val="lt1">
+        <a:alpha val="0"/>
+      </a:schemeClr>
+    </dgm:fillClrLst>
+    <dgm:linClrLst meth="repeat">
+      <a:schemeClr val="dk1">
+        <a:alpha val="0"/>
+      </a:schemeClr>
+    </dgm:linClrLst>
+    <dgm:effectClrLst/>
+    <dgm:txLinClrLst/>
+    <dgm:txFillClrLst meth="repeat">
+      <a:schemeClr val="tx1"/>
+    </dgm:txFillClrLst>
+    <dgm:txEffectClrLst/>
+  </dgm:styleLbl>
+</dgm:colorsDef>
+</file>
+
 <file path=ppt/diagrams/data1.xml><?xml version="1.0" encoding="utf-8"?>
 <dgm:dataModel xmlns:dgm="http://schemas.openxmlformats.org/drawingml/2006/diagram" xmlns:a="http://schemas.openxmlformats.org/drawingml/2006/main">
   <dgm:ptLst>
@@ -953,6 +1701,108 @@
   <dgm:extLst>
     <a:ext uri="http://schemas.microsoft.com/office/drawing/2008/diagram">
       <dsp:dataModelExt xmlns:dsp="http://schemas.microsoft.com/office/drawing/2008/diagram" relId="rId10" minVer="http://schemas.openxmlformats.org/drawingml/2006/diagram"/>
+    </a:ext>
+  </dgm:extLst>
+</dgm:dataModel>
+</file>
+
+<file path=ppt/diagrams/data2.xml><?xml version="1.0" encoding="utf-8"?>
+<dgm:dataModel xmlns:dgm="http://schemas.openxmlformats.org/drawingml/2006/diagram" xmlns:a="http://schemas.openxmlformats.org/drawingml/2006/main">
+  <dgm:ptLst>
+    <dgm:pt modelId="{7E9540C6-2DE7-4487-8C20-44A4C2226740}" type="doc">
+      <dgm:prSet loTypeId="urn:microsoft.com/office/officeart/2008/layout/CircularPictureCallout" loCatId="picture" qsTypeId="urn:microsoft.com/office/officeart/2005/8/quickstyle/simple1" qsCatId="simple" csTypeId="urn:microsoft.com/office/officeart/2005/8/colors/accent1_2" csCatId="accent1" phldr="1"/>
+      <dgm:spPr/>
+    </dgm:pt>
+    <dgm:pt modelId="{F89C6D93-1FA4-4B8E-9F40-3F49BC5ABFF3}">
+      <dgm:prSet phldrT="[Texto]"/>
+      <dgm:spPr/>
+      <dgm:t>
+        <a:bodyPr/>
+        <a:lstStyle/>
+        <a:p>
+          <a:r>
+            <a:rPr lang="pt-BR" dirty="0"/>
+            <a:t> </a:t>
+          </a:r>
+        </a:p>
+      </dgm:t>
+    </dgm:pt>
+    <dgm:pt modelId="{3B975E9B-8E17-435F-8AE4-00D3DC0A766A}" type="sibTrans" cxnId="{AF8522AB-F8C8-42F9-9A3A-8656D15F0F71}">
+      <dgm:prSet/>
+      <dgm:spPr>
+        <a:blipFill>
+          <a:blip xmlns:r="http://schemas.openxmlformats.org/officeDocument/2006/relationships" r:embed="rId1"/>
+          <a:srcRect/>
+          <a:stretch>
+            <a:fillRect l="-12000" r="-12000"/>
+          </a:stretch>
+        </a:blipFill>
+      </dgm:spPr>
+      <dgm:t>
+        <a:bodyPr/>
+        <a:lstStyle/>
+        <a:p>
+          <a:endParaRPr lang="pt-BR"/>
+        </a:p>
+      </dgm:t>
+    </dgm:pt>
+    <dgm:pt modelId="{55CBAED0-6A61-41AB-9295-47755E272E62}" type="parTrans" cxnId="{AF8522AB-F8C8-42F9-9A3A-8656D15F0F71}">
+      <dgm:prSet/>
+      <dgm:spPr/>
+      <dgm:t>
+        <a:bodyPr/>
+        <a:lstStyle/>
+        <a:p>
+          <a:endParaRPr lang="pt-BR"/>
+        </a:p>
+      </dgm:t>
+    </dgm:pt>
+    <dgm:pt modelId="{F720B481-B3CF-4976-BBCB-58363E21812B}" type="pres">
+      <dgm:prSet presAssocID="{7E9540C6-2DE7-4487-8C20-44A4C2226740}" presName="Name0" presStyleCnt="0">
+        <dgm:presLayoutVars>
+          <dgm:chMax val="7"/>
+          <dgm:chPref val="7"/>
+          <dgm:dir/>
+        </dgm:presLayoutVars>
+      </dgm:prSet>
+      <dgm:spPr/>
+    </dgm:pt>
+    <dgm:pt modelId="{60C1B7C1-6411-4551-A28C-A5263CDC1244}" type="pres">
+      <dgm:prSet presAssocID="{7E9540C6-2DE7-4487-8C20-44A4C2226740}" presName="Name1" presStyleCnt="0"/>
+      <dgm:spPr/>
+    </dgm:pt>
+    <dgm:pt modelId="{E986FC08-0258-49A7-93D5-E9FCD672C888}" type="pres">
+      <dgm:prSet presAssocID="{3B975E9B-8E17-435F-8AE4-00D3DC0A766A}" presName="picture_1" presStyleCnt="0"/>
+      <dgm:spPr/>
+    </dgm:pt>
+    <dgm:pt modelId="{B488AF85-A9BC-4BEC-B7EF-3C6365113461}" type="pres">
+      <dgm:prSet presAssocID="{3B975E9B-8E17-435F-8AE4-00D3DC0A766A}" presName="pictureRepeatNode" presStyleLbl="alignImgPlace1" presStyleIdx="0" presStyleCnt="1" custScaleX="137184" custScaleY="138294"/>
+      <dgm:spPr/>
+    </dgm:pt>
+    <dgm:pt modelId="{1F0C2FAE-7E9B-4E44-A7D2-EBA2C8BA37BF}" type="pres">
+      <dgm:prSet presAssocID="{F89C6D93-1FA4-4B8E-9F40-3F49BC5ABFF3}" presName="text_1" presStyleLbl="node1" presStyleIdx="0" presStyleCnt="0" custLinFactX="12782" custLinFactY="13837" custLinFactNeighborX="100000" custLinFactNeighborY="100000">
+        <dgm:presLayoutVars>
+          <dgm:bulletEnabled val="1"/>
+        </dgm:presLayoutVars>
+      </dgm:prSet>
+      <dgm:spPr/>
+    </dgm:pt>
+  </dgm:ptLst>
+  <dgm:cxnLst>
+    <dgm:cxn modelId="{AE72AB41-7C34-47CF-AEC1-8EBC4B1FD820}" type="presOf" srcId="{7E9540C6-2DE7-4487-8C20-44A4C2226740}" destId="{F720B481-B3CF-4976-BBCB-58363E21812B}" srcOrd="0" destOrd="0" presId="urn:microsoft.com/office/officeart/2008/layout/CircularPictureCallout"/>
+    <dgm:cxn modelId="{AF8522AB-F8C8-42F9-9A3A-8656D15F0F71}" srcId="{7E9540C6-2DE7-4487-8C20-44A4C2226740}" destId="{F89C6D93-1FA4-4B8E-9F40-3F49BC5ABFF3}" srcOrd="0" destOrd="0" parTransId="{55CBAED0-6A61-41AB-9295-47755E272E62}" sibTransId="{3B975E9B-8E17-435F-8AE4-00D3DC0A766A}"/>
+    <dgm:cxn modelId="{6D3120CD-2A2F-45E7-BAAB-4E2C2BC895F0}" type="presOf" srcId="{3B975E9B-8E17-435F-8AE4-00D3DC0A766A}" destId="{B488AF85-A9BC-4BEC-B7EF-3C6365113461}" srcOrd="0" destOrd="0" presId="urn:microsoft.com/office/officeart/2008/layout/CircularPictureCallout"/>
+    <dgm:cxn modelId="{36DC4EDF-E670-4513-9BAF-59F26029FA0F}" type="presOf" srcId="{F89C6D93-1FA4-4B8E-9F40-3F49BC5ABFF3}" destId="{1F0C2FAE-7E9B-4E44-A7D2-EBA2C8BA37BF}" srcOrd="0" destOrd="0" presId="urn:microsoft.com/office/officeart/2008/layout/CircularPictureCallout"/>
+    <dgm:cxn modelId="{0739FA43-0CDC-4B62-BF22-D90DCF778547}" type="presParOf" srcId="{F720B481-B3CF-4976-BBCB-58363E21812B}" destId="{60C1B7C1-6411-4551-A28C-A5263CDC1244}" srcOrd="0" destOrd="0" presId="urn:microsoft.com/office/officeart/2008/layout/CircularPictureCallout"/>
+    <dgm:cxn modelId="{B92F0E74-12D9-47FC-980B-4B025B3CBA5F}" type="presParOf" srcId="{60C1B7C1-6411-4551-A28C-A5263CDC1244}" destId="{E986FC08-0258-49A7-93D5-E9FCD672C888}" srcOrd="0" destOrd="0" presId="urn:microsoft.com/office/officeart/2008/layout/CircularPictureCallout"/>
+    <dgm:cxn modelId="{CE842E89-7B8D-49D2-9372-D4ACAD486DAF}" type="presParOf" srcId="{E986FC08-0258-49A7-93D5-E9FCD672C888}" destId="{B488AF85-A9BC-4BEC-B7EF-3C6365113461}" srcOrd="0" destOrd="0" presId="urn:microsoft.com/office/officeart/2008/layout/CircularPictureCallout"/>
+    <dgm:cxn modelId="{702BB197-A53D-4F2C-A1C9-244BA9E208D5}" type="presParOf" srcId="{60C1B7C1-6411-4551-A28C-A5263CDC1244}" destId="{1F0C2FAE-7E9B-4E44-A7D2-EBA2C8BA37BF}" srcOrd="1" destOrd="0" presId="urn:microsoft.com/office/officeart/2008/layout/CircularPictureCallout"/>
+  </dgm:cxnLst>
+  <dgm:bg/>
+  <dgm:whole/>
+  <dgm:extLst>
+    <a:ext uri="http://schemas.microsoft.com/office/drawing/2008/diagram">
+      <dsp:dataModelExt xmlns:dsp="http://schemas.microsoft.com/office/drawing/2008/diagram" relId="rId8" minVer="http://schemas.openxmlformats.org/drawingml/2006/diagram"/>
     </a:ext>
   </dgm:extLst>
 </dgm:dataModel>
@@ -1079,7 +1929,1539 @@
 </dsp:drawing>
 </file>
 
+<file path=ppt/diagrams/drawing2.xml><?xml version="1.0" encoding="utf-8"?>
+<dsp:drawing xmlns:dgm="http://schemas.openxmlformats.org/drawingml/2006/diagram" xmlns:dsp="http://schemas.microsoft.com/office/drawing/2008/diagram" xmlns:a="http://schemas.openxmlformats.org/drawingml/2006/main">
+  <dsp:spTree>
+    <dsp:nvGrpSpPr>
+      <dsp:cNvPr id="0" name=""/>
+      <dsp:cNvGrpSpPr/>
+    </dsp:nvGrpSpPr>
+    <dsp:grpSpPr/>
+    <dsp:sp modelId="{B488AF85-A9BC-4BEC-B7EF-3C6365113461}">
+      <dsp:nvSpPr>
+        <dsp:cNvPr id="0" name=""/>
+        <dsp:cNvSpPr/>
+      </dsp:nvSpPr>
+      <dsp:spPr>
+        <a:xfrm>
+          <a:off x="270740" y="104031"/>
+          <a:ext cx="1182543" cy="1192111"/>
+        </a:xfrm>
+        <a:prstGeom prst="ellipse">
+          <a:avLst/>
+        </a:prstGeom>
+        <a:blipFill>
+          <a:blip xmlns:r="http://schemas.openxmlformats.org/officeDocument/2006/relationships" r:embed="rId1"/>
+          <a:srcRect/>
+          <a:stretch>
+            <a:fillRect l="-12000" r="-12000"/>
+          </a:stretch>
+        </a:blipFill>
+        <a:ln w="12700" cap="flat" cmpd="sng" algn="ctr">
+          <a:solidFill>
+            <a:schemeClr val="lt1">
+              <a:hueOff val="0"/>
+              <a:satOff val="0"/>
+              <a:lumOff val="0"/>
+              <a:alphaOff val="0"/>
+            </a:schemeClr>
+          </a:solidFill>
+          <a:prstDash val="solid"/>
+          <a:miter lim="800000"/>
+        </a:ln>
+        <a:effectLst/>
+      </dsp:spPr>
+      <dsp:style>
+        <a:lnRef idx="2">
+          <a:scrgbClr r="0" g="0" b="0"/>
+        </a:lnRef>
+        <a:fillRef idx="1">
+          <a:scrgbClr r="0" g="0" b="0"/>
+        </a:fillRef>
+        <a:effectRef idx="0">
+          <a:scrgbClr r="0" g="0" b="0"/>
+        </a:effectRef>
+        <a:fontRef idx="minor"/>
+      </dsp:style>
+    </dsp:sp>
+    <dsp:sp modelId="{1F0C2FAE-7E9B-4E44-A7D2-EBA2C8BA37BF}">
+      <dsp:nvSpPr>
+        <dsp:cNvPr id="0" name=""/>
+        <dsp:cNvSpPr/>
+      </dsp:nvSpPr>
+      <dsp:spPr>
+        <a:xfrm>
+          <a:off x="1172336" y="1050635"/>
+          <a:ext cx="551688" cy="284464"/>
+        </a:xfrm>
+        <a:prstGeom prst="rect">
+          <a:avLst/>
+        </a:prstGeom>
+        <a:noFill/>
+        <a:ln w="12700" cap="flat" cmpd="sng" algn="ctr">
+          <a:noFill/>
+          <a:prstDash val="solid"/>
+          <a:miter lim="800000"/>
+        </a:ln>
+        <a:effectLst/>
+        <a:sp3d/>
+      </dsp:spPr>
+      <dsp:style>
+        <a:lnRef idx="2">
+          <a:scrgbClr r="0" g="0" b="0"/>
+        </a:lnRef>
+        <a:fillRef idx="1">
+          <a:scrgbClr r="0" g="0" b="0"/>
+        </a:fillRef>
+        <a:effectRef idx="0">
+          <a:scrgbClr r="0" g="0" b="0"/>
+        </a:effectRef>
+        <a:fontRef idx="minor">
+          <a:schemeClr val="lt1"/>
+        </a:fontRef>
+      </dsp:style>
+      <dsp:txBody>
+        <a:bodyPr spcFirstLastPara="0" vert="horz" wrap="square" lIns="0" tIns="0" rIns="0" bIns="0" numCol="1" spcCol="1270" anchor="b" anchorCtr="0">
+          <a:noAutofit/>
+        </a:bodyPr>
+        <a:lstStyle/>
+        <a:p>
+          <a:pPr marL="0" lvl="0" indent="0" algn="ctr" defTabSz="889000">
+            <a:lnSpc>
+              <a:spcPct val="90000"/>
+            </a:lnSpc>
+            <a:spcBef>
+              <a:spcPct val="0"/>
+            </a:spcBef>
+            <a:spcAft>
+              <a:spcPct val="35000"/>
+            </a:spcAft>
+            <a:buNone/>
+          </a:pPr>
+          <a:r>
+            <a:rPr lang="pt-BR" sz="2000" kern="1200" dirty="0"/>
+            <a:t> </a:t>
+          </a:r>
+        </a:p>
+      </dsp:txBody>
+      <dsp:txXfrm>
+        <a:off x="1172336" y="1050635"/>
+        <a:ext cx="551688" cy="284464"/>
+      </dsp:txXfrm>
+    </dsp:sp>
+  </dsp:spTree>
+</dsp:drawing>
+</file>
+
 <file path=ppt/diagrams/layout1.xml><?xml version="1.0" encoding="utf-8"?>
+<dgm:layoutDef xmlns:dgm="http://schemas.openxmlformats.org/drawingml/2006/diagram" xmlns:a="http://schemas.openxmlformats.org/drawingml/2006/main" uniqueId="urn:microsoft.com/office/officeart/2008/layout/CircularPictureCallout">
+  <dgm:title val=""/>
+  <dgm:desc val=""/>
+  <dgm:catLst>
+    <dgm:cat type="picture" pri="2000"/>
+    <dgm:cat type="pictureconvert" pri="2000"/>
+  </dgm:catLst>
+  <dgm:sampData>
+    <dgm:dataModel>
+      <dgm:ptLst>
+        <dgm:pt modelId="0" type="doc"/>
+        <dgm:pt modelId="1"/>
+        <dgm:pt modelId="2">
+          <dgm:prSet phldr="1"/>
+        </dgm:pt>
+        <dgm:pt modelId="3">
+          <dgm:prSet phldr="1"/>
+        </dgm:pt>
+        <dgm:pt modelId="4">
+          <dgm:prSet phldr="1"/>
+        </dgm:pt>
+      </dgm:ptLst>
+      <dgm:cxnLst>
+        <dgm:cxn modelId="5" srcId="0" destId="1" srcOrd="0" destOrd="0"/>
+        <dgm:cxn modelId="6" srcId="0" destId="2" srcOrd="1" destOrd="0"/>
+        <dgm:cxn modelId="7" srcId="0" destId="3" srcOrd="2" destOrd="0"/>
+        <dgm:cxn modelId="8" srcId="0" destId="4" srcOrd="3" destOrd="0"/>
+      </dgm:cxnLst>
+      <dgm:bg/>
+      <dgm:whole/>
+    </dgm:dataModel>
+  </dgm:sampData>
+  <dgm:styleData>
+    <dgm:dataModel>
+      <dgm:ptLst>
+        <dgm:pt modelId="0" type="doc"/>
+        <dgm:pt modelId="1">
+          <dgm:prSet phldr="1"/>
+        </dgm:pt>
+        <dgm:pt modelId="2">
+          <dgm:prSet phldr="1"/>
+        </dgm:pt>
+        <dgm:pt modelId="3">
+          <dgm:prSet phldr="1"/>
+        </dgm:pt>
+        <dgm:pt modelId="4">
+          <dgm:prSet phldr="1"/>
+        </dgm:pt>
+      </dgm:ptLst>
+      <dgm:cxnLst>
+        <dgm:cxn modelId="5" srcId="0" destId="1" srcOrd="0" destOrd="0"/>
+        <dgm:cxn modelId="6" srcId="0" destId="2" srcOrd="1" destOrd="0"/>
+        <dgm:cxn modelId="7" srcId="0" destId="3" srcOrd="2" destOrd="0"/>
+        <dgm:cxn modelId="8" srcId="0" destId="4" srcOrd="3" destOrd="0"/>
+      </dgm:cxnLst>
+      <dgm:bg/>
+      <dgm:whole/>
+    </dgm:dataModel>
+  </dgm:styleData>
+  <dgm:clrData>
+    <dgm:dataModel>
+      <dgm:ptLst>
+        <dgm:pt modelId="0" type="doc"/>
+        <dgm:pt modelId="1">
+          <dgm:prSet phldr="1"/>
+        </dgm:pt>
+        <dgm:pt modelId="2">
+          <dgm:prSet phldr="1"/>
+        </dgm:pt>
+        <dgm:pt modelId="3">
+          <dgm:prSet phldr="1"/>
+        </dgm:pt>
+        <dgm:pt modelId="4">
+          <dgm:prSet phldr="1"/>
+        </dgm:pt>
+      </dgm:ptLst>
+      <dgm:cxnLst>
+        <dgm:cxn modelId="5" srcId="0" destId="1" srcOrd="0" destOrd="0"/>
+        <dgm:cxn modelId="6" srcId="0" destId="2" srcOrd="1" destOrd="0"/>
+        <dgm:cxn modelId="7" srcId="0" destId="3" srcOrd="2" destOrd="0"/>
+        <dgm:cxn modelId="8" srcId="0" destId="4" srcOrd="3" destOrd="0"/>
+      </dgm:cxnLst>
+      <dgm:bg/>
+      <dgm:whole/>
+    </dgm:dataModel>
+  </dgm:clrData>
+  <dgm:layoutNode name="Name0">
+    <dgm:varLst>
+      <dgm:chMax val="7"/>
+      <dgm:chPref val="7"/>
+      <dgm:dir/>
+    </dgm:varLst>
+    <dgm:alg type="composite"/>
+    <dgm:shape xmlns:r="http://schemas.openxmlformats.org/officeDocument/2006/relationships" r:blip="">
+      <dgm:adjLst/>
+    </dgm:shape>
+    <dgm:constrLst>
+      <dgm:constr type="w" for="ch" refType="h" refFor="ch" op="gte" fact="2"/>
+    </dgm:constrLst>
+    <dgm:layoutNode name="Name1">
+      <dgm:alg type="composite"/>
+      <dgm:shape xmlns:r="http://schemas.openxmlformats.org/officeDocument/2006/relationships" r:blip="">
+        <dgm:adjLst/>
+      </dgm:shape>
+      <dgm:choose name="Name2">
+        <dgm:if name="Name3" axis="ch" ptType="node" func="cnt" op="lte" val="1">
+          <dgm:constrLst>
+            <dgm:constr type="h" for="ch" forName="picture_1" refType="h"/>
+            <dgm:constr type="w" for="ch" forName="picture_1" refType="h" refFor="ch" refForName="picture_1" op="equ"/>
+            <dgm:constr type="l" for="ch" forName="picture_1"/>
+            <dgm:constr type="t" for="ch" forName="picture_1"/>
+            <dgm:constr type="w" for="ch" forName="text_1" refType="w" refFor="ch" refForName="picture_1" fact="0.64"/>
+            <dgm:constr type="h" for="ch" forName="text_1" refType="h" refFor="ch" refForName="picture_1" fact="0.33"/>
+            <dgm:constr type="l" for="ch" forName="text_1" refType="w" refFor="ch" refForName="picture_1" fact="0.18"/>
+            <dgm:constr type="t" for="ch" forName="text_1" refType="h" refFor="ch" refForName="picture_1" fact="0.531"/>
+          </dgm:constrLst>
+        </dgm:if>
+        <dgm:if name="Name4" axis="ch" ptType="node" func="cnt" op="lte" val="2">
+          <dgm:choose name="Name5">
+            <dgm:if name="Name6" func="var" arg="dir" op="equ" val="norm">
+              <dgm:constrLst>
+                <dgm:constr type="h" for="ch" forName="picture_1" refType="h"/>
+                <dgm:constr type="w" for="ch" forName="picture_1" refType="h" refFor="ch" refForName="picture_1" op="equ"/>
+                <dgm:constr type="l" for="ch" forName="picture_1"/>
+                <dgm:constr type="t" for="ch" forName="picture_1"/>
+                <dgm:constr type="w" for="ch" forName="text_1" refType="w" refFor="ch" refForName="picture_1" fact="0.64"/>
+                <dgm:constr type="h" for="ch" forName="text_1" refType="h" refFor="ch" refForName="picture_1" fact="0.33"/>
+                <dgm:constr type="l" for="ch" forName="text_1" refType="l" refFor="ch" refForName="picture_1"/>
+                <dgm:constr type="lOff" for="ch" forName="text_1" refType="w" refFor="ch" refForName="picture_1" fact="0.18"/>
+                <dgm:constr type="t" for="ch" forName="text_1" refType="h" refFor="ch" refForName="picture_1" fact="0.531"/>
+                <dgm:constr type="w" for="ch" forName="picture_2" refType="w" refFor="ch" refForName="picture_1" fact="0.5"/>
+                <dgm:constr type="h" for="ch" forName="picture_2" refType="h" refFor="ch" refForName="picture_1" fact="0.5"/>
+                <dgm:constr type="l" for="ch" forName="picture_2" refType="w" refFor="ch" refForName="picture_1" fact="1.21"/>
+                <dgm:constr type="ctrY" for="ch" forName="picture_2" refType="h" refFor="ch" refForName="picture_1" fact="0.5"/>
+                <dgm:constr type="l" for="ch" forName="line_2" refType="ctrX" refFor="ch" refForName="picture_1"/>
+                <dgm:constr type="h" for="ch" forName="line_2"/>
+                <dgm:constr type="r" for="ch" forName="line_2" refType="ctrX" refFor="ch" refForName="picture_2"/>
+                <dgm:constr type="ctrY" for="ch" forName="line_2" refType="ctrY" refFor="ch" refForName="picture_2"/>
+                <dgm:constr type="r" for="ch" forName="textparent_2" refType="w"/>
+                <dgm:constr type="h" for="ch" forName="textparent_2" refType="h" refFor="ch" refForName="picture_2"/>
+                <dgm:constr type="l" for="ch" forName="textparent_2" refType="r" refFor="ch" refForName="picture_2"/>
+                <dgm:constr type="ctrY" for="ch" forName="textparent_2" refType="ctrY" refFor="ch" refForName="picture_2"/>
+                <dgm:constr type="primFontSz" for="des" forName="text_2" val="65"/>
+              </dgm:constrLst>
+            </dgm:if>
+            <dgm:else name="Name7">
+              <dgm:constrLst>
+                <dgm:constr type="h" for="ch" forName="picture_1" refType="h"/>
+                <dgm:constr type="w" for="ch" forName="picture_1" refType="h" refFor="ch" refForName="picture_1" op="equ"/>
+                <dgm:constr type="r" for="ch" forName="picture_1" refType="w"/>
+                <dgm:constr type="t" for="ch" forName="picture_1"/>
+                <dgm:constr type="w" for="ch" forName="text_1" refType="w" refFor="ch" refForName="picture_1" fact="0.64"/>
+                <dgm:constr type="h" for="ch" forName="text_1" refType="h" refFor="ch" refForName="picture_1" fact="0.33"/>
+                <dgm:constr type="l" for="ch" forName="text_1" refType="l" refFor="ch" refForName="picture_1"/>
+                <dgm:constr type="lOff" for="ch" forName="text_1" refType="w" refFor="ch" refForName="picture_1" fact="0.18"/>
+                <dgm:constr type="t" for="ch" forName="text_1" refType="h" refFor="ch" refForName="picture_1" fact="0.531"/>
+                <dgm:constr type="w" for="ch" forName="picture_2" refType="w" refFor="ch" refForName="picture_1" fact="0.5"/>
+                <dgm:constr type="h" for="ch" forName="picture_2" refType="h" refFor="ch" refForName="picture_1" fact="0.5"/>
+                <dgm:constr type="r" for="ch" forName="picture_2" refType="w"/>
+                <dgm:constr type="rOff" for="ch" forName="picture_2" refType="w" refFor="ch" refForName="picture_1" fact="-1.21"/>
+                <dgm:constr type="ctrY" for="ch" forName="picture_2" refType="h" refFor="ch" refForName="picture_1" fact="0.5"/>
+                <dgm:constr type="r" for="ch" forName="line_2" refType="ctrX" refFor="ch" refForName="picture_1"/>
+                <dgm:constr type="h" for="ch" forName="line_2"/>
+                <dgm:constr type="l" for="ch" forName="line_2" refType="ctrX" refFor="ch" refForName="picture_2"/>
+                <dgm:constr type="ctrY" for="ch" forName="line_2" refType="ctrY" refFor="ch" refForName="picture_2"/>
+                <dgm:constr type="l" for="ch" forName="textparent_2"/>
+                <dgm:constr type="h" for="ch" forName="textparent_2" refType="h" refFor="ch" refForName="picture_2"/>
+                <dgm:constr type="r" for="ch" forName="textparent_2" refType="l" refFor="ch" refForName="picture_2"/>
+                <dgm:constr type="ctrY" for="ch" forName="textparent_2" refType="ctrY" refFor="ch" refForName="picture_2"/>
+                <dgm:constr type="primFontSz" for="des" forName="text_2" val="65"/>
+              </dgm:constrLst>
+            </dgm:else>
+          </dgm:choose>
+        </dgm:if>
+        <dgm:if name="Name8" axis="ch" ptType="node" func="cnt" op="lte" val="3">
+          <dgm:choose name="Name9">
+            <dgm:if name="Name10" func="var" arg="dir" op="equ" val="norm">
+              <dgm:constrLst>
+                <dgm:constr type="h" for="ch" forName="picture_1" refType="h"/>
+                <dgm:constr type="w" for="ch" forName="picture_1" refType="h" refFor="ch" refForName="picture_1" op="equ"/>
+                <dgm:constr type="l" for="ch" forName="picture_1"/>
+                <dgm:constr type="t" for="ch" forName="picture_1"/>
+                <dgm:constr type="w" for="ch" forName="text_1" refType="w" refFor="ch" refForName="picture_1" fact="0.64"/>
+                <dgm:constr type="h" for="ch" forName="text_1" refType="h" refFor="ch" refForName="picture_1" fact="0.33"/>
+                <dgm:constr type="l" for="ch" forName="text_1" refType="l" refFor="ch" refForName="picture_1"/>
+                <dgm:constr type="lOff" for="ch" forName="text_1" refType="w" refFor="ch" refForName="picture_1" fact="0.18"/>
+                <dgm:constr type="t" for="ch" forName="text_1" refType="h" refFor="ch" refForName="picture_1" fact="0.531"/>
+                <dgm:constr type="w" for="ch" forName="picture_2" refType="w" refFor="ch" refForName="picture_1" fact="0.375"/>
+                <dgm:constr type="h" for="ch" forName="picture_2" refType="h" refFor="ch" refForName="picture_1" fact="0.375"/>
+                <dgm:constr type="l" for="ch" forName="picture_2" refType="w" refFor="ch" refForName="picture_1" fact="1.21"/>
+                <dgm:constr type="ctrY" for="ch" forName="picture_2" refType="h" refFor="ch" refForName="picture_1" fact="0.1875"/>
+                <dgm:constr type="l" for="ch" forName="line_2" refType="ctrX" refFor="ch" refForName="picture_1"/>
+                <dgm:constr type="h" for="ch" forName="line_2"/>
+                <dgm:constr type="r" for="ch" forName="line_2" refType="ctrX" refFor="ch" refForName="picture_2"/>
+                <dgm:constr type="ctrY" for="ch" forName="line_2" refType="ctrY" refFor="ch" refForName="picture_2"/>
+                <dgm:constr type="r" for="ch" forName="textparent_2" refType="w"/>
+                <dgm:constr type="h" for="ch" forName="textparent_2" refType="h" refFor="ch" refForName="picture_2"/>
+                <dgm:constr type="l" for="ch" forName="textparent_2" refType="r" refFor="ch" refForName="picture_2"/>
+                <dgm:constr type="ctrY" for="ch" forName="textparent_2" refType="ctrY" refFor="ch" refForName="picture_2"/>
+                <dgm:constr type="primFontSz" for="des" forName="text_2" val="65"/>
+                <dgm:constr type="w" for="ch" forName="picture_3" refType="w" refFor="ch" refForName="picture_1" fact="0.375"/>
+                <dgm:constr type="h" for="ch" forName="picture_3" refType="h" refFor="ch" refForName="picture_1" fact="0.375"/>
+                <dgm:constr type="l" for="ch" forName="picture_3" refType="w" refFor="ch" refForName="picture_1" fact="1.21"/>
+                <dgm:constr type="ctrY" for="ch" forName="picture_3" refType="h" refFor="ch" refForName="picture_1" fact="0.8125"/>
+                <dgm:constr type="l" for="ch" forName="line_3" refType="ctrX" refFor="ch" refForName="picture_1"/>
+                <dgm:constr type="h" for="ch" forName="line_3"/>
+                <dgm:constr type="r" for="ch" forName="line_3" refType="ctrX" refFor="ch" refForName="picture_3"/>
+                <dgm:constr type="ctrY" for="ch" forName="line_3" refType="ctrY" refFor="ch" refForName="picture_3"/>
+                <dgm:constr type="r" for="ch" forName="textparent_3" refType="w"/>
+                <dgm:constr type="h" for="ch" forName="textparent_3" refType="h" refFor="ch" refForName="picture_3"/>
+                <dgm:constr type="l" for="ch" forName="textparent_3" refType="r" refFor="ch" refForName="picture_3"/>
+                <dgm:constr type="ctrY" for="ch" forName="textparent_3" refType="ctrY" refFor="ch" refForName="picture_3"/>
+                <dgm:constr type="primFontSz" for="des" forName="text_3" refType="primFontSz" refFor="des" refForName="text_2" op="equ"/>
+              </dgm:constrLst>
+            </dgm:if>
+            <dgm:else name="Name11">
+              <dgm:constrLst>
+                <dgm:constr type="h" for="ch" forName="picture_1" refType="h"/>
+                <dgm:constr type="w" for="ch" forName="picture_1" refType="h" refFor="ch" refForName="picture_1" op="equ"/>
+                <dgm:constr type="r" for="ch" forName="picture_1" refType="w"/>
+                <dgm:constr type="t" for="ch" forName="picture_1"/>
+                <dgm:constr type="w" for="ch" forName="text_1" refType="w" refFor="ch" refForName="picture_1" fact="0.64"/>
+                <dgm:constr type="h" for="ch" forName="text_1" refType="h" refFor="ch" refForName="picture_1" fact="0.33"/>
+                <dgm:constr type="l" for="ch" forName="text_1" refType="l" refFor="ch" refForName="picture_1"/>
+                <dgm:constr type="lOff" for="ch" forName="text_1" refType="w" refFor="ch" refForName="picture_1" fact="0.18"/>
+                <dgm:constr type="t" for="ch" forName="text_1" refType="h" refFor="ch" refForName="picture_1" fact="0.531"/>
+                <dgm:constr type="w" for="ch" forName="picture_2" refType="w" refFor="ch" refForName="picture_1" fact="0.375"/>
+                <dgm:constr type="h" for="ch" forName="picture_2" refType="h" refFor="ch" refForName="picture_1" fact="0.375"/>
+                <dgm:constr type="r" for="ch" forName="picture_2" refType="w"/>
+                <dgm:constr type="rOff" for="ch" forName="picture_2" refType="w" refFor="ch" refForName="picture_1" fact="-1.21"/>
+                <dgm:constr type="ctrY" for="ch" forName="picture_2" refType="h" refFor="ch" refForName="picture_1" fact="0.1875"/>
+                <dgm:constr type="r" for="ch" forName="line_2" refType="ctrX" refFor="ch" refForName="picture_1"/>
+                <dgm:constr type="h" for="ch" forName="line_2"/>
+                <dgm:constr type="l" for="ch" forName="line_2" refType="ctrX" refFor="ch" refForName="picture_2"/>
+                <dgm:constr type="ctrY" for="ch" forName="line_2" refType="ctrY" refFor="ch" refForName="picture_2"/>
+                <dgm:constr type="l" for="ch" forName="textparent_2"/>
+                <dgm:constr type="h" for="ch" forName="textparent_2" refType="h" refFor="ch" refForName="picture_2"/>
+                <dgm:constr type="r" for="ch" forName="textparent_2" refType="l" refFor="ch" refForName="picture_2"/>
+                <dgm:constr type="ctrY" for="ch" forName="textparent_2" refType="ctrY" refFor="ch" refForName="picture_2"/>
+                <dgm:constr type="primFontSz" for="des" forName="text_2" val="65"/>
+                <dgm:constr type="w" for="ch" forName="picture_3" refType="w" refFor="ch" refForName="picture_1" fact="0.375"/>
+                <dgm:constr type="h" for="ch" forName="picture_3" refType="h" refFor="ch" refForName="picture_1" fact="0.375"/>
+                <dgm:constr type="r" for="ch" forName="picture_3" refType="w"/>
+                <dgm:constr type="rOff" for="ch" forName="picture_3" refType="w" refFor="ch" refForName="picture_1" fact="-1.21"/>
+                <dgm:constr type="ctrY" for="ch" forName="picture_3" refType="h" refFor="ch" refForName="picture_1" fact="0.8125"/>
+                <dgm:constr type="r" for="ch" forName="line_3" refType="ctrX" refFor="ch" refForName="picture_1"/>
+                <dgm:constr type="h" for="ch" forName="line_3"/>
+                <dgm:constr type="l" for="ch" forName="line_3" refType="ctrX" refFor="ch" refForName="picture_3"/>
+                <dgm:constr type="ctrY" for="ch" forName="line_3" refType="ctrY" refFor="ch" refForName="picture_3"/>
+                <dgm:constr type="l" for="ch" forName="textparent_3"/>
+                <dgm:constr type="h" for="ch" forName="textparent_3" refType="h" refFor="ch" refForName="picture_3"/>
+                <dgm:constr type="r" for="ch" forName="textparent_3" refType="l" refFor="ch" refForName="picture_3"/>
+                <dgm:constr type="ctrY" for="ch" forName="textparent_3" refType="ctrY" refFor="ch" refForName="picture_3"/>
+                <dgm:constr type="primFontSz" for="des" forName="text_3" refType="primFontSz" refFor="des" refForName="text_2" op="equ"/>
+              </dgm:constrLst>
+            </dgm:else>
+          </dgm:choose>
+        </dgm:if>
+        <dgm:if name="Name12" axis="ch" ptType="node" func="cnt" op="lte" val="4">
+          <dgm:choose name="Name13">
+            <dgm:if name="Name14" func="var" arg="dir" op="equ" val="norm">
+              <dgm:constrLst>
+                <dgm:constr type="h" for="ch" forName="picture_1" refType="h"/>
+                <dgm:constr type="w" for="ch" forName="picture_1" refType="h" refFor="ch" refForName="picture_1" op="equ"/>
+                <dgm:constr type="l" for="ch" forName="picture_1"/>
+                <dgm:constr type="t" for="ch" forName="picture_1"/>
+                <dgm:constr type="w" for="ch" forName="text_1" refType="w" refFor="ch" refForName="picture_1" fact="0.64"/>
+                <dgm:constr type="h" for="ch" forName="text_1" refType="h" refFor="ch" refForName="picture_1" fact="0.33"/>
+                <dgm:constr type="l" for="ch" forName="text_1" refType="l" refFor="ch" refForName="picture_1"/>
+                <dgm:constr type="lOff" for="ch" forName="text_1" refType="w" refFor="ch" refForName="picture_1" fact="0.18"/>
+                <dgm:constr type="t" for="ch" forName="text_1" refType="h" refFor="ch" refForName="picture_1" fact="0.531"/>
+                <dgm:constr type="w" for="ch" forName="picture_2" refType="w" refFor="ch" refForName="picture_1" fact="0.3"/>
+                <dgm:constr type="h" for="ch" forName="picture_2" refType="h" refFor="ch" refForName="picture_1" fact="0.3"/>
+                <dgm:constr type="l" for="ch" forName="picture_2" refType="w" refFor="ch" refForName="picture_1" fact="1.354"/>
+                <dgm:constr type="ctrY" for="ch" forName="picture_2" refType="h" refFor="ch" refForName="picture_1" fact="0.15"/>
+                <dgm:constr type="l" for="ch" forName="line_2" refType="ctrX" refFor="ch" refForName="picture_1"/>
+                <dgm:constr type="h" for="ch" forName="line_2"/>
+                <dgm:constr type="r" for="ch" forName="line_2" refType="ctrX" refFor="ch" refForName="picture_2"/>
+                <dgm:constr type="ctrY" for="ch" forName="line_2" refType="ctrY" refFor="ch" refForName="picture_2"/>
+                <dgm:constr type="r" for="ch" forName="textparent_2" refType="w"/>
+                <dgm:constr type="h" for="ch" forName="textparent_2" refType="h" refFor="ch" refForName="picture_2"/>
+                <dgm:constr type="l" for="ch" forName="textparent_2" refType="r" refFor="ch" refForName="picture_2"/>
+                <dgm:constr type="ctrY" for="ch" forName="textparent_2" refType="ctrY" refFor="ch" refForName="picture_2"/>
+                <dgm:constr type="primFontSz" for="des" forName="text_2" val="65"/>
+                <dgm:constr type="w" for="ch" forName="picture_3" refType="w" refFor="ch" refForName="picture_1" fact="0.3"/>
+                <dgm:constr type="h" for="ch" forName="picture_3" refType="h" refFor="ch" refForName="picture_1" fact="0.3"/>
+                <dgm:constr type="l" for="ch" forName="picture_3" refType="w" refFor="ch" refForName="picture_1" fact="1.21"/>
+                <dgm:constr type="ctrY" for="ch" forName="picture_3" refType="h" refFor="ch" refForName="picture_1" fact="0.5"/>
+                <dgm:constr type="l" for="ch" forName="line_3" refType="ctrX" refFor="ch" refForName="picture_1"/>
+                <dgm:constr type="h" for="ch" forName="line_3"/>
+                <dgm:constr type="r" for="ch" forName="line_3" refType="ctrX" refFor="ch" refForName="picture_3"/>
+                <dgm:constr type="ctrY" for="ch" forName="line_3" refType="ctrY" refFor="ch" refForName="picture_3"/>
+                <dgm:constr type="r" for="ch" forName="textparent_3" refType="w"/>
+                <dgm:constr type="h" for="ch" forName="textparent_3" refType="h" refFor="ch" refForName="picture_3"/>
+                <dgm:constr type="l" for="ch" forName="textparent_3" refType="r" refFor="ch" refForName="picture_3"/>
+                <dgm:constr type="ctrY" for="ch" forName="textparent_3" refType="ctrY" refFor="ch" refForName="picture_3"/>
+                <dgm:constr type="primFontSz" for="des" forName="text_3" refType="primFontSz" refFor="des" refForName="text_2" op="equ"/>
+                <dgm:constr type="w" for="ch" forName="picture_4" refType="w" refFor="ch" refForName="picture_1" fact="0.3"/>
+                <dgm:constr type="h" for="ch" forName="picture_4" refType="h" refFor="ch" refForName="picture_1" fact="0.3"/>
+                <dgm:constr type="l" for="ch" forName="picture_4" refType="w" refFor="ch" refForName="picture_1" fact="1.354"/>
+                <dgm:constr type="ctrY" for="ch" forName="picture_4" refType="h" refFor="ch" refForName="picture_1" fact="0.85"/>
+                <dgm:constr type="l" for="ch" forName="line_4" refType="ctrX" refFor="ch" refForName="picture_1"/>
+                <dgm:constr type="h" for="ch" forName="line_4"/>
+                <dgm:constr type="r" for="ch" forName="line_4" refType="ctrX" refFor="ch" refForName="picture_4"/>
+                <dgm:constr type="ctrY" for="ch" forName="line_4" refType="ctrY" refFor="ch" refForName="picture_4"/>
+                <dgm:constr type="r" for="ch" forName="textparent_4" refType="w"/>
+                <dgm:constr type="h" for="ch" forName="textparent_4" refType="h" refFor="ch" refForName="picture_4"/>
+                <dgm:constr type="l" for="ch" forName="textparent_4" refType="r" refFor="ch" refForName="picture_4"/>
+                <dgm:constr type="ctrY" for="ch" forName="textparent_4" refType="ctrY" refFor="ch" refForName="picture_4"/>
+                <dgm:constr type="primFontSz" for="des" forName="text_4" refType="primFontSz" refFor="des" refForName="text_2" op="equ"/>
+              </dgm:constrLst>
+            </dgm:if>
+            <dgm:else name="Name15">
+              <dgm:constrLst>
+                <dgm:constr type="h" for="ch" forName="picture_1" refType="h"/>
+                <dgm:constr type="w" for="ch" forName="picture_1" refType="h" refFor="ch" refForName="picture_1" op="equ"/>
+                <dgm:constr type="r" for="ch" forName="picture_1" refType="w"/>
+                <dgm:constr type="t" for="ch" forName="picture_1"/>
+                <dgm:constr type="w" for="ch" forName="text_1" refType="w" refFor="ch" refForName="picture_1" fact="0.64"/>
+                <dgm:constr type="h" for="ch" forName="text_1" refType="h" refFor="ch" refForName="picture_1" fact="0.33"/>
+                <dgm:constr type="l" for="ch" forName="text_1" refType="l" refFor="ch" refForName="picture_1"/>
+                <dgm:constr type="lOff" for="ch" forName="text_1" refType="w" refFor="ch" refForName="picture_1" fact="0.18"/>
+                <dgm:constr type="t" for="ch" forName="text_1" refType="h" refFor="ch" refForName="picture_1" fact="0.531"/>
+                <dgm:constr type="w" for="ch" forName="picture_2" refType="w" refFor="ch" refForName="picture_1" fact="0.3"/>
+                <dgm:constr type="h" for="ch" forName="picture_2" refType="h" refFor="ch" refForName="picture_1" fact="0.3"/>
+                <dgm:constr type="r" for="ch" forName="picture_2" refType="w"/>
+                <dgm:constr type="rOff" for="ch" forName="picture_2" refType="w" refFor="ch" refForName="picture_1" fact="-1.354"/>
+                <dgm:constr type="ctrY" for="ch" forName="picture_2" refType="h" refFor="ch" refForName="picture_1" fact="0.15"/>
+                <dgm:constr type="r" for="ch" forName="line_2" refType="ctrX" refFor="ch" refForName="picture_1"/>
+                <dgm:constr type="h" for="ch" forName="line_2"/>
+                <dgm:constr type="l" for="ch" forName="line_2" refType="ctrX" refFor="ch" refForName="picture_2"/>
+                <dgm:constr type="ctrY" for="ch" forName="line_2" refType="ctrY" refFor="ch" refForName="picture_2"/>
+                <dgm:constr type="l" for="ch" forName="textparent_2"/>
+                <dgm:constr type="h" for="ch" forName="textparent_2" refType="h" refFor="ch" refForName="picture_2"/>
+                <dgm:constr type="r" for="ch" forName="textparent_2" refType="l" refFor="ch" refForName="picture_2"/>
+                <dgm:constr type="ctrY" for="ch" forName="textparent_2" refType="ctrY" refFor="ch" refForName="picture_2"/>
+                <dgm:constr type="primFontSz" for="des" forName="text_2" val="65"/>
+                <dgm:constr type="w" for="ch" forName="picture_3" refType="w" refFor="ch" refForName="picture_1" fact="0.3"/>
+                <dgm:constr type="h" for="ch" forName="picture_3" refType="h" refFor="ch" refForName="picture_1" fact="0.3"/>
+                <dgm:constr type="r" for="ch" forName="picture_3" refType="w"/>
+                <dgm:constr type="rOff" for="ch" forName="picture_3" refType="w" refFor="ch" refForName="picture_1" fact="-1.21"/>
+                <dgm:constr type="ctrY" for="ch" forName="picture_3" refType="h" refFor="ch" refForName="picture_1" fact="0.5"/>
+                <dgm:constr type="r" for="ch" forName="line_3" refType="ctrX" refFor="ch" refForName="picture_1"/>
+                <dgm:constr type="h" for="ch" forName="line_3"/>
+                <dgm:constr type="l" for="ch" forName="line_3" refType="ctrX" refFor="ch" refForName="picture_3"/>
+                <dgm:constr type="ctrY" for="ch" forName="line_3" refType="ctrY" refFor="ch" refForName="picture_3"/>
+                <dgm:constr type="l" for="ch" forName="textparent_3"/>
+                <dgm:constr type="h" for="ch" forName="textparent_3" refType="h" refFor="ch" refForName="picture_3"/>
+                <dgm:constr type="r" for="ch" forName="textparent_3" refType="l" refFor="ch" refForName="picture_3"/>
+                <dgm:constr type="ctrY" for="ch" forName="textparent_3" refType="ctrY" refFor="ch" refForName="picture_3"/>
+                <dgm:constr type="primFontSz" for="des" forName="text_3" refType="primFontSz" refFor="des" refForName="text_2" op="equ"/>
+                <dgm:constr type="w" for="ch" forName="picture_4" refType="w" refFor="ch" refForName="picture_1" fact="0.3"/>
+                <dgm:constr type="h" for="ch" forName="picture_4" refType="h" refFor="ch" refForName="picture_1" fact="0.3"/>
+                <dgm:constr type="r" for="ch" forName="picture_4" refType="w"/>
+                <dgm:constr type="rOff" for="ch" forName="picture_4" refType="w" refFor="ch" refForName="picture_1" fact="-1.354"/>
+                <dgm:constr type="ctrY" for="ch" forName="picture_4" refType="h" refFor="ch" refForName="picture_1" fact="0.85"/>
+                <dgm:constr type="r" for="ch" forName="line_4" refType="ctrX" refFor="ch" refForName="picture_1"/>
+                <dgm:constr type="h" for="ch" forName="line_4"/>
+                <dgm:constr type="l" for="ch" forName="line_4" refType="ctrX" refFor="ch" refForName="picture_4"/>
+                <dgm:constr type="ctrY" for="ch" forName="line_4" refType="ctrY" refFor="ch" refForName="picture_4"/>
+                <dgm:constr type="l" for="ch" forName="textparent_4"/>
+                <dgm:constr type="h" for="ch" forName="textparent_4" refType="h" refFor="ch" refForName="picture_4"/>
+                <dgm:constr type="r" for="ch" forName="textparent_4" refType="l" refFor="ch" refForName="picture_4"/>
+                <dgm:constr type="ctrY" for="ch" forName="textparent_4" refType="ctrY" refFor="ch" refForName="picture_4"/>
+                <dgm:constr type="primFontSz" for="des" forName="text_4" refType="primFontSz" refFor="des" refForName="text_2" op="equ"/>
+              </dgm:constrLst>
+            </dgm:else>
+          </dgm:choose>
+        </dgm:if>
+        <dgm:if name="Name16" axis="ch" ptType="node" func="cnt" op="lte" val="5">
+          <dgm:choose name="Name17">
+            <dgm:if name="Name18" func="var" arg="dir" op="equ" val="norm">
+              <dgm:constrLst>
+                <dgm:constr type="h" for="ch" forName="picture_1" refType="h"/>
+                <dgm:constr type="w" for="ch" forName="picture_1" refType="h" refFor="ch" refForName="picture_1" op="equ"/>
+                <dgm:constr type="l" for="ch" forName="picture_1"/>
+                <dgm:constr type="t" for="ch" forName="picture_1"/>
+                <dgm:constr type="w" for="ch" forName="text_1" refType="w" refFor="ch" refForName="picture_1" fact="0.64"/>
+                <dgm:constr type="h" for="ch" forName="text_1" refType="h" refFor="ch" refForName="picture_1" fact="0.33"/>
+                <dgm:constr type="l" for="ch" forName="text_1" refType="l" refFor="ch" refForName="picture_1"/>
+                <dgm:constr type="lOff" for="ch" forName="text_1" refType="w" refFor="ch" refForName="picture_1" fact="0.18"/>
+                <dgm:constr type="t" for="ch" forName="text_1" refType="h" refFor="ch" refForName="picture_1" fact="0.531"/>
+                <dgm:constr type="w" for="ch" forName="picture_2" refType="w" refFor="ch" refForName="picture_1" fact="0.22"/>
+                <dgm:constr type="h" for="ch" forName="picture_2" refType="h" refFor="ch" refForName="picture_1" fact="0.22"/>
+                <dgm:constr type="l" for="ch" forName="picture_2" refType="w" refFor="ch" refForName="picture_1" fact="1.375"/>
+                <dgm:constr type="ctrY" for="ch" forName="picture_2" refType="h" refFor="ch" refForName="picture_1" fact="0.11"/>
+                <dgm:constr type="l" for="ch" forName="line_2" refType="ctrX" refFor="ch" refForName="picture_1"/>
+                <dgm:constr type="h" for="ch" forName="line_2"/>
+                <dgm:constr type="r" for="ch" forName="line_2" refType="ctrX" refFor="ch" refForName="picture_2"/>
+                <dgm:constr type="ctrY" for="ch" forName="line_2" refType="ctrY" refFor="ch" refForName="picture_2"/>
+                <dgm:constr type="r" for="ch" forName="textparent_2" refType="w"/>
+                <dgm:constr type="h" for="ch" forName="textparent_2" refType="h" refFor="ch" refForName="picture_2"/>
+                <dgm:constr type="l" for="ch" forName="textparent_2" refType="r" refFor="ch" refForName="picture_2"/>
+                <dgm:constr type="ctrY" for="ch" forName="textparent_2" refType="ctrY" refFor="ch" refForName="picture_2"/>
+                <dgm:constr type="primFontSz" for="des" forName="text_2" val="65"/>
+                <dgm:constr type="w" for="ch" forName="picture_3" refType="w" refFor="ch" refForName="picture_1" fact="0.22"/>
+                <dgm:constr type="h" for="ch" forName="picture_3" refType="h" refFor="ch" refForName="picture_1" fact="0.22"/>
+                <dgm:constr type="l" for="ch" forName="picture_3" refType="w" refFor="ch" refForName="picture_1" fact="1.21"/>
+                <dgm:constr type="ctrY" for="ch" forName="picture_3" refType="h" refFor="ch" refForName="picture_1" fact="0.353"/>
+                <dgm:constr type="l" for="ch" forName="line_3" refType="ctrX" refFor="ch" refForName="picture_1"/>
+                <dgm:constr type="h" for="ch" forName="line_3"/>
+                <dgm:constr type="r" for="ch" forName="line_3" refType="ctrX" refFor="ch" refForName="picture_3"/>
+                <dgm:constr type="ctrY" for="ch" forName="line_3" refType="ctrY" refFor="ch" refForName="picture_3"/>
+                <dgm:constr type="r" for="ch" forName="textparent_3" refType="w"/>
+                <dgm:constr type="h" for="ch" forName="textparent_3" refType="h" refFor="ch" refForName="picture_3"/>
+                <dgm:constr type="l" for="ch" forName="textparent_3" refType="r" refFor="ch" refForName="picture_3"/>
+                <dgm:constr type="ctrY" for="ch" forName="textparent_3" refType="ctrY" refFor="ch" refForName="picture_3"/>
+                <dgm:constr type="primFontSz" for="des" forName="text_3" refType="primFontSz" refFor="des" refForName="text_2" op="equ"/>
+                <dgm:constr type="w" for="ch" forName="picture_4" refType="w" refFor="ch" refForName="picture_1" fact="0.22"/>
+                <dgm:constr type="h" for="ch" forName="picture_4" refType="h" refFor="ch" refForName="picture_1" fact="0.22"/>
+                <dgm:constr type="l" for="ch" forName="picture_4" refType="w" refFor="ch" refForName="picture_1" fact="1.21"/>
+                <dgm:constr type="ctrY" for="ch" forName="picture_4" refType="h" refFor="ch" refForName="picture_1" fact="0.647"/>
+                <dgm:constr type="l" for="ch" forName="line_4" refType="ctrX" refFor="ch" refForName="picture_1"/>
+                <dgm:constr type="h" for="ch" forName="line_4"/>
+                <dgm:constr type="r" for="ch" forName="line_4" refType="ctrX" refFor="ch" refForName="picture_4"/>
+                <dgm:constr type="ctrY" for="ch" forName="line_4" refType="ctrY" refFor="ch" refForName="picture_4"/>
+                <dgm:constr type="r" for="ch" forName="textparent_4" refType="w"/>
+                <dgm:constr type="h" for="ch" forName="textparent_4" refType="h" refFor="ch" refForName="picture_4"/>
+                <dgm:constr type="l" for="ch" forName="textparent_4" refType="r" refFor="ch" refForName="picture_4"/>
+                <dgm:constr type="ctrY" for="ch" forName="textparent_4" refType="ctrY" refFor="ch" refForName="picture_4"/>
+                <dgm:constr type="primFontSz" for="des" forName="text_4" refType="primFontSz" refFor="des" refForName="text_2" op="equ"/>
+                <dgm:constr type="w" for="ch" forName="picture_5" refType="w" refFor="ch" refForName="picture_1" fact="0.22"/>
+                <dgm:constr type="h" for="ch" forName="picture_5" refType="h" refFor="ch" refForName="picture_1" fact="0.22"/>
+                <dgm:constr type="l" for="ch" forName="picture_5" refType="w" refFor="ch" refForName="picture_1" fact="1.375"/>
+                <dgm:constr type="ctrY" for="ch" forName="picture_5" refType="h" refFor="ch" refForName="picture_1" fact="0.89"/>
+                <dgm:constr type="l" for="ch" forName="line_5" refType="ctrX" refFor="ch" refForName="picture_1"/>
+                <dgm:constr type="h" for="ch" forName="line_5"/>
+                <dgm:constr type="r" for="ch" forName="line_5" refType="ctrX" refFor="ch" refForName="picture_5"/>
+                <dgm:constr type="ctrY" for="ch" forName="line_5" refType="ctrY" refFor="ch" refForName="picture_5"/>
+                <dgm:constr type="r" for="ch" forName="textparent_5" refType="w"/>
+                <dgm:constr type="h" for="ch" forName="textparent_5" refType="h" refFor="ch" refForName="picture_5"/>
+                <dgm:constr type="l" for="ch" forName="textparent_5" refType="r" refFor="ch" refForName="picture_5"/>
+                <dgm:constr type="ctrY" for="ch" forName="textparent_5" refType="ctrY" refFor="ch" refForName="picture_5"/>
+                <dgm:constr type="primFontSz" for="des" forName="text_5" refType="primFontSz" refFor="des" refForName="text_2" op="equ"/>
+              </dgm:constrLst>
+            </dgm:if>
+            <dgm:else name="Name19">
+              <dgm:constrLst>
+                <dgm:constr type="h" for="ch" forName="picture_1" refType="h"/>
+                <dgm:constr type="w" for="ch" forName="picture_1" refType="h" refFor="ch" refForName="picture_1" op="equ"/>
+                <dgm:constr type="r" for="ch" forName="picture_1" refType="w"/>
+                <dgm:constr type="t" for="ch" forName="picture_1"/>
+                <dgm:constr type="w" for="ch" forName="text_1" refType="w" refFor="ch" refForName="picture_1" fact="0.64"/>
+                <dgm:constr type="h" for="ch" forName="text_1" refType="h" refFor="ch" refForName="picture_1" fact="0.33"/>
+                <dgm:constr type="l" for="ch" forName="text_1" refType="l" refFor="ch" refForName="picture_1"/>
+                <dgm:constr type="lOff" for="ch" forName="text_1" refType="w" refFor="ch" refForName="picture_1" fact="0.18"/>
+                <dgm:constr type="t" for="ch" forName="text_1" refType="h" refFor="ch" refForName="picture_1" fact="0.531"/>
+                <dgm:constr type="w" for="ch" forName="picture_2" refType="w" refFor="ch" refForName="picture_1" fact="0.22"/>
+                <dgm:constr type="h" for="ch" forName="picture_2" refType="h" refFor="ch" refForName="picture_1" fact="0.22"/>
+                <dgm:constr type="r" for="ch" forName="picture_2" refType="w"/>
+                <dgm:constr type="rOff" for="ch" forName="picture_2" refType="w" refFor="ch" refForName="picture_1" fact="-1.375"/>
+                <dgm:constr type="ctrY" for="ch" forName="picture_2" refType="h" refFor="ch" refForName="picture_1" fact="0.11"/>
+                <dgm:constr type="r" for="ch" forName="line_2" refType="ctrX" refFor="ch" refForName="picture_1"/>
+                <dgm:constr type="h" for="ch" forName="line_2"/>
+                <dgm:constr type="l" for="ch" forName="line_2" refType="ctrX" refFor="ch" refForName="picture_2"/>
+                <dgm:constr type="ctrY" for="ch" forName="line_2" refType="ctrY" refFor="ch" refForName="picture_2"/>
+                <dgm:constr type="l" for="ch" forName="textparent_2"/>
+                <dgm:constr type="h" for="ch" forName="textparent_2" refType="h" refFor="ch" refForName="picture_2"/>
+                <dgm:constr type="r" for="ch" forName="textparent_2" refType="l" refFor="ch" refForName="picture_2"/>
+                <dgm:constr type="ctrY" for="ch" forName="textparent_2" refType="ctrY" refFor="ch" refForName="picture_2"/>
+                <dgm:constr type="primFontSz" for="des" forName="text_2" val="65"/>
+                <dgm:constr type="w" for="ch" forName="picture_3" refType="w" refFor="ch" refForName="picture_1" fact="0.22"/>
+                <dgm:constr type="h" for="ch" forName="picture_3" refType="h" refFor="ch" refForName="picture_1" fact="0.22"/>
+                <dgm:constr type="r" for="ch" forName="picture_3" refType="w"/>
+                <dgm:constr type="rOff" for="ch" forName="picture_3" refType="w" refFor="ch" refForName="picture_1" fact="-1.21"/>
+                <dgm:constr type="ctrY" for="ch" forName="picture_3" refType="h" refFor="ch" refForName="picture_1" fact="0.353"/>
+                <dgm:constr type="r" for="ch" forName="line_3" refType="ctrX" refFor="ch" refForName="picture_1"/>
+                <dgm:constr type="h" for="ch" forName="line_3"/>
+                <dgm:constr type="l" for="ch" forName="line_3" refType="ctrX" refFor="ch" refForName="picture_3"/>
+                <dgm:constr type="ctrY" for="ch" forName="line_3" refType="ctrY" refFor="ch" refForName="picture_3"/>
+                <dgm:constr type="l" for="ch" forName="textparent_3"/>
+                <dgm:constr type="h" for="ch" forName="textparent_3" refType="h" refFor="ch" refForName="picture_3"/>
+                <dgm:constr type="r" for="ch" forName="textparent_3" refType="l" refFor="ch" refForName="picture_3"/>
+                <dgm:constr type="ctrY" for="ch" forName="textparent_3" refType="ctrY" refFor="ch" refForName="picture_3"/>
+                <dgm:constr type="primFontSz" for="des" forName="text_3" refType="primFontSz" refFor="des" refForName="text_2" op="equ"/>
+                <dgm:constr type="w" for="ch" forName="picture_4" refType="w" refFor="ch" refForName="picture_1" fact="0.22"/>
+                <dgm:constr type="h" for="ch" forName="picture_4" refType="h" refFor="ch" refForName="picture_1" fact="0.22"/>
+                <dgm:constr type="r" for="ch" forName="picture_4" refType="w"/>
+                <dgm:constr type="rOff" for="ch" forName="picture_4" refType="w" refFor="ch" refForName="picture_1" fact="-1.21"/>
+                <dgm:constr type="ctrY" for="ch" forName="picture_4" refType="h" refFor="ch" refForName="picture_1" fact="0.647"/>
+                <dgm:constr type="r" for="ch" forName="line_4" refType="ctrX" refFor="ch" refForName="picture_1"/>
+                <dgm:constr type="h" for="ch" forName="line_4"/>
+                <dgm:constr type="l" for="ch" forName="line_4" refType="ctrX" refFor="ch" refForName="picture_4"/>
+                <dgm:constr type="ctrY" for="ch" forName="line_4" refType="ctrY" refFor="ch" refForName="picture_4"/>
+                <dgm:constr type="l" for="ch" forName="textparent_4"/>
+                <dgm:constr type="h" for="ch" forName="textparent_4" refType="h" refFor="ch" refForName="picture_4"/>
+                <dgm:constr type="r" for="ch" forName="textparent_4" refType="l" refFor="ch" refForName="picture_4"/>
+                <dgm:constr type="ctrY" for="ch" forName="textparent_4" refType="ctrY" refFor="ch" refForName="picture_4"/>
+                <dgm:constr type="primFontSz" for="des" forName="text_4" refType="primFontSz" refFor="des" refForName="text_2" op="equ"/>
+                <dgm:constr type="w" for="ch" forName="picture_5" refType="w" refFor="ch" refForName="picture_1" fact="0.22"/>
+                <dgm:constr type="h" for="ch" forName="picture_5" refType="h" refFor="ch" refForName="picture_1" fact="0.22"/>
+                <dgm:constr type="r" for="ch" forName="picture_5" refType="w"/>
+                <dgm:constr type="rOff" for="ch" forName="picture_5" refType="w" refFor="ch" refForName="picture_1" fact="-1.375"/>
+                <dgm:constr type="ctrY" for="ch" forName="picture_5" refType="h" refFor="ch" refForName="picture_1" fact="0.89"/>
+                <dgm:constr type="r" for="ch" forName="line_5" refType="ctrX" refFor="ch" refForName="picture_1"/>
+                <dgm:constr type="h" for="ch" forName="line_5"/>
+                <dgm:constr type="l" for="ch" forName="line_5" refType="ctrX" refFor="ch" refForName="picture_5"/>
+                <dgm:constr type="ctrY" for="ch" forName="line_5" refType="ctrY" refFor="ch" refForName="picture_5"/>
+                <dgm:constr type="l" for="ch" forName="textparent_5"/>
+                <dgm:constr type="h" for="ch" forName="textparent_5" refType="h" refFor="ch" refForName="picture_5"/>
+                <dgm:constr type="r" for="ch" forName="textparent_5" refType="l" refFor="ch" refForName="picture_5"/>
+                <dgm:constr type="ctrY" for="ch" forName="textparent_5" refType="ctrY" refFor="ch" refForName="picture_5"/>
+                <dgm:constr type="primFontSz" for="des" forName="text_5" refType="primFontSz" refFor="des" refForName="text_2" op="equ"/>
+              </dgm:constrLst>
+            </dgm:else>
+          </dgm:choose>
+        </dgm:if>
+        <dgm:if name="Name20" axis="ch" ptType="node" func="cnt" op="lte" val="6">
+          <dgm:choose name="Name21">
+            <dgm:if name="Name22" func="var" arg="dir" op="equ" val="norm">
+              <dgm:constrLst>
+                <dgm:constr type="h" for="ch" forName="picture_1" refType="h"/>
+                <dgm:constr type="w" for="ch" forName="picture_1" refType="h" refFor="ch" refForName="picture_1" op="equ"/>
+                <dgm:constr type="l" for="ch" forName="picture_1"/>
+                <dgm:constr type="t" for="ch" forName="picture_1"/>
+                <dgm:constr type="w" for="ch" forName="text_1" refType="w" refFor="ch" refForName="picture_1" fact="0.64"/>
+                <dgm:constr type="h" for="ch" forName="text_1" refType="h" refFor="ch" refForName="picture_1" fact="0.33"/>
+                <dgm:constr type="l" for="ch" forName="text_1" refType="l" refFor="ch" refForName="picture_1"/>
+                <dgm:constr type="lOff" for="ch" forName="text_1" refType="w" refFor="ch" refForName="picture_1" fact="0.18"/>
+                <dgm:constr type="t" for="ch" forName="text_1" refType="h" refFor="ch" refForName="picture_1" fact="0.531"/>
+                <dgm:constr type="w" for="ch" forName="picture_2" refType="w" refFor="ch" refForName="picture_1" fact="0.18"/>
+                <dgm:constr type="h" for="ch" forName="picture_2" refType="h" refFor="ch" refForName="picture_1" fact="0.18"/>
+                <dgm:constr type="l" for="ch" forName="picture_2" refType="w" refFor="ch" refForName="picture_1" fact="1.4238"/>
+                <dgm:constr type="ctrY" for="ch" forName="picture_2" refType="h" refFor="ch" refForName="picture_1" fact="0.09"/>
+                <dgm:constr type="l" for="ch" forName="line_2" refType="ctrX" refFor="ch" refForName="picture_1"/>
+                <dgm:constr type="h" for="ch" forName="line_2"/>
+                <dgm:constr type="r" for="ch" forName="line_2" refType="ctrX" refFor="ch" refForName="picture_2"/>
+                <dgm:constr type="ctrY" for="ch" forName="line_2" refType="ctrY" refFor="ch" refForName="picture_2"/>
+                <dgm:constr type="r" for="ch" forName="textparent_2" refType="w"/>
+                <dgm:constr type="h" for="ch" forName="textparent_2" refType="h" refFor="ch" refForName="picture_2"/>
+                <dgm:constr type="l" for="ch" forName="textparent_2" refType="r" refFor="ch" refForName="picture_2"/>
+                <dgm:constr type="ctrY" for="ch" forName="textparent_2" refType="ctrY" refFor="ch" refForName="picture_2"/>
+                <dgm:constr type="primFontSz" for="des" forName="text_2" val="65"/>
+                <dgm:constr type="w" for="ch" forName="picture_3" refType="w" refFor="ch" refForName="picture_1" fact="0.18"/>
+                <dgm:constr type="h" for="ch" forName="picture_3" refType="h" refFor="ch" refForName="picture_1" fact="0.18"/>
+                <dgm:constr type="l" for="ch" forName="picture_3" refType="w" refFor="ch" refForName="picture_1" fact="1.2667"/>
+                <dgm:constr type="ctrY" for="ch" forName="picture_3" refType="h" refFor="ch" refForName="picture_1" fact="0.261"/>
+                <dgm:constr type="l" for="ch" forName="line_3" refType="ctrX" refFor="ch" refForName="picture_1"/>
+                <dgm:constr type="h" for="ch" forName="line_3"/>
+                <dgm:constr type="r" for="ch" forName="line_3" refType="ctrX" refFor="ch" refForName="picture_3"/>
+                <dgm:constr type="ctrY" for="ch" forName="line_3" refType="ctrY" refFor="ch" refForName="picture_3"/>
+                <dgm:constr type="r" for="ch" forName="textparent_3" refType="w"/>
+                <dgm:constr type="h" for="ch" forName="textparent_3" refType="h" refFor="ch" refForName="picture_3"/>
+                <dgm:constr type="l" for="ch" forName="textparent_3" refType="r" refFor="ch" refForName="picture_3"/>
+                <dgm:constr type="ctrY" for="ch" forName="textparent_3" refType="ctrY" refFor="ch" refForName="picture_3"/>
+                <dgm:constr type="primFontSz" for="des" forName="text_3" refType="primFontSz" refFor="des" refForName="text_2" op="equ"/>
+                <dgm:constr type="w" for="ch" forName="picture_4" refType="w" refFor="ch" refForName="picture_1" fact="0.18"/>
+                <dgm:constr type="h" for="ch" forName="picture_4" refType="h" refFor="ch" refForName="picture_1" fact="0.18"/>
+                <dgm:constr type="l" for="ch" forName="picture_4" refType="w" refFor="ch" refForName="picture_1" fact="1.21"/>
+                <dgm:constr type="ctrY" for="ch" forName="picture_4" refType="h" refFor="ch" refForName="picture_1" fact="0.5"/>
+                <dgm:constr type="l" for="ch" forName="line_4" refType="ctrX" refFor="ch" refForName="picture_1"/>
+                <dgm:constr type="h" for="ch" forName="line_4"/>
+                <dgm:constr type="r" for="ch" forName="line_4" refType="ctrX" refFor="ch" refForName="picture_4"/>
+                <dgm:constr type="ctrY" for="ch" forName="line_4" refType="ctrY" refFor="ch" refForName="picture_4"/>
+                <dgm:constr type="r" for="ch" forName="textparent_4" refType="w"/>
+                <dgm:constr type="h" for="ch" forName="textparent_4" refType="h" refFor="ch" refForName="picture_4"/>
+                <dgm:constr type="l" for="ch" forName="textparent_4" refType="r" refFor="ch" refForName="picture_4"/>
+                <dgm:constr type="ctrY" for="ch" forName="textparent_4" refType="ctrY" refFor="ch" refForName="picture_4"/>
+                <dgm:constr type="primFontSz" for="des" forName="text_4" refType="primFontSz" refFor="des" refForName="text_2" op="equ"/>
+                <dgm:constr type="w" for="ch" forName="picture_5" refType="w" refFor="ch" refForName="picture_1" fact="0.18"/>
+                <dgm:constr type="h" for="ch" forName="picture_5" refType="h" refFor="ch" refForName="picture_1" fact="0.18"/>
+                <dgm:constr type="l" for="ch" forName="picture_5" refType="w" refFor="ch" refForName="picture_1" fact="1.2667"/>
+                <dgm:constr type="ctrY" for="ch" forName="picture_5" refType="h" refFor="ch" refForName="picture_1" fact="0.739"/>
+                <dgm:constr type="l" for="ch" forName="line_5" refType="ctrX" refFor="ch" refForName="picture_1"/>
+                <dgm:constr type="h" for="ch" forName="line_5"/>
+                <dgm:constr type="r" for="ch" forName="line_5" refType="ctrX" refFor="ch" refForName="picture_5"/>
+                <dgm:constr type="ctrY" for="ch" forName="line_5" refType="ctrY" refFor="ch" refForName="picture_5"/>
+                <dgm:constr type="r" for="ch" forName="textparent_5" refType="w"/>
+                <dgm:constr type="h" for="ch" forName="textparent_5" refType="h" refFor="ch" refForName="picture_5"/>
+                <dgm:constr type="l" for="ch" forName="textparent_5" refType="r" refFor="ch" refForName="picture_5"/>
+                <dgm:constr type="ctrY" for="ch" forName="textparent_5" refType="ctrY" refFor="ch" refForName="picture_5"/>
+                <dgm:constr type="primFontSz" for="des" forName="text_5" refType="primFontSz" refFor="des" refForName="text_2" op="equ"/>
+                <dgm:constr type="w" for="ch" forName="picture_6" refType="w" refFor="ch" refForName="picture_1" fact="0.18"/>
+                <dgm:constr type="h" for="ch" forName="picture_6" refType="h" refFor="ch" refForName="picture_1" fact="0.18"/>
+                <dgm:constr type="l" for="ch" forName="picture_6" refType="w" refFor="ch" refForName="picture_1" fact="1.4238"/>
+                <dgm:constr type="ctrY" for="ch" forName="picture_6" refType="h" refFor="ch" refForName="picture_1" fact="0.91"/>
+                <dgm:constr type="l" for="ch" forName="line_6" refType="ctrX" refFor="ch" refForName="picture_1"/>
+                <dgm:constr type="h" for="ch" forName="line_6"/>
+                <dgm:constr type="r" for="ch" forName="line_6" refType="ctrX" refFor="ch" refForName="picture_6"/>
+                <dgm:constr type="ctrY" for="ch" forName="line_6" refType="ctrY" refFor="ch" refForName="picture_6"/>
+                <dgm:constr type="r" for="ch" forName="textparent_6" refType="w"/>
+                <dgm:constr type="h" for="ch" forName="textparent_6" refType="h" refFor="ch" refForName="picture_6"/>
+                <dgm:constr type="l" for="ch" forName="textparent_6" refType="r" refFor="ch" refForName="picture_6"/>
+                <dgm:constr type="ctrY" for="ch" forName="textparent_6" refType="ctrY" refFor="ch" refForName="picture_6"/>
+                <dgm:constr type="primFontSz" for="des" forName="text_6" refType="primFontSz" refFor="des" refForName="text_2" op="equ"/>
+              </dgm:constrLst>
+            </dgm:if>
+            <dgm:else name="Name23">
+              <dgm:constrLst>
+                <dgm:constr type="h" for="ch" forName="picture_1" refType="h"/>
+                <dgm:constr type="w" for="ch" forName="picture_1" refType="h" refFor="ch" refForName="picture_1" op="equ"/>
+                <dgm:constr type="r" for="ch" forName="picture_1" refType="w"/>
+                <dgm:constr type="t" for="ch" forName="picture_1"/>
+                <dgm:constr type="w" for="ch" forName="text_1" refType="w" refFor="ch" refForName="picture_1" fact="0.64"/>
+                <dgm:constr type="h" for="ch" forName="text_1" refType="h" refFor="ch" refForName="picture_1" fact="0.33"/>
+                <dgm:constr type="l" for="ch" forName="text_1" refType="l" refFor="ch" refForName="picture_1"/>
+                <dgm:constr type="lOff" for="ch" forName="text_1" refType="w" refFor="ch" refForName="picture_1" fact="0.18"/>
+                <dgm:constr type="t" for="ch" forName="text_1" refType="h" refFor="ch" refForName="picture_1" fact="0.531"/>
+                <dgm:constr type="w" for="ch" forName="picture_2" refType="w" refFor="ch" refForName="picture_1" fact="0.18"/>
+                <dgm:constr type="h" for="ch" forName="picture_2" refType="h" refFor="ch" refForName="picture_1" fact="0.18"/>
+                <dgm:constr type="r" for="ch" forName="picture_2" refType="w"/>
+                <dgm:constr type="rOff" for="ch" forName="picture_2" refType="w" refFor="ch" refForName="picture_1" fact="-1.4238"/>
+                <dgm:constr type="ctrY" for="ch" forName="picture_2" refType="h" refFor="ch" refForName="picture_1" fact="0.09"/>
+                <dgm:constr type="r" for="ch" forName="line_2" refType="ctrX" refFor="ch" refForName="picture_1"/>
+                <dgm:constr type="h" for="ch" forName="line_2"/>
+                <dgm:constr type="l" for="ch" forName="line_2" refType="ctrX" refFor="ch" refForName="picture_2"/>
+                <dgm:constr type="ctrY" for="ch" forName="line_2" refType="ctrY" refFor="ch" refForName="picture_2"/>
+                <dgm:constr type="l" for="ch" forName="textparent_2"/>
+                <dgm:constr type="h" for="ch" forName="textparent_2" refType="h" refFor="ch" refForName="picture_2"/>
+                <dgm:constr type="r" for="ch" forName="textparent_2" refType="l" refFor="ch" refForName="picture_2"/>
+                <dgm:constr type="ctrY" for="ch" forName="textparent_2" refType="ctrY" refFor="ch" refForName="picture_2"/>
+                <dgm:constr type="primFontSz" for="des" forName="text_2" val="65"/>
+                <dgm:constr type="w" for="ch" forName="picture_3" refType="w" refFor="ch" refForName="picture_1" fact="0.18"/>
+                <dgm:constr type="h" for="ch" forName="picture_3" refType="h" refFor="ch" refForName="picture_1" fact="0.18"/>
+                <dgm:constr type="r" for="ch" forName="picture_3" refType="w"/>
+                <dgm:constr type="rOff" for="ch" forName="picture_3" refType="w" refFor="ch" refForName="picture_1" fact="-1.2667"/>
+                <dgm:constr type="ctrY" for="ch" forName="picture_3" refType="h" refFor="ch" refForName="picture_1" fact="0.261"/>
+                <dgm:constr type="r" for="ch" forName="line_3" refType="ctrX" refFor="ch" refForName="picture_1"/>
+                <dgm:constr type="h" for="ch" forName="line_3"/>
+                <dgm:constr type="l" for="ch" forName="line_3" refType="ctrX" refFor="ch" refForName="picture_3"/>
+                <dgm:constr type="ctrY" for="ch" forName="line_3" refType="ctrY" refFor="ch" refForName="picture_3"/>
+                <dgm:constr type="l" for="ch" forName="textparent_3"/>
+                <dgm:constr type="h" for="ch" forName="textparent_3" refType="h" refFor="ch" refForName="picture_3"/>
+                <dgm:constr type="r" for="ch" forName="textparent_3" refType="l" refFor="ch" refForName="picture_3"/>
+                <dgm:constr type="ctrY" for="ch" forName="textparent_3" refType="ctrY" refFor="ch" refForName="picture_3"/>
+                <dgm:constr type="primFontSz" for="des" forName="text_3" refType="primFontSz" refFor="des" refForName="text_2" op="equ"/>
+                <dgm:constr type="w" for="ch" forName="picture_4" refType="w" refFor="ch" refForName="picture_1" fact="0.18"/>
+                <dgm:constr type="h" for="ch" forName="picture_4" refType="h" refFor="ch" refForName="picture_1" fact="0.18"/>
+                <dgm:constr type="r" for="ch" forName="picture_4" refType="w"/>
+                <dgm:constr type="rOff" for="ch" forName="picture_4" refType="w" refFor="ch" refForName="picture_1" fact="-1.21"/>
+                <dgm:constr type="ctrY" for="ch" forName="picture_4" refType="h" refFor="ch" refForName="picture_1" fact="0.5"/>
+                <dgm:constr type="r" for="ch" forName="line_4" refType="ctrX" refFor="ch" refForName="picture_1"/>
+                <dgm:constr type="h" for="ch" forName="line_4"/>
+                <dgm:constr type="l" for="ch" forName="line_4" refType="ctrX" refFor="ch" refForName="picture_4"/>
+                <dgm:constr type="ctrY" for="ch" forName="line_4" refType="ctrY" refFor="ch" refForName="picture_4"/>
+                <dgm:constr type="l" for="ch" forName="textparent_4"/>
+                <dgm:constr type="h" for="ch" forName="textparent_4" refType="h" refFor="ch" refForName="picture_4"/>
+                <dgm:constr type="r" for="ch" forName="textparent_4" refType="l" refFor="ch" refForName="picture_4"/>
+                <dgm:constr type="ctrY" for="ch" forName="textparent_4" refType="ctrY" refFor="ch" refForName="picture_4"/>
+                <dgm:constr type="primFontSz" for="des" forName="text_4" refType="primFontSz" refFor="des" refForName="text_2" op="equ"/>
+                <dgm:constr type="w" for="ch" forName="picture_5" refType="w" refFor="ch" refForName="picture_1" fact="0.18"/>
+                <dgm:constr type="h" for="ch" forName="picture_5" refType="h" refFor="ch" refForName="picture_1" fact="0.18"/>
+                <dgm:constr type="r" for="ch" forName="picture_5" refType="w"/>
+                <dgm:constr type="rOff" for="ch" forName="picture_5" refType="w" refFor="ch" refForName="picture_1" fact="-1.2667"/>
+                <dgm:constr type="ctrY" for="ch" forName="picture_5" refType="h" refFor="ch" refForName="picture_1" fact="0.739"/>
+                <dgm:constr type="r" for="ch" forName="line_5" refType="ctrX" refFor="ch" refForName="picture_1"/>
+                <dgm:constr type="h" for="ch" forName="line_5"/>
+                <dgm:constr type="l" for="ch" forName="line_5" refType="ctrX" refFor="ch" refForName="picture_5"/>
+                <dgm:constr type="ctrY" for="ch" forName="line_5" refType="ctrY" refFor="ch" refForName="picture_5"/>
+                <dgm:constr type="l" for="ch" forName="textparent_5"/>
+                <dgm:constr type="h" for="ch" forName="textparent_5" refType="h" refFor="ch" refForName="picture_5"/>
+                <dgm:constr type="r" for="ch" forName="textparent_5" refType="l" refFor="ch" refForName="picture_5"/>
+                <dgm:constr type="ctrY" for="ch" forName="textparent_5" refType="ctrY" refFor="ch" refForName="picture_5"/>
+                <dgm:constr type="primFontSz" for="des" forName="text_5" refType="primFontSz" refFor="des" refForName="text_2" op="equ"/>
+                <dgm:constr type="w" for="ch" forName="picture_6" refType="w" refFor="ch" refForName="picture_1" fact="0.18"/>
+                <dgm:constr type="h" for="ch" forName="picture_6" refType="h" refFor="ch" refForName="picture_1" fact="0.18"/>
+                <dgm:constr type="r" for="ch" forName="picture_6" refType="w"/>
+                <dgm:constr type="rOff" for="ch" forName="picture_6" refType="w" refFor="ch" refForName="picture_1" fact="-1.4238"/>
+                <dgm:constr type="ctrY" for="ch" forName="picture_6" refType="h" refFor="ch" refForName="picture_1" fact="0.91"/>
+                <dgm:constr type="r" for="ch" forName="line_6" refType="ctrX" refFor="ch" refForName="picture_1"/>
+                <dgm:constr type="h" for="ch" forName="line_6"/>
+                <dgm:constr type="l" for="ch" forName="line_6" refType="ctrX" refFor="ch" refForName="picture_6"/>
+                <dgm:constr type="ctrY" for="ch" forName="line_6" refType="ctrY" refFor="ch" refForName="picture_6"/>
+                <dgm:constr type="l" for="ch" forName="textparent_6"/>
+                <dgm:constr type="h" for="ch" forName="textparent_6" refType="h" refFor="ch" refForName="picture_6"/>
+                <dgm:constr type="r" for="ch" forName="textparent_6" refType="l" refFor="ch" refForName="picture_6"/>
+                <dgm:constr type="ctrY" for="ch" forName="textparent_6" refType="ctrY" refFor="ch" refForName="picture_6"/>
+                <dgm:constr type="primFontSz" for="des" forName="text_6" refType="primFontSz" refFor="des" refForName="text_2" op="equ"/>
+              </dgm:constrLst>
+            </dgm:else>
+          </dgm:choose>
+        </dgm:if>
+        <dgm:else name="Name24">
+          <dgm:choose name="Name25">
+            <dgm:if name="Name26" func="var" arg="dir" op="equ" val="norm">
+              <dgm:constrLst>
+                <dgm:constr type="h" for="ch" forName="picture_1" refType="h"/>
+                <dgm:constr type="w" for="ch" forName="picture_1" refType="h" refFor="ch" refForName="picture_1" op="equ"/>
+                <dgm:constr type="l" for="ch" forName="picture_1"/>
+                <dgm:constr type="t" for="ch" forName="picture_1"/>
+                <dgm:constr type="w" for="ch" forName="text_1" refType="w" refFor="ch" refForName="picture_1" fact="0.64"/>
+                <dgm:constr type="h" for="ch" forName="text_1" refType="h" refFor="ch" refForName="picture_1" fact="0.33"/>
+                <dgm:constr type="l" for="ch" forName="text_1" refType="l" refFor="ch" refForName="picture_1"/>
+                <dgm:constr type="lOff" for="ch" forName="text_1" refType="w" refFor="ch" refForName="picture_1" fact="0.18"/>
+                <dgm:constr type="t" for="ch" forName="text_1" refType="h" refFor="ch" refForName="picture_1" fact="0.531"/>
+                <dgm:constr type="w" for="ch" forName="picture_2" refType="w" refFor="ch" refForName="picture_1" fact="0.15"/>
+                <dgm:constr type="h" for="ch" forName="picture_2" refType="h" refFor="ch" refForName="picture_1" fact="0.15"/>
+                <dgm:constr type="l" for="ch" forName="picture_2" refType="w" refFor="ch" refForName="picture_1" fact="1.4363"/>
+                <dgm:constr type="ctrY" for="ch" forName="picture_2" refType="h" refFor="ch" refForName="picture_1" fact="0.075"/>
+                <dgm:constr type="l" for="ch" forName="line_2" refType="ctrX" refFor="ch" refForName="picture_1"/>
+                <dgm:constr type="h" for="ch" forName="line_2"/>
+                <dgm:constr type="r" for="ch" forName="line_2" refType="ctrX" refFor="ch" refForName="picture_2"/>
+                <dgm:constr type="ctrY" for="ch" forName="line_2" refType="ctrY" refFor="ch" refForName="picture_2"/>
+                <dgm:constr type="r" for="ch" forName="textparent_2" refType="w"/>
+                <dgm:constr type="h" for="ch" forName="textparent_2" refType="h" refFor="ch" refForName="picture_2"/>
+                <dgm:constr type="l" for="ch" forName="textparent_2" refType="r" refFor="ch" refForName="picture_2"/>
+                <dgm:constr type="ctrY" for="ch" forName="textparent_2" refType="ctrY" refFor="ch" refForName="picture_2"/>
+                <dgm:constr type="primFontSz" for="des" forName="text_2" val="65"/>
+                <dgm:constr type="w" for="ch" forName="picture_3" refType="w" refFor="ch" refForName="picture_1" fact="0.15"/>
+                <dgm:constr type="h" for="ch" forName="picture_3" refType="h" refFor="ch" refForName="picture_1" fact="0.15"/>
+                <dgm:constr type="l" for="ch" forName="picture_3" refType="w" refFor="ch" refForName="picture_1" fact="1.2898"/>
+                <dgm:constr type="ctrY" for="ch" forName="picture_3" refType="h" refFor="ch" refForName="picture_1" fact="0.227"/>
+                <dgm:constr type="l" for="ch" forName="line_3" refType="ctrX" refFor="ch" refForName="picture_1"/>
+                <dgm:constr type="h" for="ch" forName="line_3"/>
+                <dgm:constr type="r" for="ch" forName="line_3" refType="ctrX" refFor="ch" refForName="picture_3"/>
+                <dgm:constr type="ctrY" for="ch" forName="line_3" refType="ctrY" refFor="ch" refForName="picture_3"/>
+                <dgm:constr type="r" for="ch" forName="textparent_3" refType="w"/>
+                <dgm:constr type="h" for="ch" forName="textparent_3" refType="h" refFor="ch" refForName="picture_3"/>
+                <dgm:constr type="l" for="ch" forName="textparent_3" refType="r" refFor="ch" refForName="picture_3"/>
+                <dgm:constr type="ctrY" for="ch" forName="textparent_3" refType="ctrY" refFor="ch" refForName="picture_3"/>
+                <dgm:constr type="primFontSz" for="des" forName="text_3" refType="primFontSz" refFor="des" refForName="text_2" op="equ"/>
+                <dgm:constr type="w" for="ch" forName="picture_4" refType="w" refFor="ch" refForName="picture_1" fact="0.15"/>
+                <dgm:constr type="h" for="ch" forName="picture_4" refType="h" refFor="ch" refForName="picture_1" fact="0.15"/>
+                <dgm:constr type="l" for="ch" forName="picture_4" refType="w" refFor="ch" refForName="picture_1" fact="1.21"/>
+                <dgm:constr type="ctrY" for="ch" forName="picture_4" refType="h" refFor="ch" refForName="picture_1" fact="0.405"/>
+                <dgm:constr type="l" for="ch" forName="line_4" refType="ctrX" refFor="ch" refForName="picture_1"/>
+                <dgm:constr type="h" for="ch" forName="line_4"/>
+                <dgm:constr type="r" for="ch" forName="line_4" refType="ctrX" refFor="ch" refForName="picture_4"/>
+                <dgm:constr type="ctrY" for="ch" forName="line_4" refType="ctrY" refFor="ch" refForName="picture_4"/>
+                <dgm:constr type="r" for="ch" forName="textparent_4" refType="w"/>
+                <dgm:constr type="h" for="ch" forName="textparent_4" refType="h" refFor="ch" refForName="picture_4"/>
+                <dgm:constr type="l" for="ch" forName="textparent_4" refType="r" refFor="ch" refForName="picture_4"/>
+                <dgm:constr type="ctrY" for="ch" forName="textparent_4" refType="ctrY" refFor="ch" refForName="picture_4"/>
+                <dgm:constr type="primFontSz" for="des" forName="text_4" refType="primFontSz" refFor="des" refForName="text_2" op="equ"/>
+                <dgm:constr type="w" for="ch" forName="picture_5" refType="w" refFor="ch" refForName="picture_1" fact="0.15"/>
+                <dgm:constr type="h" for="ch" forName="picture_5" refType="h" refFor="ch" refForName="picture_1" fact="0.15"/>
+                <dgm:constr type="l" for="ch" forName="picture_5" refType="w" refFor="ch" refForName="picture_1" fact="1.21"/>
+                <dgm:constr type="ctrY" for="ch" forName="picture_5" refType="h" refFor="ch" refForName="picture_1" fact="0.595"/>
+                <dgm:constr type="l" for="ch" forName="line_5" refType="ctrX" refFor="ch" refForName="picture_1"/>
+                <dgm:constr type="h" for="ch" forName="line_5"/>
+                <dgm:constr type="r" for="ch" forName="line_5" refType="ctrX" refFor="ch" refForName="picture_5"/>
+                <dgm:constr type="ctrY" for="ch" forName="line_5" refType="ctrY" refFor="ch" refForName="picture_5"/>
+                <dgm:constr type="r" for="ch" forName="textparent_5" refType="w"/>
+                <dgm:constr type="h" for="ch" forName="textparent_5" refType="h" refFor="ch" refForName="picture_5"/>
+                <dgm:constr type="l" for="ch" forName="textparent_5" refType="r" refFor="ch" refForName="picture_5"/>
+                <dgm:constr type="ctrY" for="ch" forName="textparent_5" refType="ctrY" refFor="ch" refForName="picture_5"/>
+                <dgm:constr type="primFontSz" for="des" forName="text_5" refType="primFontSz" refFor="des" refForName="text_2" op="equ"/>
+                <dgm:constr type="w" for="ch" forName="picture_6" refType="w" refFor="ch" refForName="picture_1" fact="0.15"/>
+                <dgm:constr type="h" for="ch" forName="picture_6" refType="h" refFor="ch" refForName="picture_1" fact="0.15"/>
+                <dgm:constr type="l" for="ch" forName="picture_6" refType="w" refFor="ch" refForName="picture_1" fact="1.2898"/>
+                <dgm:constr type="ctrY" for="ch" forName="picture_6" refType="h" refFor="ch" refForName="picture_1" fact="0.773"/>
+                <dgm:constr type="l" for="ch" forName="line_6" refType="ctrX" refFor="ch" refForName="picture_1"/>
+                <dgm:constr type="h" for="ch" forName="line_6"/>
+                <dgm:constr type="r" for="ch" forName="line_6" refType="ctrX" refFor="ch" refForName="picture_6"/>
+                <dgm:constr type="ctrY" for="ch" forName="line_6" refType="ctrY" refFor="ch" refForName="picture_6"/>
+                <dgm:constr type="r" for="ch" forName="textparent_6" refType="w"/>
+                <dgm:constr type="h" for="ch" forName="textparent_6" refType="h" refFor="ch" refForName="picture_6"/>
+                <dgm:constr type="l" for="ch" forName="textparent_6" refType="r" refFor="ch" refForName="picture_6"/>
+                <dgm:constr type="ctrY" for="ch" forName="textparent_6" refType="ctrY" refFor="ch" refForName="picture_6"/>
+                <dgm:constr type="primFontSz" for="des" forName="text_6" refType="primFontSz" refFor="des" refForName="text_2" op="equ"/>
+                <dgm:constr type="w" for="ch" forName="picture_7" refType="w" refFor="ch" refForName="picture_1" fact="0.15"/>
+                <dgm:constr type="h" for="ch" forName="picture_7" refType="h" refFor="ch" refForName="picture_1" fact="0.15"/>
+                <dgm:constr type="l" for="ch" forName="picture_7" refType="w" refFor="ch" refForName="picture_1" fact="1.4363"/>
+                <dgm:constr type="ctrY" for="ch" forName="picture_7" refType="h" refFor="ch" refForName="picture_1" fact="0.925"/>
+                <dgm:constr type="l" for="ch" forName="line_7" refType="ctrX" refFor="ch" refForName="picture_1"/>
+                <dgm:constr type="h" for="ch" forName="line_7"/>
+                <dgm:constr type="r" for="ch" forName="line_7" refType="ctrX" refFor="ch" refForName="picture_7"/>
+                <dgm:constr type="ctrY" for="ch" forName="line_7" refType="ctrY" refFor="ch" refForName="picture_7"/>
+                <dgm:constr type="r" for="ch" forName="textparent_7" refType="w"/>
+                <dgm:constr type="h" for="ch" forName="textparent_7" refType="h" refFor="ch" refForName="picture_7"/>
+                <dgm:constr type="l" for="ch" forName="textparent_7" refType="r" refFor="ch" refForName="picture_7"/>
+                <dgm:constr type="ctrY" for="ch" forName="textparent_7" refType="ctrY" refFor="ch" refForName="picture_7"/>
+                <dgm:constr type="primFontSz" for="des" forName="text_7" refType="primFontSz" refFor="des" refForName="text_2" op="equ"/>
+              </dgm:constrLst>
+            </dgm:if>
+            <dgm:else name="Name27">
+              <dgm:constrLst>
+                <dgm:constr type="h" for="ch" forName="picture_1" refType="h"/>
+                <dgm:constr type="w" for="ch" forName="picture_1" refType="h" refFor="ch" refForName="picture_1" op="equ"/>
+                <dgm:constr type="r" for="ch" forName="picture_1" refType="w"/>
+                <dgm:constr type="t" for="ch" forName="picture_1"/>
+                <dgm:constr type="w" for="ch" forName="text_1" refType="w" refFor="ch" refForName="picture_1" fact="0.64"/>
+                <dgm:constr type="h" for="ch" forName="text_1" refType="h" refFor="ch" refForName="picture_1" fact="0.33"/>
+                <dgm:constr type="l" for="ch" forName="text_1" refType="l" refFor="ch" refForName="picture_1"/>
+                <dgm:constr type="lOff" for="ch" forName="text_1" refType="w" refFor="ch" refForName="picture_1" fact="0.18"/>
+                <dgm:constr type="t" for="ch" forName="text_1" refType="h" refFor="ch" refForName="picture_1" fact="0.531"/>
+                <dgm:constr type="w" for="ch" forName="picture_2" refType="w" refFor="ch" refForName="picture_1" fact="0.15"/>
+                <dgm:constr type="h" for="ch" forName="picture_2" refType="h" refFor="ch" refForName="picture_1" fact="0.15"/>
+                <dgm:constr type="r" for="ch" forName="picture_2" refType="w"/>
+                <dgm:constr type="rOff" for="ch" forName="picture_2" refType="w" refFor="ch" refForName="picture_1" fact="-1.4363"/>
+                <dgm:constr type="ctrY" for="ch" forName="picture_2" refType="h" refFor="ch" refForName="picture_1" fact="0.075"/>
+                <dgm:constr type="r" for="ch" forName="line_2" refType="ctrX" refFor="ch" refForName="picture_1"/>
+                <dgm:constr type="h" for="ch" forName="line_2"/>
+                <dgm:constr type="l" for="ch" forName="line_2" refType="ctrX" refFor="ch" refForName="picture_2"/>
+                <dgm:constr type="ctrY" for="ch" forName="line_2" refType="ctrY" refFor="ch" refForName="picture_2"/>
+                <dgm:constr type="l" for="ch" forName="textparent_2"/>
+                <dgm:constr type="h" for="ch" forName="textparent_2" refType="h" refFor="ch" refForName="picture_2"/>
+                <dgm:constr type="r" for="ch" forName="textparent_2" refType="l" refFor="ch" refForName="picture_2"/>
+                <dgm:constr type="ctrY" for="ch" forName="textparent_2" refType="ctrY" refFor="ch" refForName="picture_2"/>
+                <dgm:constr type="primFontSz" for="des" forName="text_2" val="65"/>
+                <dgm:constr type="w" for="ch" forName="picture_3" refType="w" refFor="ch" refForName="picture_1" fact="0.15"/>
+                <dgm:constr type="h" for="ch" forName="picture_3" refType="h" refFor="ch" refForName="picture_1" fact="0.15"/>
+                <dgm:constr type="r" for="ch" forName="picture_3" refType="w"/>
+                <dgm:constr type="rOff" for="ch" forName="picture_3" refType="w" refFor="ch" refForName="picture_1" fact="-1.2898"/>
+                <dgm:constr type="ctrY" for="ch" forName="picture_3" refType="h" refFor="ch" refForName="picture_1" fact="0.227"/>
+                <dgm:constr type="r" for="ch" forName="line_3" refType="ctrX" refFor="ch" refForName="picture_1"/>
+                <dgm:constr type="h" for="ch" forName="line_3"/>
+                <dgm:constr type="l" for="ch" forName="line_3" refType="ctrX" refFor="ch" refForName="picture_3"/>
+                <dgm:constr type="ctrY" for="ch" forName="line_3" refType="ctrY" refFor="ch" refForName="picture_3"/>
+                <dgm:constr type="l" for="ch" forName="textparent_3"/>
+                <dgm:constr type="h" for="ch" forName="textparent_3" refType="h" refFor="ch" refForName="picture_3"/>
+                <dgm:constr type="r" for="ch" forName="textparent_3" refType="l" refFor="ch" refForName="picture_3"/>
+                <dgm:constr type="ctrY" for="ch" forName="textparent_3" refType="ctrY" refFor="ch" refForName="picture_3"/>
+                <dgm:constr type="primFontSz" for="des" forName="text_3" refType="primFontSz" refFor="des" refForName="text_2" op="equ"/>
+                <dgm:constr type="w" for="ch" forName="picture_4" refType="w" refFor="ch" refForName="picture_1" fact="0.15"/>
+                <dgm:constr type="h" for="ch" forName="picture_4" refType="h" refFor="ch" refForName="picture_1" fact="0.15"/>
+                <dgm:constr type="r" for="ch" forName="picture_4" refType="w"/>
+                <dgm:constr type="rOff" for="ch" forName="picture_4" refType="w" refFor="ch" refForName="picture_1" fact="-1.21"/>
+                <dgm:constr type="ctrY" for="ch" forName="picture_4" refType="h" refFor="ch" refForName="picture_1" fact="0.405"/>
+                <dgm:constr type="r" for="ch" forName="line_4" refType="ctrX" refFor="ch" refForName="picture_1"/>
+                <dgm:constr type="h" for="ch" forName="line_4"/>
+                <dgm:constr type="l" for="ch" forName="line_4" refType="ctrX" refFor="ch" refForName="picture_4"/>
+                <dgm:constr type="ctrY" for="ch" forName="line_4" refType="ctrY" refFor="ch" refForName="picture_4"/>
+                <dgm:constr type="l" for="ch" forName="textparent_4"/>
+                <dgm:constr type="h" for="ch" forName="textparent_4" refType="h" refFor="ch" refForName="picture_4"/>
+                <dgm:constr type="r" for="ch" forName="textparent_4" refType="l" refFor="ch" refForName="picture_4"/>
+                <dgm:constr type="ctrY" for="ch" forName="textparent_4" refType="ctrY" refFor="ch" refForName="picture_4"/>
+                <dgm:constr type="primFontSz" for="des" forName="text_4" refType="primFontSz" refFor="des" refForName="text_2" op="equ"/>
+                <dgm:constr type="w" for="ch" forName="picture_5" refType="w" refFor="ch" refForName="picture_1" fact="0.15"/>
+                <dgm:constr type="h" for="ch" forName="picture_5" refType="h" refFor="ch" refForName="picture_1" fact="0.15"/>
+                <dgm:constr type="r" for="ch" forName="picture_5" refType="w"/>
+                <dgm:constr type="rOff" for="ch" forName="picture_5" refType="w" refFor="ch" refForName="picture_1" fact="-1.21"/>
+                <dgm:constr type="ctrY" for="ch" forName="picture_5" refType="h" refFor="ch" refForName="picture_1" fact="0.595"/>
+                <dgm:constr type="r" for="ch" forName="line_5" refType="ctrX" refFor="ch" refForName="picture_1"/>
+                <dgm:constr type="h" for="ch" forName="line_5"/>
+                <dgm:constr type="l" for="ch" forName="line_5" refType="ctrX" refFor="ch" refForName="picture_5"/>
+                <dgm:constr type="ctrY" for="ch" forName="line_5" refType="ctrY" refFor="ch" refForName="picture_5"/>
+                <dgm:constr type="l" for="ch" forName="textparent_5"/>
+                <dgm:constr type="h" for="ch" forName="textparent_5" refType="h" refFor="ch" refForName="picture_5"/>
+                <dgm:constr type="r" for="ch" forName="textparent_5" refType="l" refFor="ch" refForName="picture_5"/>
+                <dgm:constr type="ctrY" for="ch" forName="textparent_5" refType="ctrY" refFor="ch" refForName="picture_5"/>
+                <dgm:constr type="primFontSz" for="des" forName="text_5" refType="primFontSz" refFor="des" refForName="text_2" op="equ"/>
+                <dgm:constr type="w" for="ch" forName="picture_6" refType="w" refFor="ch" refForName="picture_1" fact="0.15"/>
+                <dgm:constr type="h" for="ch" forName="picture_6" refType="h" refFor="ch" refForName="picture_1" fact="0.15"/>
+                <dgm:constr type="r" for="ch" forName="picture_6" refType="w"/>
+                <dgm:constr type="rOff" for="ch" forName="picture_6" refType="w" refFor="ch" refForName="picture_1" fact="-1.2898"/>
+                <dgm:constr type="ctrY" for="ch" forName="picture_6" refType="h" refFor="ch" refForName="picture_1" fact="0.773"/>
+                <dgm:constr type="r" for="ch" forName="line_6" refType="ctrX" refFor="ch" refForName="picture_1"/>
+                <dgm:constr type="h" for="ch" forName="line_6"/>
+                <dgm:constr type="l" for="ch" forName="line_6" refType="ctrX" refFor="ch" refForName="picture_6"/>
+                <dgm:constr type="ctrY" for="ch" forName="line_6" refType="ctrY" refFor="ch" refForName="picture_6"/>
+                <dgm:constr type="l" for="ch" forName="textparent_6"/>
+                <dgm:constr type="h" for="ch" forName="textparent_6" refType="h" refFor="ch" refForName="picture_6"/>
+                <dgm:constr type="r" for="ch" forName="textparent_6" refType="l" refFor="ch" refForName="picture_6"/>
+                <dgm:constr type="ctrY" for="ch" forName="textparent_6" refType="ctrY" refFor="ch" refForName="picture_6"/>
+                <dgm:constr type="primFontSz" for="des" forName="text_6" refType="primFontSz" refFor="des" refForName="text_2" op="equ"/>
+                <dgm:constr type="w" for="ch" forName="picture_7" refType="w" refFor="ch" refForName="picture_1" fact="0.15"/>
+                <dgm:constr type="h" for="ch" forName="picture_7" refType="h" refFor="ch" refForName="picture_1" fact="0.15"/>
+                <dgm:constr type="r" for="ch" forName="picture_7" refType="w"/>
+                <dgm:constr type="rOff" for="ch" forName="picture_7" refType="w" refFor="ch" refForName="picture_1" fact="-1.4363"/>
+                <dgm:constr type="ctrY" for="ch" forName="picture_7" refType="h" refFor="ch" refForName="picture_1" fact="0.925"/>
+                <dgm:constr type="r" for="ch" forName="line_7" refType="ctrX" refFor="ch" refForName="picture_1"/>
+                <dgm:constr type="h" for="ch" forName="line_7"/>
+                <dgm:constr type="l" for="ch" forName="line_7" refType="ctrX" refFor="ch" refForName="picture_7"/>
+                <dgm:constr type="ctrY" for="ch" forName="line_7" refType="ctrY" refFor="ch" refForName="picture_7"/>
+                <dgm:constr type="l" for="ch" forName="textparent_7"/>
+                <dgm:constr type="h" for="ch" forName="textparent_7" refType="h" refFor="ch" refForName="picture_7"/>
+                <dgm:constr type="r" for="ch" forName="textparent_7" refType="l" refFor="ch" refForName="picture_7"/>
+                <dgm:constr type="ctrY" for="ch" forName="textparent_7" refType="ctrY" refFor="ch" refForName="picture_7"/>
+                <dgm:constr type="primFontSz" for="des" forName="text_7" refType="primFontSz" refFor="des" refForName="text_2" op="equ"/>
+              </dgm:constrLst>
+            </dgm:else>
+          </dgm:choose>
+        </dgm:else>
+      </dgm:choose>
+      <dgm:forEach name="wrapper" axis="self" ptType="parTrans">
+        <dgm:forEach name="wrapper2" axis="self" ptType="sibTrans" st="2">
+          <dgm:forEach name="pictureRepeat" axis="self">
+            <dgm:layoutNode name="pictureRepeatNode" styleLbl="alignImgPlace1">
+              <dgm:alg type="sp"/>
+              <dgm:shape xmlns:r="http://schemas.openxmlformats.org/officeDocument/2006/relationships" type="ellipse" r:blip="" blipPhldr="1">
+                <dgm:adjLst/>
+              </dgm:shape>
+              <dgm:presOf axis="self"/>
+            </dgm:layoutNode>
+          </dgm:forEach>
+        </dgm:forEach>
+      </dgm:forEach>
+      <dgm:forEach name="Name28" axis="ch" ptType="sibTrans" hideLastTrans="0" cnt="1">
+        <dgm:layoutNode name="picture_1">
+          <dgm:alg type="sp"/>
+          <dgm:shape xmlns:r="http://schemas.openxmlformats.org/officeDocument/2006/relationships" r:blip="">
+            <dgm:adjLst/>
+          </dgm:shape>
+          <dgm:presOf/>
+          <dgm:constrLst/>
+          <dgm:forEach name="Name29" ref="pictureRepeat"/>
+        </dgm:layoutNode>
+      </dgm:forEach>
+      <dgm:forEach name="Name30" axis="ch" ptType="node" cnt="1">
+        <dgm:layoutNode name="text_1" styleLbl="node1">
+          <dgm:varLst>
+            <dgm:bulletEnabled val="1"/>
+          </dgm:varLst>
+          <dgm:alg type="tx">
+            <dgm:param type="txAnchorVert" val="b"/>
+            <dgm:param type="txAnchorVertCh" val="b"/>
+            <dgm:param type="parTxRTLAlign" val="r"/>
+            <dgm:param type="shpTxRTLAlignCh" val="r"/>
+          </dgm:alg>
+          <dgm:shape xmlns:r="http://schemas.openxmlformats.org/officeDocument/2006/relationships" type="rect" r:blip="" hideGeom="1">
+            <dgm:adjLst/>
+          </dgm:shape>
+          <dgm:presOf axis="desOrSelf" ptType="node"/>
+          <dgm:constrLst>
+            <dgm:constr type="primFontSz" val="65"/>
+            <dgm:constr type="lMarg"/>
+            <dgm:constr type="rMarg"/>
+            <dgm:constr type="tMarg"/>
+            <dgm:constr type="bMarg"/>
+          </dgm:constrLst>
+          <dgm:ruleLst>
+            <dgm:rule type="primFontSz" val="5" fact="NaN" max="NaN"/>
+          </dgm:ruleLst>
+        </dgm:layoutNode>
+      </dgm:forEach>
+      <dgm:forEach name="Name31" axis="ch" ptType="sibTrans" hideLastTrans="0" st="2" cnt="1">
+        <dgm:layoutNode name="picture_2">
+          <dgm:alg type="sp"/>
+          <dgm:shape xmlns:r="http://schemas.openxmlformats.org/officeDocument/2006/relationships" r:blip="">
+            <dgm:adjLst/>
+          </dgm:shape>
+          <dgm:presOf/>
+          <dgm:constrLst/>
+          <dgm:forEach name="Name32" ref="pictureRepeat"/>
+        </dgm:layoutNode>
+      </dgm:forEach>
+      <dgm:forEach name="Name33" axis="ch" ptType="node" st="2" cnt="1">
+        <dgm:layoutNode name="line_2" styleLbl="parChTrans1D1">
+          <dgm:alg type="sp"/>
+          <dgm:shape xmlns:r="http://schemas.openxmlformats.org/officeDocument/2006/relationships" type="line" r:blip="" zOrderOff="-100">
+            <dgm:adjLst/>
+          </dgm:shape>
+          <dgm:presOf/>
+        </dgm:layoutNode>
+        <dgm:layoutNode name="textparent_2">
+          <dgm:choose name="Name34">
+            <dgm:if name="Name35" func="var" arg="dir" op="equ" val="norm">
+              <dgm:alg type="lin">
+                <dgm:param type="horzAlign" val="l"/>
+              </dgm:alg>
+            </dgm:if>
+            <dgm:else name="Name36">
+              <dgm:alg type="lin">
+                <dgm:param type="horzAlign" val="r"/>
+              </dgm:alg>
+            </dgm:else>
+          </dgm:choose>
+          <dgm:shape xmlns:r="http://schemas.openxmlformats.org/officeDocument/2006/relationships" type="rect" r:blip="" hideGeom="1">
+            <dgm:adjLst/>
+          </dgm:shape>
+          <dgm:constrLst>
+            <dgm:constr type="userW" for="ch" forName="text_2" refType="w"/>
+            <dgm:constr type="h" for="ch" forName="text_2" refType="h"/>
+          </dgm:constrLst>
+          <dgm:presOf/>
+          <dgm:layoutNode name="text_2" styleLbl="revTx">
+            <dgm:varLst>
+              <dgm:bulletEnabled val="1"/>
+            </dgm:varLst>
+            <dgm:choose name="Name37">
+              <dgm:if name="Name38" func="var" arg="dir" op="equ" val="norm">
+                <dgm:alg type="tx">
+                  <dgm:param type="parTxLTRAlign" val="l"/>
+                  <dgm:param type="shpTxLTRAlignCh" val="l"/>
+                  <dgm:param type="parTxRTLAlign" val="r"/>
+                  <dgm:param type="shpTxRTLAlignCh" val="r"/>
+                </dgm:alg>
+              </dgm:if>
+              <dgm:else name="Name39">
+                <dgm:alg type="tx">
+                  <dgm:param type="parTxLTRAlign" val="r"/>
+                  <dgm:param type="shpTxLTRAlignCh" val="r"/>
+                  <dgm:param type="parTxRTLAlign" val="r"/>
+                  <dgm:param type="shpTxRTLAlignCh" val="r"/>
+                </dgm:alg>
+              </dgm:else>
+            </dgm:choose>
+            <dgm:shape xmlns:r="http://schemas.openxmlformats.org/officeDocument/2006/relationships" type="rect" r:blip="">
+              <dgm:adjLst/>
+            </dgm:shape>
+            <dgm:presOf axis="desOrSelf" ptType="node"/>
+            <dgm:constrLst>
+              <dgm:constr type="userW"/>
+              <dgm:constr type="w" refType="userW" fact="0.1"/>
+              <dgm:constr type="lMarg" refType="primFontSz" fact="0.3"/>
+              <dgm:constr type="rMarg" refType="primFontSz" fact="0.3"/>
+              <dgm:constr type="tMarg"/>
+              <dgm:constr type="bMarg"/>
+            </dgm:constrLst>
+            <dgm:ruleLst>
+              <dgm:rule type="w" val="NaN" fact="1" max="NaN"/>
+              <dgm:rule type="primFontSz" val="5" fact="NaN" max="NaN"/>
+            </dgm:ruleLst>
+          </dgm:layoutNode>
+        </dgm:layoutNode>
+      </dgm:forEach>
+      <dgm:forEach name="Name40" axis="ch" ptType="sibTrans" hideLastTrans="0" st="3" cnt="1">
+        <dgm:layoutNode name="picture_3">
+          <dgm:alg type="sp"/>
+          <dgm:shape xmlns:r="http://schemas.openxmlformats.org/officeDocument/2006/relationships" r:blip="">
+            <dgm:adjLst/>
+          </dgm:shape>
+          <dgm:presOf/>
+          <dgm:constrLst/>
+          <dgm:forEach name="Name41" ref="pictureRepeat"/>
+        </dgm:layoutNode>
+      </dgm:forEach>
+      <dgm:forEach name="Name42" axis="ch" ptType="node" st="3" cnt="1">
+        <dgm:layoutNode name="line_3" styleLbl="parChTrans1D1">
+          <dgm:alg type="sp"/>
+          <dgm:shape xmlns:r="http://schemas.openxmlformats.org/officeDocument/2006/relationships" type="line" r:blip="" zOrderOff="-100">
+            <dgm:adjLst/>
+          </dgm:shape>
+          <dgm:presOf/>
+        </dgm:layoutNode>
+        <dgm:layoutNode name="textparent_3">
+          <dgm:choose name="Name43">
+            <dgm:if name="Name44" func="var" arg="dir" op="equ" val="norm">
+              <dgm:alg type="lin">
+                <dgm:param type="horzAlign" val="l"/>
+              </dgm:alg>
+            </dgm:if>
+            <dgm:else name="Name45">
+              <dgm:alg type="lin">
+                <dgm:param type="horzAlign" val="r"/>
+              </dgm:alg>
+            </dgm:else>
+          </dgm:choose>
+          <dgm:shape xmlns:r="http://schemas.openxmlformats.org/officeDocument/2006/relationships" type="rect" r:blip="" hideGeom="1">
+            <dgm:adjLst/>
+          </dgm:shape>
+          <dgm:constrLst>
+            <dgm:constr type="userW" for="ch" forName="text_3" refType="w"/>
+            <dgm:constr type="h" for="ch" forName="text_3" refType="h"/>
+          </dgm:constrLst>
+          <dgm:presOf/>
+          <dgm:layoutNode name="text_3" styleLbl="revTx">
+            <dgm:varLst>
+              <dgm:bulletEnabled val="1"/>
+            </dgm:varLst>
+            <dgm:choose name="Name46">
+              <dgm:if name="Name47" func="var" arg="dir" op="equ" val="norm">
+                <dgm:alg type="tx">
+                  <dgm:param type="parTxLTRAlign" val="l"/>
+                  <dgm:param type="shpTxLTRAlignCh" val="l"/>
+                  <dgm:param type="parTxRTLAlign" val="r"/>
+                  <dgm:param type="shpTxRTLAlignCh" val="r"/>
+                </dgm:alg>
+              </dgm:if>
+              <dgm:else name="Name48">
+                <dgm:alg type="tx">
+                  <dgm:param type="parTxLTRAlign" val="r"/>
+                  <dgm:param type="shpTxLTRAlignCh" val="r"/>
+                  <dgm:param type="parTxRTLAlign" val="r"/>
+                  <dgm:param type="shpTxRTLAlignCh" val="r"/>
+                </dgm:alg>
+              </dgm:else>
+            </dgm:choose>
+            <dgm:shape xmlns:r="http://schemas.openxmlformats.org/officeDocument/2006/relationships" type="rect" r:blip="">
+              <dgm:adjLst/>
+            </dgm:shape>
+            <dgm:presOf axis="desOrSelf" ptType="node"/>
+            <dgm:constrLst>
+              <dgm:constr type="userW"/>
+              <dgm:constr type="w" refType="userW" fact="0.1"/>
+              <dgm:constr type="lMarg" refType="primFontSz" fact="0.3"/>
+              <dgm:constr type="rMarg" refType="primFontSz" fact="0.3"/>
+              <dgm:constr type="tMarg"/>
+              <dgm:constr type="bMarg"/>
+            </dgm:constrLst>
+            <dgm:ruleLst>
+              <dgm:rule type="w" val="NaN" fact="1" max="NaN"/>
+              <dgm:rule type="primFontSz" val="5" fact="NaN" max="NaN"/>
+            </dgm:ruleLst>
+          </dgm:layoutNode>
+        </dgm:layoutNode>
+      </dgm:forEach>
+      <dgm:forEach name="Name49" axis="ch" ptType="sibTrans" hideLastTrans="0" st="4" cnt="1">
+        <dgm:layoutNode name="picture_4">
+          <dgm:alg type="sp"/>
+          <dgm:shape xmlns:r="http://schemas.openxmlformats.org/officeDocument/2006/relationships" r:blip="">
+            <dgm:adjLst/>
+          </dgm:shape>
+          <dgm:presOf/>
+          <dgm:constrLst/>
+          <dgm:forEach name="Name50" ref="pictureRepeat"/>
+        </dgm:layoutNode>
+      </dgm:forEach>
+      <dgm:forEach name="Name51" axis="ch" ptType="node" st="4" cnt="1">
+        <dgm:layoutNode name="line_4" styleLbl="parChTrans1D1">
+          <dgm:alg type="sp"/>
+          <dgm:shape xmlns:r="http://schemas.openxmlformats.org/officeDocument/2006/relationships" type="line" r:blip="" zOrderOff="-100">
+            <dgm:adjLst/>
+          </dgm:shape>
+          <dgm:presOf/>
+        </dgm:layoutNode>
+        <dgm:layoutNode name="textparent_4">
+          <dgm:choose name="Name52">
+            <dgm:if name="Name53" func="var" arg="dir" op="equ" val="norm">
+              <dgm:alg type="lin">
+                <dgm:param type="horzAlign" val="l"/>
+              </dgm:alg>
+            </dgm:if>
+            <dgm:else name="Name54">
+              <dgm:alg type="lin">
+                <dgm:param type="horzAlign" val="r"/>
+              </dgm:alg>
+            </dgm:else>
+          </dgm:choose>
+          <dgm:shape xmlns:r="http://schemas.openxmlformats.org/officeDocument/2006/relationships" type="rect" r:blip="" hideGeom="1">
+            <dgm:adjLst/>
+          </dgm:shape>
+          <dgm:constrLst>
+            <dgm:constr type="userW" for="ch" forName="text_4" refType="w"/>
+            <dgm:constr type="h" for="ch" forName="text_4" refType="h"/>
+          </dgm:constrLst>
+          <dgm:presOf/>
+          <dgm:layoutNode name="text_4" styleLbl="revTx">
+            <dgm:varLst>
+              <dgm:bulletEnabled val="1"/>
+            </dgm:varLst>
+            <dgm:choose name="Name55">
+              <dgm:if name="Name56" func="var" arg="dir" op="equ" val="norm">
+                <dgm:alg type="tx">
+                  <dgm:param type="parTxLTRAlign" val="l"/>
+                  <dgm:param type="shpTxLTRAlignCh" val="l"/>
+                  <dgm:param type="parTxRTLAlign" val="r"/>
+                  <dgm:param type="shpTxRTLAlignCh" val="r"/>
+                </dgm:alg>
+              </dgm:if>
+              <dgm:else name="Name57">
+                <dgm:alg type="tx">
+                  <dgm:param type="parTxLTRAlign" val="r"/>
+                  <dgm:param type="shpTxLTRAlignCh" val="r"/>
+                  <dgm:param type="parTxRTLAlign" val="r"/>
+                  <dgm:param type="shpTxRTLAlignCh" val="r"/>
+                </dgm:alg>
+              </dgm:else>
+            </dgm:choose>
+            <dgm:shape xmlns:r="http://schemas.openxmlformats.org/officeDocument/2006/relationships" type="rect" r:blip="">
+              <dgm:adjLst/>
+            </dgm:shape>
+            <dgm:presOf axis="desOrSelf" ptType="node"/>
+            <dgm:constrLst>
+              <dgm:constr type="userW"/>
+              <dgm:constr type="w" refType="userW" fact="0.1"/>
+              <dgm:constr type="lMarg" refType="primFontSz" fact="0.3"/>
+              <dgm:constr type="rMarg" refType="primFontSz" fact="0.3"/>
+              <dgm:constr type="tMarg"/>
+              <dgm:constr type="bMarg"/>
+            </dgm:constrLst>
+            <dgm:ruleLst>
+              <dgm:rule type="w" val="NaN" fact="1" max="NaN"/>
+              <dgm:rule type="primFontSz" val="5" fact="NaN" max="NaN"/>
+            </dgm:ruleLst>
+          </dgm:layoutNode>
+        </dgm:layoutNode>
+      </dgm:forEach>
+      <dgm:forEach name="Name58" axis="ch" ptType="sibTrans" hideLastTrans="0" st="5" cnt="1">
+        <dgm:layoutNode name="picture_5">
+          <dgm:alg type="sp"/>
+          <dgm:shape xmlns:r="http://schemas.openxmlformats.org/officeDocument/2006/relationships" r:blip="">
+            <dgm:adjLst/>
+          </dgm:shape>
+          <dgm:presOf/>
+          <dgm:constrLst/>
+          <dgm:forEach name="Name59" ref="pictureRepeat"/>
+        </dgm:layoutNode>
+      </dgm:forEach>
+      <dgm:forEach name="Name60" axis="ch" ptType="node" st="5" cnt="1">
+        <dgm:layoutNode name="line_5" styleLbl="parChTrans1D1">
+          <dgm:alg type="sp"/>
+          <dgm:shape xmlns:r="http://schemas.openxmlformats.org/officeDocument/2006/relationships" type="line" r:blip="" zOrderOff="-100">
+            <dgm:adjLst/>
+          </dgm:shape>
+          <dgm:presOf/>
+        </dgm:layoutNode>
+        <dgm:layoutNode name="textparent_5">
+          <dgm:choose name="Name61">
+            <dgm:if name="Name62" func="var" arg="dir" op="equ" val="norm">
+              <dgm:alg type="lin">
+                <dgm:param type="horzAlign" val="l"/>
+              </dgm:alg>
+            </dgm:if>
+            <dgm:else name="Name63">
+              <dgm:alg type="lin">
+                <dgm:param type="horzAlign" val="r"/>
+              </dgm:alg>
+            </dgm:else>
+          </dgm:choose>
+          <dgm:shape xmlns:r="http://schemas.openxmlformats.org/officeDocument/2006/relationships" type="rect" r:blip="" hideGeom="1">
+            <dgm:adjLst/>
+          </dgm:shape>
+          <dgm:constrLst>
+            <dgm:constr type="userW" for="ch" forName="text_5" refType="w"/>
+            <dgm:constr type="h" for="ch" forName="text_5" refType="h"/>
+          </dgm:constrLst>
+          <dgm:presOf/>
+          <dgm:layoutNode name="text_5" styleLbl="revTx">
+            <dgm:varLst>
+              <dgm:bulletEnabled val="1"/>
+            </dgm:varLst>
+            <dgm:choose name="Name64">
+              <dgm:if name="Name65" func="var" arg="dir" op="equ" val="norm">
+                <dgm:alg type="tx">
+                  <dgm:param type="parTxLTRAlign" val="l"/>
+                  <dgm:param type="shpTxLTRAlignCh" val="l"/>
+                  <dgm:param type="parTxRTLAlign" val="r"/>
+                  <dgm:param type="shpTxRTLAlignCh" val="r"/>
+                </dgm:alg>
+              </dgm:if>
+              <dgm:else name="Name66">
+                <dgm:alg type="tx">
+                  <dgm:param type="parTxLTRAlign" val="r"/>
+                  <dgm:param type="shpTxLTRAlignCh" val="r"/>
+                  <dgm:param type="parTxRTLAlign" val="r"/>
+                  <dgm:param type="shpTxRTLAlignCh" val="r"/>
+                </dgm:alg>
+              </dgm:else>
+            </dgm:choose>
+            <dgm:shape xmlns:r="http://schemas.openxmlformats.org/officeDocument/2006/relationships" type="rect" r:blip="">
+              <dgm:adjLst/>
+            </dgm:shape>
+            <dgm:presOf axis="desOrSelf" ptType="node"/>
+            <dgm:constrLst>
+              <dgm:constr type="userW"/>
+              <dgm:constr type="w" refType="userW" fact="0.1"/>
+              <dgm:constr type="lMarg" refType="primFontSz" fact="0.3"/>
+              <dgm:constr type="rMarg" refType="primFontSz" fact="0.3"/>
+              <dgm:constr type="tMarg"/>
+              <dgm:constr type="bMarg"/>
+            </dgm:constrLst>
+            <dgm:ruleLst>
+              <dgm:rule type="w" val="NaN" fact="1" max="NaN"/>
+              <dgm:rule type="primFontSz" val="5" fact="NaN" max="NaN"/>
+            </dgm:ruleLst>
+          </dgm:layoutNode>
+        </dgm:layoutNode>
+      </dgm:forEach>
+      <dgm:forEach name="Name67" axis="ch" ptType="sibTrans" hideLastTrans="0" st="6" cnt="1">
+        <dgm:layoutNode name="picture_6">
+          <dgm:alg type="sp"/>
+          <dgm:shape xmlns:r="http://schemas.openxmlformats.org/officeDocument/2006/relationships" r:blip="">
+            <dgm:adjLst/>
+          </dgm:shape>
+          <dgm:presOf/>
+          <dgm:constrLst/>
+          <dgm:forEach name="Name68" ref="pictureRepeat"/>
+        </dgm:layoutNode>
+      </dgm:forEach>
+      <dgm:forEach name="Name69" axis="ch" ptType="node" st="6" cnt="1">
+        <dgm:layoutNode name="line_6" styleLbl="parChTrans1D1">
+          <dgm:alg type="sp"/>
+          <dgm:shape xmlns:r="http://schemas.openxmlformats.org/officeDocument/2006/relationships" type="line" r:blip="" zOrderOff="-100">
+            <dgm:adjLst/>
+          </dgm:shape>
+          <dgm:presOf/>
+        </dgm:layoutNode>
+        <dgm:layoutNode name="textparent_6">
+          <dgm:choose name="Name70">
+            <dgm:if name="Name71" func="var" arg="dir" op="equ" val="norm">
+              <dgm:alg type="lin">
+                <dgm:param type="horzAlign" val="l"/>
+              </dgm:alg>
+            </dgm:if>
+            <dgm:else name="Name72">
+              <dgm:alg type="lin">
+                <dgm:param type="horzAlign" val="r"/>
+              </dgm:alg>
+            </dgm:else>
+          </dgm:choose>
+          <dgm:shape xmlns:r="http://schemas.openxmlformats.org/officeDocument/2006/relationships" type="rect" r:blip="" hideGeom="1">
+            <dgm:adjLst/>
+          </dgm:shape>
+          <dgm:constrLst>
+            <dgm:constr type="userW" for="ch" forName="text_6" refType="w"/>
+            <dgm:constr type="h" for="ch" forName="text_6" refType="h"/>
+          </dgm:constrLst>
+          <dgm:presOf/>
+          <dgm:layoutNode name="text_6" styleLbl="revTx">
+            <dgm:varLst>
+              <dgm:bulletEnabled val="1"/>
+            </dgm:varLst>
+            <dgm:choose name="Name73">
+              <dgm:if name="Name74" func="var" arg="dir" op="equ" val="norm">
+                <dgm:alg type="tx">
+                  <dgm:param type="parTxLTRAlign" val="l"/>
+                  <dgm:param type="shpTxLTRAlignCh" val="l"/>
+                  <dgm:param type="parTxRTLAlign" val="r"/>
+                  <dgm:param type="shpTxRTLAlignCh" val="r"/>
+                </dgm:alg>
+              </dgm:if>
+              <dgm:else name="Name75">
+                <dgm:alg type="tx">
+                  <dgm:param type="parTxLTRAlign" val="r"/>
+                  <dgm:param type="shpTxLTRAlignCh" val="r"/>
+                  <dgm:param type="parTxRTLAlign" val="r"/>
+                  <dgm:param type="shpTxRTLAlignCh" val="r"/>
+                </dgm:alg>
+              </dgm:else>
+            </dgm:choose>
+            <dgm:shape xmlns:r="http://schemas.openxmlformats.org/officeDocument/2006/relationships" type="rect" r:blip="">
+              <dgm:adjLst/>
+            </dgm:shape>
+            <dgm:presOf axis="desOrSelf" ptType="node"/>
+            <dgm:constrLst>
+              <dgm:constr type="userW"/>
+              <dgm:constr type="w" refType="userW" fact="0.1"/>
+              <dgm:constr type="lMarg" refType="primFontSz" fact="0.3"/>
+              <dgm:constr type="rMarg" refType="primFontSz" fact="0.3"/>
+              <dgm:constr type="tMarg"/>
+              <dgm:constr type="bMarg"/>
+            </dgm:constrLst>
+            <dgm:ruleLst>
+              <dgm:rule type="w" val="NaN" fact="1" max="NaN"/>
+              <dgm:rule type="primFontSz" val="5" fact="NaN" max="NaN"/>
+            </dgm:ruleLst>
+          </dgm:layoutNode>
+        </dgm:layoutNode>
+      </dgm:forEach>
+      <dgm:forEach name="Name76" axis="ch" ptType="sibTrans" hideLastTrans="0" st="7" cnt="1">
+        <dgm:layoutNode name="picture_7">
+          <dgm:alg type="sp"/>
+          <dgm:shape xmlns:r="http://schemas.openxmlformats.org/officeDocument/2006/relationships" r:blip="">
+            <dgm:adjLst/>
+          </dgm:shape>
+          <dgm:presOf/>
+          <dgm:constrLst/>
+          <dgm:forEach name="Name77" ref="pictureRepeat"/>
+        </dgm:layoutNode>
+      </dgm:forEach>
+      <dgm:forEach name="Name78" axis="ch" ptType="node" st="7" cnt="1">
+        <dgm:layoutNode name="line_7" styleLbl="parChTrans1D1">
+          <dgm:alg type="sp"/>
+          <dgm:shape xmlns:r="http://schemas.openxmlformats.org/officeDocument/2006/relationships" type="line" r:blip="" zOrderOff="-100">
+            <dgm:adjLst/>
+          </dgm:shape>
+          <dgm:presOf/>
+        </dgm:layoutNode>
+        <dgm:layoutNode name="textparent_7">
+          <dgm:choose name="Name79">
+            <dgm:if name="Name80" func="var" arg="dir" op="equ" val="norm">
+              <dgm:alg type="lin">
+                <dgm:param type="horzAlign" val="l"/>
+              </dgm:alg>
+            </dgm:if>
+            <dgm:else name="Name81">
+              <dgm:alg type="lin">
+                <dgm:param type="horzAlign" val="r"/>
+              </dgm:alg>
+            </dgm:else>
+          </dgm:choose>
+          <dgm:shape xmlns:r="http://schemas.openxmlformats.org/officeDocument/2006/relationships" type="rect" r:blip="" hideGeom="1">
+            <dgm:adjLst/>
+          </dgm:shape>
+          <dgm:constrLst>
+            <dgm:constr type="userW" for="ch" forName="text_7" refType="w"/>
+            <dgm:constr type="h" for="ch" forName="text_7" refType="h"/>
+          </dgm:constrLst>
+          <dgm:presOf/>
+          <dgm:layoutNode name="text_7" styleLbl="revTx">
+            <dgm:varLst>
+              <dgm:bulletEnabled val="1"/>
+            </dgm:varLst>
+            <dgm:choose name="Name82">
+              <dgm:if name="Name83" func="var" arg="dir" op="equ" val="norm">
+                <dgm:alg type="tx">
+                  <dgm:param type="parTxLTRAlign" val="l"/>
+                  <dgm:param type="shpTxLTRAlignCh" val="l"/>
+                  <dgm:param type="parTxRTLAlign" val="r"/>
+                  <dgm:param type="shpTxRTLAlignCh" val="r"/>
+                </dgm:alg>
+              </dgm:if>
+              <dgm:else name="Name84">
+                <dgm:alg type="tx">
+                  <dgm:param type="parTxLTRAlign" val="r"/>
+                  <dgm:param type="shpTxLTRAlignCh" val="r"/>
+                  <dgm:param type="parTxRTLAlign" val="r"/>
+                  <dgm:param type="shpTxRTLAlignCh" val="r"/>
+                </dgm:alg>
+              </dgm:else>
+            </dgm:choose>
+            <dgm:shape xmlns:r="http://schemas.openxmlformats.org/officeDocument/2006/relationships" type="rect" r:blip="">
+              <dgm:adjLst/>
+            </dgm:shape>
+            <dgm:presOf axis="desOrSelf" ptType="node"/>
+            <dgm:constrLst>
+              <dgm:constr type="userW"/>
+              <dgm:constr type="w" refType="userW" fact="0.1"/>
+              <dgm:constr type="lMarg" refType="primFontSz" fact="0.3"/>
+              <dgm:constr type="rMarg" refType="primFontSz" fact="0.3"/>
+              <dgm:constr type="tMarg"/>
+              <dgm:constr type="bMarg"/>
+            </dgm:constrLst>
+            <dgm:ruleLst>
+              <dgm:rule type="w" val="NaN" fact="1" max="NaN"/>
+              <dgm:rule type="primFontSz" val="5" fact="NaN" max="NaN"/>
+            </dgm:ruleLst>
+          </dgm:layoutNode>
+        </dgm:layoutNode>
+      </dgm:forEach>
+    </dgm:layoutNode>
+  </dgm:layoutNode>
+</dgm:layoutDef>
+</file>
+
+<file path=ppt/diagrams/layout2.xml><?xml version="1.0" encoding="utf-8"?>
 <dgm:layoutDef xmlns:dgm="http://schemas.openxmlformats.org/drawingml/2006/diagram" xmlns:a="http://schemas.openxmlformats.org/drawingml/2006/main" uniqueId="urn:microsoft.com/office/officeart/2008/layout/CircularPictureCallout">
   <dgm:title val=""/>
   <dgm:desc val=""/>
@@ -3521,6 +5903,1040 @@
 </dgm:styleDef>
 </file>
 
+<file path=ppt/diagrams/quickStyle2.xml><?xml version="1.0" encoding="utf-8"?>
+<dgm:styleDef xmlns:dgm="http://schemas.openxmlformats.org/drawingml/2006/diagram" xmlns:a="http://schemas.openxmlformats.org/drawingml/2006/main" uniqueId="urn:microsoft.com/office/officeart/2005/8/quickstyle/simple1">
+  <dgm:title val=""/>
+  <dgm:desc val=""/>
+  <dgm:catLst>
+    <dgm:cat type="simple" pri="10100"/>
+  </dgm:catLst>
+  <dgm:scene3d>
+    <a:camera prst="orthographicFront"/>
+    <a:lightRig rig="threePt" dir="t"/>
+  </dgm:scene3d>
+  <dgm:styleLbl name="node0">
+    <dgm:scene3d>
+      <a:camera prst="orthographicFront"/>
+      <a:lightRig rig="threePt" dir="t"/>
+    </dgm:scene3d>
+    <dgm:sp3d/>
+    <dgm:txPr/>
+    <dgm:style>
+      <a:lnRef idx="2">
+        <a:scrgbClr r="0" g="0" b="0"/>
+      </a:lnRef>
+      <a:fillRef idx="1">
+        <a:scrgbClr r="0" g="0" b="0"/>
+      </a:fillRef>
+      <a:effectRef idx="0">
+        <a:scrgbClr r="0" g="0" b="0"/>
+      </a:effectRef>
+      <a:fontRef idx="minor">
+        <a:schemeClr val="lt1"/>
+      </a:fontRef>
+    </dgm:style>
+  </dgm:styleLbl>
+  <dgm:styleLbl name="lnNode1">
+    <dgm:scene3d>
+      <a:camera prst="orthographicFront"/>
+      <a:lightRig rig="threePt" dir="t"/>
+    </dgm:scene3d>
+    <dgm:sp3d/>
+    <dgm:txPr/>
+    <dgm:style>
+      <a:lnRef idx="2">
+        <a:scrgbClr r="0" g="0" b="0"/>
+      </a:lnRef>
+      <a:fillRef idx="1">
+        <a:scrgbClr r="0" g="0" b="0"/>
+      </a:fillRef>
+      <a:effectRef idx="0">
+        <a:scrgbClr r="0" g="0" b="0"/>
+      </a:effectRef>
+      <a:fontRef idx="minor">
+        <a:schemeClr val="lt1"/>
+      </a:fontRef>
+    </dgm:style>
+  </dgm:styleLbl>
+  <dgm:styleLbl name="vennNode1">
+    <dgm:scene3d>
+      <a:camera prst="orthographicFront"/>
+      <a:lightRig rig="threePt" dir="t"/>
+    </dgm:scene3d>
+    <dgm:sp3d/>
+    <dgm:txPr/>
+    <dgm:style>
+      <a:lnRef idx="2">
+        <a:scrgbClr r="0" g="0" b="0"/>
+      </a:lnRef>
+      <a:fillRef idx="1">
+        <a:scrgbClr r="0" g="0" b="0"/>
+      </a:fillRef>
+      <a:effectRef idx="0">
+        <a:scrgbClr r="0" g="0" b="0"/>
+      </a:effectRef>
+      <a:fontRef idx="minor">
+        <a:schemeClr val="tx1"/>
+      </a:fontRef>
+    </dgm:style>
+  </dgm:styleLbl>
+  <dgm:styleLbl name="alignNode1">
+    <dgm:scene3d>
+      <a:camera prst="orthographicFront"/>
+      <a:lightRig rig="threePt" dir="t"/>
+    </dgm:scene3d>
+    <dgm:sp3d/>
+    <dgm:txPr/>
+    <dgm:style>
+      <a:lnRef idx="2">
+        <a:scrgbClr r="0" g="0" b="0"/>
+      </a:lnRef>
+      <a:fillRef idx="1">
+        <a:scrgbClr r="0" g="0" b="0"/>
+      </a:fillRef>
+      <a:effectRef idx="0">
+        <a:scrgbClr r="0" g="0" b="0"/>
+      </a:effectRef>
+      <a:fontRef idx="minor">
+        <a:schemeClr val="lt1"/>
+      </a:fontRef>
+    </dgm:style>
+  </dgm:styleLbl>
+  <dgm:styleLbl name="node1">
+    <dgm:scene3d>
+      <a:camera prst="orthographicFront"/>
+      <a:lightRig rig="threePt" dir="t"/>
+    </dgm:scene3d>
+    <dgm:sp3d/>
+    <dgm:txPr/>
+    <dgm:style>
+      <a:lnRef idx="2">
+        <a:scrgbClr r="0" g="0" b="0"/>
+      </a:lnRef>
+      <a:fillRef idx="1">
+        <a:scrgbClr r="0" g="0" b="0"/>
+      </a:fillRef>
+      <a:effectRef idx="0">
+        <a:scrgbClr r="0" g="0" b="0"/>
+      </a:effectRef>
+      <a:fontRef idx="minor">
+        <a:schemeClr val="lt1"/>
+      </a:fontRef>
+    </dgm:style>
+  </dgm:styleLbl>
+  <dgm:styleLbl name="node2">
+    <dgm:scene3d>
+      <a:camera prst="orthographicFront"/>
+      <a:lightRig rig="threePt" dir="t"/>
+    </dgm:scene3d>
+    <dgm:sp3d/>
+    <dgm:txPr/>
+    <dgm:style>
+      <a:lnRef idx="2">
+        <a:scrgbClr r="0" g="0" b="0"/>
+      </a:lnRef>
+      <a:fillRef idx="1">
+        <a:scrgbClr r="0" g="0" b="0"/>
+      </a:fillRef>
+      <a:effectRef idx="0">
+        <a:scrgbClr r="0" g="0" b="0"/>
+      </a:effectRef>
+      <a:fontRef idx="minor">
+        <a:schemeClr val="lt1"/>
+      </a:fontRef>
+    </dgm:style>
+  </dgm:styleLbl>
+  <dgm:styleLbl name="node3">
+    <dgm:scene3d>
+      <a:camera prst="orthographicFront"/>
+      <a:lightRig rig="threePt" dir="t"/>
+    </dgm:scene3d>
+    <dgm:sp3d/>
+    <dgm:txPr/>
+    <dgm:style>
+      <a:lnRef idx="2">
+        <a:scrgbClr r="0" g="0" b="0"/>
+      </a:lnRef>
+      <a:fillRef idx="1">
+        <a:scrgbClr r="0" g="0" b="0"/>
+      </a:fillRef>
+      <a:effectRef idx="0">
+        <a:scrgbClr r="0" g="0" b="0"/>
+      </a:effectRef>
+      <a:fontRef idx="minor">
+        <a:schemeClr val="lt1"/>
+      </a:fontRef>
+    </dgm:style>
+  </dgm:styleLbl>
+  <dgm:styleLbl name="node4">
+    <dgm:scene3d>
+      <a:camera prst="orthographicFront"/>
+      <a:lightRig rig="threePt" dir="t"/>
+    </dgm:scene3d>
+    <dgm:sp3d/>
+    <dgm:txPr/>
+    <dgm:style>
+      <a:lnRef idx="2">
+        <a:scrgbClr r="0" g="0" b="0"/>
+      </a:lnRef>
+      <a:fillRef idx="1">
+        <a:scrgbClr r="0" g="0" b="0"/>
+      </a:fillRef>
+      <a:effectRef idx="0">
+        <a:scrgbClr r="0" g="0" b="0"/>
+      </a:effectRef>
+      <a:fontRef idx="minor">
+        <a:schemeClr val="lt1"/>
+      </a:fontRef>
+    </dgm:style>
+  </dgm:styleLbl>
+  <dgm:styleLbl name="fgImgPlace1">
+    <dgm:scene3d>
+      <a:camera prst="orthographicFront"/>
+      <a:lightRig rig="threePt" dir="t"/>
+    </dgm:scene3d>
+    <dgm:sp3d/>
+    <dgm:txPr/>
+    <dgm:style>
+      <a:lnRef idx="2">
+        <a:scrgbClr r="0" g="0" b="0"/>
+      </a:lnRef>
+      <a:fillRef idx="1">
+        <a:scrgbClr r="0" g="0" b="0"/>
+      </a:fillRef>
+      <a:effectRef idx="0">
+        <a:scrgbClr r="0" g="0" b="0"/>
+      </a:effectRef>
+      <a:fontRef idx="minor"/>
+    </dgm:style>
+  </dgm:styleLbl>
+  <dgm:styleLbl name="alignImgPlace1">
+    <dgm:scene3d>
+      <a:camera prst="orthographicFront"/>
+      <a:lightRig rig="threePt" dir="t"/>
+    </dgm:scene3d>
+    <dgm:sp3d/>
+    <dgm:txPr/>
+    <dgm:style>
+      <a:lnRef idx="2">
+        <a:scrgbClr r="0" g="0" b="0"/>
+      </a:lnRef>
+      <a:fillRef idx="1">
+        <a:scrgbClr r="0" g="0" b="0"/>
+      </a:fillRef>
+      <a:effectRef idx="0">
+        <a:scrgbClr r="0" g="0" b="0"/>
+      </a:effectRef>
+      <a:fontRef idx="minor"/>
+    </dgm:style>
+  </dgm:styleLbl>
+  <dgm:styleLbl name="bgImgPlace1">
+    <dgm:scene3d>
+      <a:camera prst="orthographicFront"/>
+      <a:lightRig rig="threePt" dir="t"/>
+    </dgm:scene3d>
+    <dgm:sp3d/>
+    <dgm:txPr/>
+    <dgm:style>
+      <a:lnRef idx="2">
+        <a:scrgbClr r="0" g="0" b="0"/>
+      </a:lnRef>
+      <a:fillRef idx="1">
+        <a:scrgbClr r="0" g="0" b="0"/>
+      </a:fillRef>
+      <a:effectRef idx="0">
+        <a:scrgbClr r="0" g="0" b="0"/>
+      </a:effectRef>
+      <a:fontRef idx="minor"/>
+    </dgm:style>
+  </dgm:styleLbl>
+  <dgm:styleLbl name="sibTrans2D1">
+    <dgm:scene3d>
+      <a:camera prst="orthographicFront"/>
+      <a:lightRig rig="threePt" dir="t"/>
+    </dgm:scene3d>
+    <dgm:sp3d/>
+    <dgm:txPr/>
+    <dgm:style>
+      <a:lnRef idx="0">
+        <a:scrgbClr r="0" g="0" b="0"/>
+      </a:lnRef>
+      <a:fillRef idx="1">
+        <a:scrgbClr r="0" g="0" b="0"/>
+      </a:fillRef>
+      <a:effectRef idx="0">
+        <a:scrgbClr r="0" g="0" b="0"/>
+      </a:effectRef>
+      <a:fontRef idx="minor">
+        <a:schemeClr val="lt1"/>
+      </a:fontRef>
+    </dgm:style>
+  </dgm:styleLbl>
+  <dgm:styleLbl name="fgSibTrans2D1">
+    <dgm:scene3d>
+      <a:camera prst="orthographicFront"/>
+      <a:lightRig rig="threePt" dir="t"/>
+    </dgm:scene3d>
+    <dgm:sp3d/>
+    <dgm:txPr/>
+    <dgm:style>
+      <a:lnRef idx="0">
+        <a:scrgbClr r="0" g="0" b="0"/>
+      </a:lnRef>
+      <a:fillRef idx="1">
+        <a:scrgbClr r="0" g="0" b="0"/>
+      </a:fillRef>
+      <a:effectRef idx="0">
+        <a:scrgbClr r="0" g="0" b="0"/>
+      </a:effectRef>
+      <a:fontRef idx="minor">
+        <a:schemeClr val="lt1"/>
+      </a:fontRef>
+    </dgm:style>
+  </dgm:styleLbl>
+  <dgm:styleLbl name="bgSibTrans2D1">
+    <dgm:scene3d>
+      <a:camera prst="orthographicFront"/>
+      <a:lightRig rig="threePt" dir="t"/>
+    </dgm:scene3d>
+    <dgm:sp3d/>
+    <dgm:txPr/>
+    <dgm:style>
+      <a:lnRef idx="0">
+        <a:scrgbClr r="0" g="0" b="0"/>
+      </a:lnRef>
+      <a:fillRef idx="1">
+        <a:scrgbClr r="0" g="0" b="0"/>
+      </a:fillRef>
+      <a:effectRef idx="0">
+        <a:scrgbClr r="0" g="0" b="0"/>
+      </a:effectRef>
+      <a:fontRef idx="minor">
+        <a:schemeClr val="lt1"/>
+      </a:fontRef>
+    </dgm:style>
+  </dgm:styleLbl>
+  <dgm:styleLbl name="sibTrans1D1">
+    <dgm:scene3d>
+      <a:camera prst="orthographicFront"/>
+      <a:lightRig rig="threePt" dir="t"/>
+    </dgm:scene3d>
+    <dgm:sp3d/>
+    <dgm:txPr/>
+    <dgm:style>
+      <a:lnRef idx="1">
+        <a:scrgbClr r="0" g="0" b="0"/>
+      </a:lnRef>
+      <a:fillRef idx="0">
+        <a:scrgbClr r="0" g="0" b="0"/>
+      </a:fillRef>
+      <a:effectRef idx="0">
+        <a:scrgbClr r="0" g="0" b="0"/>
+      </a:effectRef>
+      <a:fontRef idx="minor"/>
+    </dgm:style>
+  </dgm:styleLbl>
+  <dgm:styleLbl name="callout">
+    <dgm:scene3d>
+      <a:camera prst="orthographicFront"/>
+      <a:lightRig rig="threePt" dir="t"/>
+    </dgm:scene3d>
+    <dgm:sp3d/>
+    <dgm:txPr/>
+    <dgm:style>
+      <a:lnRef idx="2">
+        <a:scrgbClr r="0" g="0" b="0"/>
+      </a:lnRef>
+      <a:fillRef idx="1">
+        <a:scrgbClr r="0" g="0" b="0"/>
+      </a:fillRef>
+      <a:effectRef idx="0">
+        <a:scrgbClr r="0" g="0" b="0"/>
+      </a:effectRef>
+      <a:fontRef idx="minor"/>
+    </dgm:style>
+  </dgm:styleLbl>
+  <dgm:styleLbl name="asst0">
+    <dgm:scene3d>
+      <a:camera prst="orthographicFront"/>
+      <a:lightRig rig="threePt" dir="t"/>
+    </dgm:scene3d>
+    <dgm:sp3d/>
+    <dgm:txPr/>
+    <dgm:style>
+      <a:lnRef idx="2">
+        <a:scrgbClr r="0" g="0" b="0"/>
+      </a:lnRef>
+      <a:fillRef idx="1">
+        <a:scrgbClr r="0" g="0" b="0"/>
+      </a:fillRef>
+      <a:effectRef idx="0">
+        <a:scrgbClr r="0" g="0" b="0"/>
+      </a:effectRef>
+      <a:fontRef idx="minor">
+        <a:schemeClr val="lt1"/>
+      </a:fontRef>
+    </dgm:style>
+  </dgm:styleLbl>
+  <dgm:styleLbl name="asst1">
+    <dgm:scene3d>
+      <a:camera prst="orthographicFront"/>
+      <a:lightRig rig="threePt" dir="t"/>
+    </dgm:scene3d>
+    <dgm:sp3d/>
+    <dgm:txPr/>
+    <dgm:style>
+      <a:lnRef idx="2">
+        <a:scrgbClr r="0" g="0" b="0"/>
+      </a:lnRef>
+      <a:fillRef idx="1">
+        <a:scrgbClr r="0" g="0" b="0"/>
+      </a:fillRef>
+      <a:effectRef idx="0">
+        <a:scrgbClr r="0" g="0" b="0"/>
+      </a:effectRef>
+      <a:fontRef idx="minor">
+        <a:schemeClr val="lt1"/>
+      </a:fontRef>
+    </dgm:style>
+  </dgm:styleLbl>
+  <dgm:styleLbl name="asst2">
+    <dgm:scene3d>
+      <a:camera prst="orthographicFront"/>
+      <a:lightRig rig="threePt" dir="t"/>
+    </dgm:scene3d>
+    <dgm:sp3d/>
+    <dgm:txPr/>
+    <dgm:style>
+      <a:lnRef idx="2">
+        <a:scrgbClr r="0" g="0" b="0"/>
+      </a:lnRef>
+      <a:fillRef idx="1">
+        <a:scrgbClr r="0" g="0" b="0"/>
+      </a:fillRef>
+      <a:effectRef idx="0">
+        <a:scrgbClr r="0" g="0" b="0"/>
+      </a:effectRef>
+      <a:fontRef idx="minor">
+        <a:schemeClr val="lt1"/>
+      </a:fontRef>
+    </dgm:style>
+  </dgm:styleLbl>
+  <dgm:styleLbl name="asst3">
+    <dgm:scene3d>
+      <a:camera prst="orthographicFront"/>
+      <a:lightRig rig="threePt" dir="t"/>
+    </dgm:scene3d>
+    <dgm:sp3d/>
+    <dgm:txPr/>
+    <dgm:style>
+      <a:lnRef idx="2">
+        <a:scrgbClr r="0" g="0" b="0"/>
+      </a:lnRef>
+      <a:fillRef idx="1">
+        <a:scrgbClr r="0" g="0" b="0"/>
+      </a:fillRef>
+      <a:effectRef idx="0">
+        <a:scrgbClr r="0" g="0" b="0"/>
+      </a:effectRef>
+      <a:fontRef idx="minor">
+        <a:schemeClr val="lt1"/>
+      </a:fontRef>
+    </dgm:style>
+  </dgm:styleLbl>
+  <dgm:styleLbl name="asst4">
+    <dgm:scene3d>
+      <a:camera prst="orthographicFront"/>
+      <a:lightRig rig="threePt" dir="t"/>
+    </dgm:scene3d>
+    <dgm:sp3d/>
+    <dgm:txPr/>
+    <dgm:style>
+      <a:lnRef idx="2">
+        <a:scrgbClr r="0" g="0" b="0"/>
+      </a:lnRef>
+      <a:fillRef idx="1">
+        <a:scrgbClr r="0" g="0" b="0"/>
+      </a:fillRef>
+      <a:effectRef idx="0">
+        <a:scrgbClr r="0" g="0" b="0"/>
+      </a:effectRef>
+      <a:fontRef idx="minor">
+        <a:schemeClr val="lt1"/>
+      </a:fontRef>
+    </dgm:style>
+  </dgm:styleLbl>
+  <dgm:styleLbl name="parChTrans2D1">
+    <dgm:scene3d>
+      <a:camera prst="orthographicFront"/>
+      <a:lightRig rig="threePt" dir="t"/>
+    </dgm:scene3d>
+    <dgm:sp3d/>
+    <dgm:txPr/>
+    <dgm:style>
+      <a:lnRef idx="2">
+        <a:scrgbClr r="0" g="0" b="0"/>
+      </a:lnRef>
+      <a:fillRef idx="1">
+        <a:scrgbClr r="0" g="0" b="0"/>
+      </a:fillRef>
+      <a:effectRef idx="0">
+        <a:scrgbClr r="0" g="0" b="0"/>
+      </a:effectRef>
+      <a:fontRef idx="minor">
+        <a:schemeClr val="lt1"/>
+      </a:fontRef>
+    </dgm:style>
+  </dgm:styleLbl>
+  <dgm:styleLbl name="parChTrans2D2">
+    <dgm:scene3d>
+      <a:camera prst="orthographicFront"/>
+      <a:lightRig rig="threePt" dir="t"/>
+    </dgm:scene3d>
+    <dgm:sp3d/>
+    <dgm:txPr/>
+    <dgm:style>
+      <a:lnRef idx="2">
+        <a:scrgbClr r="0" g="0" b="0"/>
+      </a:lnRef>
+      <a:fillRef idx="1">
+        <a:scrgbClr r="0" g="0" b="0"/>
+      </a:fillRef>
+      <a:effectRef idx="0">
+        <a:scrgbClr r="0" g="0" b="0"/>
+      </a:effectRef>
+      <a:fontRef idx="minor">
+        <a:schemeClr val="lt1"/>
+      </a:fontRef>
+    </dgm:style>
+  </dgm:styleLbl>
+  <dgm:styleLbl name="parChTrans2D3">
+    <dgm:scene3d>
+      <a:camera prst="orthographicFront"/>
+      <a:lightRig rig="threePt" dir="t"/>
+    </dgm:scene3d>
+    <dgm:sp3d/>
+    <dgm:txPr/>
+    <dgm:style>
+      <a:lnRef idx="2">
+        <a:scrgbClr r="0" g="0" b="0"/>
+      </a:lnRef>
+      <a:fillRef idx="1">
+        <a:scrgbClr r="0" g="0" b="0"/>
+      </a:fillRef>
+      <a:effectRef idx="0">
+        <a:scrgbClr r="0" g="0" b="0"/>
+      </a:effectRef>
+      <a:fontRef idx="minor">
+        <a:schemeClr val="lt1"/>
+      </a:fontRef>
+    </dgm:style>
+  </dgm:styleLbl>
+  <dgm:styleLbl name="parChTrans2D4">
+    <dgm:scene3d>
+      <a:camera prst="orthographicFront"/>
+      <a:lightRig rig="threePt" dir="t"/>
+    </dgm:scene3d>
+    <dgm:sp3d/>
+    <dgm:txPr/>
+    <dgm:style>
+      <a:lnRef idx="2">
+        <a:scrgbClr r="0" g="0" b="0"/>
+      </a:lnRef>
+      <a:fillRef idx="1">
+        <a:scrgbClr r="0" g="0" b="0"/>
+      </a:fillRef>
+      <a:effectRef idx="0">
+        <a:scrgbClr r="0" g="0" b="0"/>
+      </a:effectRef>
+      <a:fontRef idx="minor">
+        <a:schemeClr val="lt1"/>
+      </a:fontRef>
+    </dgm:style>
+  </dgm:styleLbl>
+  <dgm:styleLbl name="parChTrans1D1">
+    <dgm:scene3d>
+      <a:camera prst="orthographicFront"/>
+      <a:lightRig rig="threePt" dir="t"/>
+    </dgm:scene3d>
+    <dgm:sp3d/>
+    <dgm:txPr/>
+    <dgm:style>
+      <a:lnRef idx="2">
+        <a:scrgbClr r="0" g="0" b="0"/>
+      </a:lnRef>
+      <a:fillRef idx="0">
+        <a:scrgbClr r="0" g="0" b="0"/>
+      </a:fillRef>
+      <a:effectRef idx="0">
+        <a:scrgbClr r="0" g="0" b="0"/>
+      </a:effectRef>
+      <a:fontRef idx="minor"/>
+    </dgm:style>
+  </dgm:styleLbl>
+  <dgm:styleLbl name="parChTrans1D2">
+    <dgm:scene3d>
+      <a:camera prst="orthographicFront"/>
+      <a:lightRig rig="threePt" dir="t"/>
+    </dgm:scene3d>
+    <dgm:sp3d/>
+    <dgm:txPr/>
+    <dgm:style>
+      <a:lnRef idx="2">
+        <a:scrgbClr r="0" g="0" b="0"/>
+      </a:lnRef>
+      <a:fillRef idx="0">
+        <a:scrgbClr r="0" g="0" b="0"/>
+      </a:fillRef>
+      <a:effectRef idx="0">
+        <a:scrgbClr r="0" g="0" b="0"/>
+      </a:effectRef>
+      <a:fontRef idx="minor"/>
+    </dgm:style>
+  </dgm:styleLbl>
+  <dgm:styleLbl name="parChTrans1D3">
+    <dgm:scene3d>
+      <a:camera prst="orthographicFront"/>
+      <a:lightRig rig="threePt" dir="t"/>
+    </dgm:scene3d>
+    <dgm:sp3d/>
+    <dgm:txPr/>
+    <dgm:style>
+      <a:lnRef idx="2">
+        <a:scrgbClr r="0" g="0" b="0"/>
+      </a:lnRef>
+      <a:fillRef idx="0">
+        <a:scrgbClr r="0" g="0" b="0"/>
+      </a:fillRef>
+      <a:effectRef idx="0">
+        <a:scrgbClr r="0" g="0" b="0"/>
+      </a:effectRef>
+      <a:fontRef idx="minor"/>
+    </dgm:style>
+  </dgm:styleLbl>
+  <dgm:styleLbl name="parChTrans1D4">
+    <dgm:scene3d>
+      <a:camera prst="orthographicFront"/>
+      <a:lightRig rig="threePt" dir="t"/>
+    </dgm:scene3d>
+    <dgm:sp3d/>
+    <dgm:txPr/>
+    <dgm:style>
+      <a:lnRef idx="2">
+        <a:scrgbClr r="0" g="0" b="0"/>
+      </a:lnRef>
+      <a:fillRef idx="0">
+        <a:scrgbClr r="0" g="0" b="0"/>
+      </a:fillRef>
+      <a:effectRef idx="0">
+        <a:scrgbClr r="0" g="0" b="0"/>
+      </a:effectRef>
+      <a:fontRef idx="minor"/>
+    </dgm:style>
+  </dgm:styleLbl>
+  <dgm:styleLbl name="fgAcc1">
+    <dgm:scene3d>
+      <a:camera prst="orthographicFront"/>
+      <a:lightRig rig="threePt" dir="t"/>
+    </dgm:scene3d>
+    <dgm:sp3d/>
+    <dgm:txPr/>
+    <dgm:style>
+      <a:lnRef idx="2">
+        <a:scrgbClr r="0" g="0" b="0"/>
+      </a:lnRef>
+      <a:fillRef idx="1">
+        <a:scrgbClr r="0" g="0" b="0"/>
+      </a:fillRef>
+      <a:effectRef idx="0">
+        <a:scrgbClr r="0" g="0" b="0"/>
+      </a:effectRef>
+      <a:fontRef idx="minor"/>
+    </dgm:style>
+  </dgm:styleLbl>
+  <dgm:styleLbl name="conFgAcc1">
+    <dgm:scene3d>
+      <a:camera prst="orthographicFront"/>
+      <a:lightRig rig="threePt" dir="t"/>
+    </dgm:scene3d>
+    <dgm:sp3d/>
+    <dgm:txPr/>
+    <dgm:style>
+      <a:lnRef idx="2">
+        <a:scrgbClr r="0" g="0" b="0"/>
+      </a:lnRef>
+      <a:fillRef idx="1">
+        <a:scrgbClr r="0" g="0" b="0"/>
+      </a:fillRef>
+      <a:effectRef idx="0">
+        <a:scrgbClr r="0" g="0" b="0"/>
+      </a:effectRef>
+      <a:fontRef idx="minor"/>
+    </dgm:style>
+  </dgm:styleLbl>
+  <dgm:styleLbl name="alignAcc1">
+    <dgm:scene3d>
+      <a:camera prst="orthographicFront"/>
+      <a:lightRig rig="threePt" dir="t"/>
+    </dgm:scene3d>
+    <dgm:sp3d/>
+    <dgm:txPr/>
+    <dgm:style>
+      <a:lnRef idx="2">
+        <a:scrgbClr r="0" g="0" b="0"/>
+      </a:lnRef>
+      <a:fillRef idx="1">
+        <a:scrgbClr r="0" g="0" b="0"/>
+      </a:fillRef>
+      <a:effectRef idx="0">
+        <a:scrgbClr r="0" g="0" b="0"/>
+      </a:effectRef>
+      <a:fontRef idx="minor"/>
+    </dgm:style>
+  </dgm:styleLbl>
+  <dgm:styleLbl name="trAlignAcc1">
+    <dgm:scene3d>
+      <a:camera prst="orthographicFront"/>
+      <a:lightRig rig="threePt" dir="t"/>
+    </dgm:scene3d>
+    <dgm:sp3d/>
+    <dgm:txPr/>
+    <dgm:style>
+      <a:lnRef idx="1">
+        <a:scrgbClr r="0" g="0" b="0"/>
+      </a:lnRef>
+      <a:fillRef idx="1">
+        <a:scrgbClr r="0" g="0" b="0"/>
+      </a:fillRef>
+      <a:effectRef idx="0">
+        <a:scrgbClr r="0" g="0" b="0"/>
+      </a:effectRef>
+      <a:fontRef idx="minor"/>
+    </dgm:style>
+  </dgm:styleLbl>
+  <dgm:styleLbl name="bgAcc1">
+    <dgm:scene3d>
+      <a:camera prst="orthographicFront"/>
+      <a:lightRig rig="threePt" dir="t"/>
+    </dgm:scene3d>
+    <dgm:sp3d/>
+    <dgm:txPr/>
+    <dgm:style>
+      <a:lnRef idx="2">
+        <a:scrgbClr r="0" g="0" b="0"/>
+      </a:lnRef>
+      <a:fillRef idx="1">
+        <a:scrgbClr r="0" g="0" b="0"/>
+      </a:fillRef>
+      <a:effectRef idx="0">
+        <a:scrgbClr r="0" g="0" b="0"/>
+      </a:effectRef>
+      <a:fontRef idx="minor"/>
+    </dgm:style>
+  </dgm:styleLbl>
+  <dgm:styleLbl name="solidFgAcc1">
+    <dgm:scene3d>
+      <a:camera prst="orthographicFront"/>
+      <a:lightRig rig="threePt" dir="t"/>
+    </dgm:scene3d>
+    <dgm:sp3d/>
+    <dgm:txPr/>
+    <dgm:style>
+      <a:lnRef idx="2">
+        <a:scrgbClr r="0" g="0" b="0"/>
+      </a:lnRef>
+      <a:fillRef idx="1">
+        <a:scrgbClr r="0" g="0" b="0"/>
+      </a:fillRef>
+      <a:effectRef idx="0">
+        <a:scrgbClr r="0" g="0" b="0"/>
+      </a:effectRef>
+      <a:fontRef idx="minor"/>
+    </dgm:style>
+  </dgm:styleLbl>
+  <dgm:styleLbl name="solidAlignAcc1">
+    <dgm:scene3d>
+      <a:camera prst="orthographicFront"/>
+      <a:lightRig rig="threePt" dir="t"/>
+    </dgm:scene3d>
+    <dgm:sp3d/>
+    <dgm:txPr/>
+    <dgm:style>
+      <a:lnRef idx="2">
+        <a:scrgbClr r="0" g="0" b="0"/>
+      </a:lnRef>
+      <a:fillRef idx="1">
+        <a:scrgbClr r="0" g="0" b="0"/>
+      </a:fillRef>
+      <a:effectRef idx="0">
+        <a:scrgbClr r="0" g="0" b="0"/>
+      </a:effectRef>
+      <a:fontRef idx="minor"/>
+    </dgm:style>
+  </dgm:styleLbl>
+  <dgm:styleLbl name="solidBgAcc1">
+    <dgm:scene3d>
+      <a:camera prst="orthographicFront"/>
+      <a:lightRig rig="threePt" dir="t"/>
+    </dgm:scene3d>
+    <dgm:sp3d/>
+    <dgm:txPr/>
+    <dgm:style>
+      <a:lnRef idx="2">
+        <a:scrgbClr r="0" g="0" b="0"/>
+      </a:lnRef>
+      <a:fillRef idx="1">
+        <a:scrgbClr r="0" g="0" b="0"/>
+      </a:fillRef>
+      <a:effectRef idx="0">
+        <a:scrgbClr r="0" g="0" b="0"/>
+      </a:effectRef>
+      <a:fontRef idx="minor"/>
+    </dgm:style>
+  </dgm:styleLbl>
+  <dgm:styleLbl name="fgAccFollowNode1">
+    <dgm:scene3d>
+      <a:camera prst="orthographicFront"/>
+      <a:lightRig rig="threePt" dir="t"/>
+    </dgm:scene3d>
+    <dgm:sp3d/>
+    <dgm:txPr/>
+    <dgm:style>
+      <a:lnRef idx="2">
+        <a:scrgbClr r="0" g="0" b="0"/>
+      </a:lnRef>
+      <a:fillRef idx="1">
+        <a:scrgbClr r="0" g="0" b="0"/>
+      </a:fillRef>
+      <a:effectRef idx="0">
+        <a:scrgbClr r="0" g="0" b="0"/>
+      </a:effectRef>
+      <a:fontRef idx="minor"/>
+    </dgm:style>
+  </dgm:styleLbl>
+  <dgm:styleLbl name="alignAccFollowNode1">
+    <dgm:scene3d>
+      <a:camera prst="orthographicFront"/>
+      <a:lightRig rig="threePt" dir="t"/>
+    </dgm:scene3d>
+    <dgm:sp3d/>
+    <dgm:txPr/>
+    <dgm:style>
+      <a:lnRef idx="2">
+        <a:scrgbClr r="0" g="0" b="0"/>
+      </a:lnRef>
+      <a:fillRef idx="1">
+        <a:scrgbClr r="0" g="0" b="0"/>
+      </a:fillRef>
+      <a:effectRef idx="0">
+        <a:scrgbClr r="0" g="0" b="0"/>
+      </a:effectRef>
+      <a:fontRef idx="minor"/>
+    </dgm:style>
+  </dgm:styleLbl>
+  <dgm:styleLbl name="bgAccFollowNode1">
+    <dgm:scene3d>
+      <a:camera prst="orthographicFront"/>
+      <a:lightRig rig="threePt" dir="t"/>
+    </dgm:scene3d>
+    <dgm:sp3d/>
+    <dgm:txPr/>
+    <dgm:style>
+      <a:lnRef idx="2">
+        <a:scrgbClr r="0" g="0" b="0"/>
+      </a:lnRef>
+      <a:fillRef idx="1">
+        <a:scrgbClr r="0" g="0" b="0"/>
+      </a:fillRef>
+      <a:effectRef idx="0">
+        <a:scrgbClr r="0" g="0" b="0"/>
+      </a:effectRef>
+      <a:fontRef idx="minor"/>
+    </dgm:style>
+  </dgm:styleLbl>
+  <dgm:styleLbl name="fgAcc0">
+    <dgm:scene3d>
+      <a:camera prst="orthographicFront"/>
+      <a:lightRig rig="threePt" dir="t"/>
+    </dgm:scene3d>
+    <dgm:sp3d/>
+    <dgm:txPr/>
+    <dgm:style>
+      <a:lnRef idx="2">
+        <a:scrgbClr r="0" g="0" b="0"/>
+      </a:lnRef>
+      <a:fillRef idx="1">
+        <a:scrgbClr r="0" g="0" b="0"/>
+      </a:fillRef>
+      <a:effectRef idx="0">
+        <a:scrgbClr r="0" g="0" b="0"/>
+      </a:effectRef>
+      <a:fontRef idx="minor"/>
+    </dgm:style>
+  </dgm:styleLbl>
+  <dgm:styleLbl name="fgAcc2">
+    <dgm:scene3d>
+      <a:camera prst="orthographicFront"/>
+      <a:lightRig rig="threePt" dir="t"/>
+    </dgm:scene3d>
+    <dgm:sp3d/>
+    <dgm:txPr/>
+    <dgm:style>
+      <a:lnRef idx="2">
+        <a:scrgbClr r="0" g="0" b="0"/>
+      </a:lnRef>
+      <a:fillRef idx="1">
+        <a:scrgbClr r="0" g="0" b="0"/>
+      </a:fillRef>
+      <a:effectRef idx="0">
+        <a:scrgbClr r="0" g="0" b="0"/>
+      </a:effectRef>
+      <a:fontRef idx="minor"/>
+    </dgm:style>
+  </dgm:styleLbl>
+  <dgm:styleLbl name="fgAcc3">
+    <dgm:scene3d>
+      <a:camera prst="orthographicFront"/>
+      <a:lightRig rig="threePt" dir="t"/>
+    </dgm:scene3d>
+    <dgm:sp3d/>
+    <dgm:txPr/>
+    <dgm:style>
+      <a:lnRef idx="2">
+        <a:scrgbClr r="0" g="0" b="0"/>
+      </a:lnRef>
+      <a:fillRef idx="1">
+        <a:scrgbClr r="0" g="0" b="0"/>
+      </a:fillRef>
+      <a:effectRef idx="0">
+        <a:scrgbClr r="0" g="0" b="0"/>
+      </a:effectRef>
+      <a:fontRef idx="minor"/>
+    </dgm:style>
+  </dgm:styleLbl>
+  <dgm:styleLbl name="fgAcc4">
+    <dgm:scene3d>
+      <a:camera prst="orthographicFront"/>
+      <a:lightRig rig="threePt" dir="t"/>
+    </dgm:scene3d>
+    <dgm:sp3d/>
+    <dgm:txPr/>
+    <dgm:style>
+      <a:lnRef idx="2">
+        <a:scrgbClr r="0" g="0" b="0"/>
+      </a:lnRef>
+      <a:fillRef idx="1">
+        <a:scrgbClr r="0" g="0" b="0"/>
+      </a:fillRef>
+      <a:effectRef idx="0">
+        <a:scrgbClr r="0" g="0" b="0"/>
+      </a:effectRef>
+      <a:fontRef idx="minor"/>
+    </dgm:style>
+  </dgm:styleLbl>
+  <dgm:styleLbl name="bgShp">
+    <dgm:scene3d>
+      <a:camera prst="orthographicFront"/>
+      <a:lightRig rig="threePt" dir="t"/>
+    </dgm:scene3d>
+    <dgm:sp3d/>
+    <dgm:txPr/>
+    <dgm:style>
+      <a:lnRef idx="0">
+        <a:scrgbClr r="0" g="0" b="0"/>
+      </a:lnRef>
+      <a:fillRef idx="1">
+        <a:scrgbClr r="0" g="0" b="0"/>
+      </a:fillRef>
+      <a:effectRef idx="0">
+        <a:scrgbClr r="0" g="0" b="0"/>
+      </a:effectRef>
+      <a:fontRef idx="minor"/>
+    </dgm:style>
+  </dgm:styleLbl>
+  <dgm:styleLbl name="dkBgShp">
+    <dgm:scene3d>
+      <a:camera prst="orthographicFront"/>
+      <a:lightRig rig="threePt" dir="t"/>
+    </dgm:scene3d>
+    <dgm:sp3d/>
+    <dgm:txPr/>
+    <dgm:style>
+      <a:lnRef idx="0">
+        <a:scrgbClr r="0" g="0" b="0"/>
+      </a:lnRef>
+      <a:fillRef idx="1">
+        <a:scrgbClr r="0" g="0" b="0"/>
+      </a:fillRef>
+      <a:effectRef idx="0">
+        <a:scrgbClr r="0" g="0" b="0"/>
+      </a:effectRef>
+      <a:fontRef idx="minor"/>
+    </dgm:style>
+  </dgm:styleLbl>
+  <dgm:styleLbl name="trBgShp">
+    <dgm:scene3d>
+      <a:camera prst="orthographicFront"/>
+      <a:lightRig rig="threePt" dir="t"/>
+    </dgm:scene3d>
+    <dgm:sp3d/>
+    <dgm:txPr/>
+    <dgm:style>
+      <a:lnRef idx="0">
+        <a:scrgbClr r="0" g="0" b="0"/>
+      </a:lnRef>
+      <a:fillRef idx="1">
+        <a:scrgbClr r="0" g="0" b="0"/>
+      </a:fillRef>
+      <a:effectRef idx="0">
+        <a:scrgbClr r="0" g="0" b="0"/>
+      </a:effectRef>
+      <a:fontRef idx="minor"/>
+    </dgm:style>
+  </dgm:styleLbl>
+  <dgm:styleLbl name="fgShp">
+    <dgm:scene3d>
+      <a:camera prst="orthographicFront"/>
+      <a:lightRig rig="threePt" dir="t"/>
+    </dgm:scene3d>
+    <dgm:sp3d/>
+    <dgm:txPr/>
+    <dgm:style>
+      <a:lnRef idx="2">
+        <a:scrgbClr r="0" g="0" b="0"/>
+      </a:lnRef>
+      <a:fillRef idx="1">
+        <a:scrgbClr r="0" g="0" b="0"/>
+      </a:fillRef>
+      <a:effectRef idx="0">
+        <a:scrgbClr r="0" g="0" b="0"/>
+      </a:effectRef>
+      <a:fontRef idx="minor"/>
+    </dgm:style>
+  </dgm:styleLbl>
+  <dgm:styleLbl name="revTx">
+    <dgm:scene3d>
+      <a:camera prst="orthographicFront"/>
+      <a:lightRig rig="threePt" dir="t"/>
+    </dgm:scene3d>
+    <dgm:sp3d/>
+    <dgm:txPr/>
+    <dgm:style>
+      <a:lnRef idx="0">
+        <a:scrgbClr r="0" g="0" b="0"/>
+      </a:lnRef>
+      <a:fillRef idx="0">
+        <a:scrgbClr r="0" g="0" b="0"/>
+      </a:fillRef>
+      <a:effectRef idx="0">
+        <a:scrgbClr r="0" g="0" b="0"/>
+      </a:effectRef>
+      <a:fontRef idx="minor"/>
+    </dgm:style>
+  </dgm:styleLbl>
+</dgm:styleDef>
+</file>
+
 <file path=ppt/slideLayouts/slideLayout1.xml><?xml version="1.0" encoding="utf-8"?>
 <p:sldLayout xmlns:a="http://schemas.openxmlformats.org/drawingml/2006/main" xmlns:r="http://schemas.openxmlformats.org/officeDocument/2006/relationships" xmlns:p="http://schemas.openxmlformats.org/presentationml/2006/main" type="title" preserve="1">
   <p:cSld name="Slide de Título">
@@ -3650,7 +7066,7 @@
           <a:p>
             <a:fld id="{1DD31E56-E7DD-4E4F-8B0E-8C1352AABC97}" type="datetimeFigureOut">
               <a:rPr lang="pt-BR" smtClean="0"/>
-              <a:t>15/08/2017</a:t>
+              <a:t>16/08/2017</a:t>
             </a:fld>
             <a:endParaRPr lang="pt-BR"/>
           </a:p>
@@ -3818,7 +7234,7 @@
           <a:p>
             <a:fld id="{1DD31E56-E7DD-4E4F-8B0E-8C1352AABC97}" type="datetimeFigureOut">
               <a:rPr lang="pt-BR" smtClean="0"/>
-              <a:t>15/08/2017</a:t>
+              <a:t>16/08/2017</a:t>
             </a:fld>
             <a:endParaRPr lang="pt-BR"/>
           </a:p>
@@ -3996,7 +7412,7 @@
           <a:p>
             <a:fld id="{1DD31E56-E7DD-4E4F-8B0E-8C1352AABC97}" type="datetimeFigureOut">
               <a:rPr lang="pt-BR" smtClean="0"/>
-              <a:t>15/08/2017</a:t>
+              <a:t>16/08/2017</a:t>
             </a:fld>
             <a:endParaRPr lang="pt-BR"/>
           </a:p>
@@ -4164,7 +7580,7 @@
           <a:p>
             <a:fld id="{1DD31E56-E7DD-4E4F-8B0E-8C1352AABC97}" type="datetimeFigureOut">
               <a:rPr lang="pt-BR" smtClean="0"/>
-              <a:t>15/08/2017</a:t>
+              <a:t>16/08/2017</a:t>
             </a:fld>
             <a:endParaRPr lang="pt-BR"/>
           </a:p>
@@ -4409,7 +7825,7 @@
           <a:p>
             <a:fld id="{1DD31E56-E7DD-4E4F-8B0E-8C1352AABC97}" type="datetimeFigureOut">
               <a:rPr lang="pt-BR" smtClean="0"/>
-              <a:t>15/08/2017</a:t>
+              <a:t>16/08/2017</a:t>
             </a:fld>
             <a:endParaRPr lang="pt-BR"/>
           </a:p>
@@ -4638,7 +8054,7 @@
           <a:p>
             <a:fld id="{1DD31E56-E7DD-4E4F-8B0E-8C1352AABC97}" type="datetimeFigureOut">
               <a:rPr lang="pt-BR" smtClean="0"/>
-              <a:t>15/08/2017</a:t>
+              <a:t>16/08/2017</a:t>
             </a:fld>
             <a:endParaRPr lang="pt-BR"/>
           </a:p>
@@ -5002,7 +8418,7 @@
           <a:p>
             <a:fld id="{1DD31E56-E7DD-4E4F-8B0E-8C1352AABC97}" type="datetimeFigureOut">
               <a:rPr lang="pt-BR" smtClean="0"/>
-              <a:t>15/08/2017</a:t>
+              <a:t>16/08/2017</a:t>
             </a:fld>
             <a:endParaRPr lang="pt-BR"/>
           </a:p>
@@ -5119,7 +8535,7 @@
           <a:p>
             <a:fld id="{1DD31E56-E7DD-4E4F-8B0E-8C1352AABC97}" type="datetimeFigureOut">
               <a:rPr lang="pt-BR" smtClean="0"/>
-              <a:t>15/08/2017</a:t>
+              <a:t>16/08/2017</a:t>
             </a:fld>
             <a:endParaRPr lang="pt-BR"/>
           </a:p>
@@ -5214,7 +8630,7 @@
           <a:p>
             <a:fld id="{1DD31E56-E7DD-4E4F-8B0E-8C1352AABC97}" type="datetimeFigureOut">
               <a:rPr lang="pt-BR" smtClean="0"/>
-              <a:t>15/08/2017</a:t>
+              <a:t>16/08/2017</a:t>
             </a:fld>
             <a:endParaRPr lang="pt-BR"/>
           </a:p>
@@ -5489,7 +8905,7 @@
           <a:p>
             <a:fld id="{1DD31E56-E7DD-4E4F-8B0E-8C1352AABC97}" type="datetimeFigureOut">
               <a:rPr lang="pt-BR" smtClean="0"/>
-              <a:t>15/08/2017</a:t>
+              <a:t>16/08/2017</a:t>
             </a:fld>
             <a:endParaRPr lang="pt-BR"/>
           </a:p>
@@ -5741,7 +9157,7 @@
           <a:p>
             <a:fld id="{1DD31E56-E7DD-4E4F-8B0E-8C1352AABC97}" type="datetimeFigureOut">
               <a:rPr lang="pt-BR" smtClean="0"/>
-              <a:t>15/08/2017</a:t>
+              <a:t>16/08/2017</a:t>
             </a:fld>
             <a:endParaRPr lang="pt-BR"/>
           </a:p>
@@ -5952,7 +9368,7 @@
           <a:p>
             <a:fld id="{1DD31E56-E7DD-4E4F-8B0E-8C1352AABC97}" type="datetimeFigureOut">
               <a:rPr lang="pt-BR" smtClean="0"/>
-              <a:t>15/08/2017</a:t>
+              <a:t>16/08/2017</a:t>
             </a:fld>
             <a:endParaRPr lang="pt-BR"/>
           </a:p>
@@ -7070,6 +10486,667 @@
 </p:sld>
 </file>
 
+<file path=ppt/slides/slide2.xml><?xml version="1.0" encoding="utf-8"?>
+<p:sld xmlns:a="http://schemas.openxmlformats.org/drawingml/2006/main" xmlns:r="http://schemas.openxmlformats.org/officeDocument/2006/relationships" xmlns:p="http://schemas.openxmlformats.org/presentationml/2006/main">
+  <p:cSld>
+    <p:spTree>
+      <p:nvGrpSpPr>
+        <p:cNvPr id="1" name=""/>
+        <p:cNvGrpSpPr/>
+        <p:nvPr/>
+      </p:nvGrpSpPr>
+      <p:grpSpPr>
+        <a:xfrm>
+          <a:off x="0" y="0"/>
+          <a:ext cx="0" cy="0"/>
+          <a:chOff x="0" y="0"/>
+          <a:chExt cx="0" cy="0"/>
+        </a:xfrm>
+      </p:grpSpPr>
+      <p:sp>
+        <p:nvSpPr>
+          <p:cNvPr id="7" name="Retângulo 6"/>
+          <p:cNvSpPr/>
+          <p:nvPr/>
+        </p:nvSpPr>
+        <p:spPr>
+          <a:xfrm>
+            <a:off x="295564" y="166254"/>
+            <a:ext cx="10236017" cy="2964873"/>
+          </a:xfrm>
+          <a:prstGeom prst="rect">
+            <a:avLst/>
+          </a:prstGeom>
+          <a:solidFill>
+            <a:srgbClr val="FFFFCC"/>
+          </a:solidFill>
+          <a:ln>
+            <a:noFill/>
+          </a:ln>
+        </p:spPr>
+        <p:style>
+          <a:lnRef idx="2">
+            <a:schemeClr val="accent1">
+              <a:shade val="50000"/>
+            </a:schemeClr>
+          </a:lnRef>
+          <a:fillRef idx="1">
+            <a:schemeClr val="accent1"/>
+          </a:fillRef>
+          <a:effectRef idx="0">
+            <a:schemeClr val="accent1"/>
+          </a:effectRef>
+          <a:fontRef idx="minor">
+            <a:schemeClr val="lt1"/>
+          </a:fontRef>
+        </p:style>
+        <p:txBody>
+          <a:bodyPr rtlCol="0" anchor="ctr"/>
+          <a:lstStyle/>
+          <a:p>
+            <a:pPr algn="ctr"/>
+            <a:endParaRPr lang="pt-BR" dirty="0"/>
+          </a:p>
+        </p:txBody>
+      </p:sp>
+      <p:sp>
+        <p:nvSpPr>
+          <p:cNvPr id="9" name="CaixaDeTexto 8"/>
+          <p:cNvSpPr txBox="1"/>
+          <p:nvPr/>
+        </p:nvSpPr>
+        <p:spPr>
+          <a:xfrm>
+            <a:off x="7194229" y="2710009"/>
+            <a:ext cx="4050766" cy="276999"/>
+          </a:xfrm>
+          <a:prstGeom prst="rect">
+            <a:avLst/>
+          </a:prstGeom>
+          <a:noFill/>
+        </p:spPr>
+        <p:txBody>
+          <a:bodyPr wrap="square" rtlCol="0">
+            <a:spAutoFit/>
+          </a:bodyPr>
+          <a:lstStyle/>
+          <a:p>
+            <a:pPr algn="ctr"/>
+            <a:r>
+              <a:rPr lang="pt-BR" sz="1200" dirty="0">
+                <a:solidFill>
+                  <a:schemeClr val="bg1">
+                    <a:lumMod val="50000"/>
+                  </a:schemeClr>
+                </a:solidFill>
+              </a:rPr>
+              <a:t>Charles Fortes    &amp;     Thiago Alves</a:t>
+            </a:r>
+          </a:p>
+        </p:txBody>
+      </p:sp>
+      <p:pic>
+        <p:nvPicPr>
+          <p:cNvPr id="4" name="Imagem 3" descr="&lt;strong&gt;Sky&lt;/strong&gt;, Background, Nature, Blue, Clouds, Blue &lt;strong&gt;Sky&lt;/strong&gt;"/>
+          <p:cNvPicPr>
+            <a:picLocks noChangeAspect="1"/>
+          </p:cNvPicPr>
+          <p:nvPr/>
+        </p:nvPicPr>
+        <p:blipFill>
+          <a:blip r:embed="rId2">
+            <a:extLst>
+              <a:ext uri="{BEBA8EAE-BF5A-486C-A8C5-ECC9F3942E4B}">
+                <a14:imgProps xmlns:a14="http://schemas.microsoft.com/office/drawing/2010/main">
+                  <a14:imgLayer r:embed="rId3">
+                    <a14:imgEffect>
+                      <a14:artisticPaintBrush/>
+                    </a14:imgEffect>
+                  </a14:imgLayer>
+                </a14:imgProps>
+              </a:ext>
+              <a:ext uri="{28A0092B-C50C-407E-A947-70E740481C1C}">
+                <a14:useLocalDpi xmlns:a14="http://schemas.microsoft.com/office/drawing/2010/main" val="0"/>
+              </a:ext>
+            </a:extLst>
+          </a:blip>
+          <a:stretch>
+            <a:fillRect/>
+          </a:stretch>
+        </p:blipFill>
+        <p:spPr>
+          <a:xfrm>
+            <a:off x="295565" y="175979"/>
+            <a:ext cx="10236017" cy="2389911"/>
+          </a:xfrm>
+          <a:prstGeom prst="rect">
+            <a:avLst/>
+          </a:prstGeom>
+        </p:spPr>
+      </p:pic>
+      <p:sp>
+        <p:nvSpPr>
+          <p:cNvPr id="16" name="Fluxograma: Documento 15"/>
+          <p:cNvSpPr/>
+          <p:nvPr/>
+        </p:nvSpPr>
+        <p:spPr>
+          <a:xfrm rot="10800000">
+            <a:off x="280558" y="1099930"/>
+            <a:ext cx="4255568" cy="1485026"/>
+          </a:xfrm>
+          <a:prstGeom prst="flowChartDocument">
+            <a:avLst/>
+          </a:prstGeom>
+          <a:solidFill>
+            <a:srgbClr val="FFFFCC"/>
+          </a:solidFill>
+          <a:ln>
+            <a:noFill/>
+          </a:ln>
+        </p:spPr>
+        <p:style>
+          <a:lnRef idx="2">
+            <a:schemeClr val="accent1">
+              <a:shade val="50000"/>
+            </a:schemeClr>
+          </a:lnRef>
+          <a:fillRef idx="1">
+            <a:schemeClr val="accent1"/>
+          </a:fillRef>
+          <a:effectRef idx="0">
+            <a:schemeClr val="accent1"/>
+          </a:effectRef>
+          <a:fontRef idx="minor">
+            <a:schemeClr val="lt1"/>
+          </a:fontRef>
+        </p:style>
+        <p:txBody>
+          <a:bodyPr rtlCol="0" anchor="ctr"/>
+          <a:lstStyle/>
+          <a:p>
+            <a:pPr algn="ctr"/>
+            <a:endParaRPr lang="pt-BR" dirty="0"/>
+          </a:p>
+        </p:txBody>
+      </p:sp>
+      <p:graphicFrame>
+        <p:nvGraphicFramePr>
+          <p:cNvPr id="19" name="Diagrama 18"/>
+          <p:cNvGraphicFramePr/>
+          <p:nvPr>
+            <p:extLst>
+              <p:ext uri="{D42A27DB-BD31-4B8C-83A1-F6EECF244321}">
+                <p14:modId xmlns:p14="http://schemas.microsoft.com/office/powerpoint/2010/main" val="4021618887"/>
+              </p:ext>
+            </p:extLst>
+          </p:nvPr>
+        </p:nvGraphicFramePr>
+        <p:xfrm>
+          <a:off x="8221704" y="948754"/>
+          <a:ext cx="1724025" cy="1400175"/>
+        </p:xfrm>
+        <a:graphic>
+          <a:graphicData uri="http://schemas.openxmlformats.org/drawingml/2006/diagram">
+            <dgm:relIds xmlns:dgm="http://schemas.openxmlformats.org/drawingml/2006/diagram" xmlns:r="http://schemas.openxmlformats.org/officeDocument/2006/relationships" r:dm="rId4" r:lo="rId5" r:qs="rId6" r:cs="rId7"/>
+          </a:graphicData>
+        </a:graphic>
+      </p:graphicFrame>
+      <p:sp>
+        <p:nvSpPr>
+          <p:cNvPr id="11" name="CaixaDeTexto 10"/>
+          <p:cNvSpPr txBox="1"/>
+          <p:nvPr/>
+        </p:nvSpPr>
+        <p:spPr>
+          <a:xfrm>
+            <a:off x="8751357" y="303256"/>
+            <a:ext cx="1685077" cy="400110"/>
+          </a:xfrm>
+          <a:prstGeom prst="rect">
+            <a:avLst/>
+          </a:prstGeom>
+          <a:noFill/>
+          <a:effectLst>
+            <a:outerShdw blurRad="50800" dist="38100" dir="8100000" algn="tr" rotWithShape="0">
+              <a:prstClr val="black">
+                <a:alpha val="40000"/>
+              </a:prstClr>
+            </a:outerShdw>
+          </a:effectLst>
+        </p:spPr>
+        <p:txBody>
+          <a:bodyPr wrap="none" rtlCol="0">
+            <a:spAutoFit/>
+          </a:bodyPr>
+          <a:lstStyle/>
+          <a:p>
+            <a:r>
+              <a:rPr lang="pt-BR" sz="2000" dirty="0">
+                <a:ln w="12700">
+                  <a:solidFill>
+                    <a:schemeClr val="accent1">
+                      <a:lumMod val="75000"/>
+                    </a:schemeClr>
+                  </a:solidFill>
+                </a:ln>
+                <a:solidFill>
+                  <a:srgbClr val="FFC000"/>
+                </a:solidFill>
+                <a:latin typeface="Pokemon Solid" panose="040B0500000000000000" pitchFamily="82" charset="2"/>
+              </a:rPr>
+              <a:t>Professores</a:t>
+            </a:r>
+          </a:p>
+        </p:txBody>
+      </p:sp>
+      <p:grpSp>
+        <p:nvGrpSpPr>
+          <p:cNvPr id="20" name="Agrupar 19"/>
+          <p:cNvGrpSpPr/>
+          <p:nvPr/>
+        </p:nvGrpSpPr>
+        <p:grpSpPr>
+          <a:xfrm>
+            <a:off x="9480858" y="632524"/>
+            <a:ext cx="859532" cy="552743"/>
+            <a:chOff x="7996964" y="6025518"/>
+            <a:chExt cx="859532" cy="552743"/>
+          </a:xfrm>
+        </p:grpSpPr>
+        <p:sp>
+          <p:nvSpPr>
+            <p:cNvPr id="12" name="CaixaDeTexto 11"/>
+            <p:cNvSpPr txBox="1"/>
+            <p:nvPr/>
+          </p:nvSpPr>
+          <p:spPr>
+            <a:xfrm>
+              <a:off x="7996964" y="6055041"/>
+              <a:ext cx="464871" cy="523220"/>
+            </a:xfrm>
+            <a:prstGeom prst="rect">
+              <a:avLst/>
+            </a:prstGeom>
+            <a:noFill/>
+            <a:effectLst/>
+          </p:spPr>
+          <p:txBody>
+            <a:bodyPr wrap="none" rtlCol="0">
+              <a:spAutoFit/>
+            </a:bodyPr>
+            <a:lstStyle/>
+            <a:p>
+              <a:pPr algn="r"/>
+              <a:r>
+                <a:rPr lang="pt-BR" sz="2800" kern="100" spc="-40" dirty="0">
+                  <a:ln w="19050">
+                    <a:solidFill>
+                      <a:schemeClr val="tx2">
+                        <a:lumMod val="20000"/>
+                        <a:lumOff val="80000"/>
+                      </a:schemeClr>
+                    </a:solidFill>
+                  </a:ln>
+                  <a:blipFill dpi="0" rotWithShape="1">
+                    <a:blip r:embed="rId9">
+                      <a:extLst>
+                        <a:ext uri="{28A0092B-C50C-407E-A947-70E740481C1C}">
+                          <a14:useLocalDpi xmlns:a14="http://schemas.microsoft.com/office/drawing/2010/main" val="0"/>
+                        </a:ext>
+                      </a:extLst>
+                    </a:blip>
+                    <a:srcRect/>
+                    <a:stretch>
+                      <a:fillRect/>
+                    </a:stretch>
+                  </a:blipFill>
+                  <a:effectLst>
+                    <a:glow rad="63500">
+                      <a:schemeClr val="accent1"/>
+                    </a:glow>
+                  </a:effectLst>
+                  <a:latin typeface="Cooper Black" panose="0208090404030B020404" pitchFamily="18" charset="0"/>
+                </a:rPr>
+                <a:t>G</a:t>
+              </a:r>
+            </a:p>
+          </p:txBody>
+        </p:sp>
+        <p:sp>
+          <p:nvSpPr>
+            <p:cNvPr id="13" name="CaixaDeTexto 12"/>
+            <p:cNvSpPr txBox="1"/>
+            <p:nvPr/>
+          </p:nvSpPr>
+          <p:spPr>
+            <a:xfrm>
+              <a:off x="8312659" y="6051105"/>
+              <a:ext cx="458459" cy="523220"/>
+            </a:xfrm>
+            <a:prstGeom prst="rect">
+              <a:avLst/>
+            </a:prstGeom>
+            <a:noFill/>
+            <a:effectLst/>
+          </p:spPr>
+          <p:txBody>
+            <a:bodyPr wrap="none" rtlCol="0">
+              <a:spAutoFit/>
+            </a:bodyPr>
+            <a:lstStyle/>
+            <a:p>
+              <a:pPr algn="r"/>
+              <a:r>
+                <a:rPr lang="pt-BR" sz="2800" kern="100" spc="-40" dirty="0">
+                  <a:ln w="19050">
+                    <a:solidFill>
+                      <a:schemeClr val="tx2">
+                        <a:lumMod val="20000"/>
+                        <a:lumOff val="80000"/>
+                      </a:schemeClr>
+                    </a:solidFill>
+                  </a:ln>
+                  <a:blipFill dpi="0" rotWithShape="1">
+                    <a:blip r:embed="rId9">
+                      <a:extLst>
+                        <a:ext uri="{28A0092B-C50C-407E-A947-70E740481C1C}">
+                          <a14:useLocalDpi xmlns:a14="http://schemas.microsoft.com/office/drawing/2010/main" val="0"/>
+                        </a:ext>
+                      </a:extLst>
+                    </a:blip>
+                    <a:srcRect/>
+                    <a:stretch>
+                      <a:fillRect/>
+                    </a:stretch>
+                  </a:blipFill>
+                  <a:effectLst>
+                    <a:glow rad="63500">
+                      <a:schemeClr val="accent1"/>
+                    </a:glow>
+                  </a:effectLst>
+                  <a:latin typeface="Cooper Black" panose="0208090404030B020404" pitchFamily="18" charset="0"/>
+                </a:rPr>
+                <a:t>O</a:t>
+              </a:r>
+            </a:p>
+          </p:txBody>
+        </p:sp>
+        <p:pic>
+          <p:nvPicPr>
+            <p:cNvPr id="14" name="Picture 4" descr="Resultado de imagem para Graduate Hat png"/>
+            <p:cNvPicPr>
+              <a:picLocks noChangeAspect="1" noChangeArrowheads="1"/>
+            </p:cNvPicPr>
+            <p:nvPr/>
+          </p:nvPicPr>
+          <p:blipFill>
+            <a:blip r:embed="rId10">
+              <a:extLst>
+                <a:ext uri="{28A0092B-C50C-407E-A947-70E740481C1C}">
+                  <a14:useLocalDpi xmlns:a14="http://schemas.microsoft.com/office/drawing/2010/main" val="0"/>
+                </a:ext>
+              </a:extLst>
+            </a:blip>
+            <a:srcRect/>
+            <a:stretch>
+              <a:fillRect/>
+            </a:stretch>
+          </p:blipFill>
+          <p:spPr bwMode="auto">
+            <a:xfrm>
+              <a:off x="8398943" y="6025518"/>
+              <a:ext cx="457553" cy="333890"/>
+            </a:xfrm>
+            <a:prstGeom prst="rect">
+              <a:avLst/>
+            </a:prstGeom>
+            <a:noFill/>
+            <a:extLst>
+              <a:ext uri="{909E8E84-426E-40DD-AFC4-6F175D3DCCD1}">
+                <a14:hiddenFill xmlns:a14="http://schemas.microsoft.com/office/drawing/2010/main">
+                  <a:solidFill>
+                    <a:srgbClr val="FFFFFF"/>
+                  </a:solidFill>
+                </a14:hiddenFill>
+              </a:ext>
+            </a:extLst>
+          </p:spPr>
+        </p:pic>
+      </p:grpSp>
+      <p:grpSp>
+        <p:nvGrpSpPr>
+          <p:cNvPr id="2" name="Agrupar 1"/>
+          <p:cNvGrpSpPr/>
+          <p:nvPr/>
+        </p:nvGrpSpPr>
+        <p:grpSpPr>
+          <a:xfrm>
+            <a:off x="623703" y="1482020"/>
+            <a:ext cx="3185487" cy="1733818"/>
+            <a:chOff x="827185" y="729306"/>
+            <a:chExt cx="3185487" cy="1733818"/>
+          </a:xfrm>
+        </p:grpSpPr>
+        <p:sp>
+          <p:nvSpPr>
+            <p:cNvPr id="5" name="CaixaDeTexto 4"/>
+            <p:cNvSpPr txBox="1"/>
+            <p:nvPr/>
+          </p:nvSpPr>
+          <p:spPr>
+            <a:xfrm>
+              <a:off x="827185" y="729306"/>
+              <a:ext cx="3185487" cy="707886"/>
+            </a:xfrm>
+            <a:prstGeom prst="rect">
+              <a:avLst/>
+            </a:prstGeom>
+            <a:noFill/>
+            <a:effectLst>
+              <a:outerShdw blurRad="50800" dist="38100" dir="8100000" algn="tr" rotWithShape="0">
+                <a:prstClr val="black">
+                  <a:alpha val="40000"/>
+                </a:prstClr>
+              </a:outerShdw>
+            </a:effectLst>
+          </p:spPr>
+          <p:txBody>
+            <a:bodyPr wrap="none" rtlCol="0">
+              <a:spAutoFit/>
+            </a:bodyPr>
+            <a:lstStyle/>
+            <a:p>
+              <a:r>
+                <a:rPr lang="pt-BR" sz="4000" dirty="0">
+                  <a:ln w="38100">
+                    <a:solidFill>
+                      <a:schemeClr val="accent1">
+                        <a:lumMod val="75000"/>
+                      </a:schemeClr>
+                    </a:solidFill>
+                  </a:ln>
+                  <a:solidFill>
+                    <a:srgbClr val="FFC000"/>
+                  </a:solidFill>
+                  <a:latin typeface="Pokemon Solid" panose="040B0500000000000000" pitchFamily="82" charset="2"/>
+                </a:rPr>
+                <a:t>Professores</a:t>
+              </a:r>
+            </a:p>
+          </p:txBody>
+        </p:sp>
+        <p:sp>
+          <p:nvSpPr>
+            <p:cNvPr id="6" name="CaixaDeTexto 5"/>
+            <p:cNvSpPr txBox="1"/>
+            <p:nvPr/>
+          </p:nvSpPr>
+          <p:spPr>
+            <a:xfrm>
+              <a:off x="1540599" y="1370517"/>
+              <a:ext cx="841577" cy="1092607"/>
+            </a:xfrm>
+            <a:prstGeom prst="rect">
+              <a:avLst/>
+            </a:prstGeom>
+            <a:noFill/>
+            <a:effectLst/>
+          </p:spPr>
+          <p:txBody>
+            <a:bodyPr wrap="none" rtlCol="0">
+              <a:spAutoFit/>
+            </a:bodyPr>
+            <a:lstStyle/>
+            <a:p>
+              <a:r>
+                <a:rPr lang="pt-BR" sz="6500" kern="100" spc="-40" dirty="0">
+                  <a:ln w="38100">
+                    <a:solidFill>
+                      <a:schemeClr val="tx2">
+                        <a:lumMod val="20000"/>
+                        <a:lumOff val="80000"/>
+                      </a:schemeClr>
+                    </a:solidFill>
+                  </a:ln>
+                  <a:blipFill dpi="0" rotWithShape="1">
+                    <a:blip r:embed="rId9">
+                      <a:extLst>
+                        <a:ext uri="{28A0092B-C50C-407E-A947-70E740481C1C}">
+                          <a14:useLocalDpi xmlns:a14="http://schemas.microsoft.com/office/drawing/2010/main" val="0"/>
+                        </a:ext>
+                      </a:extLst>
+                    </a:blip>
+                    <a:srcRect/>
+                    <a:stretch>
+                      <a:fillRect/>
+                    </a:stretch>
+                  </a:blipFill>
+                  <a:effectLst>
+                    <a:glow rad="63500">
+                      <a:schemeClr val="accent1"/>
+                    </a:glow>
+                  </a:effectLst>
+                  <a:latin typeface="Cooper Black" panose="0208090404030B020404" pitchFamily="18" charset="0"/>
+                </a:rPr>
+                <a:t>G</a:t>
+              </a:r>
+            </a:p>
+          </p:txBody>
+        </p:sp>
+        <p:sp>
+          <p:nvSpPr>
+            <p:cNvPr id="8" name="CaixaDeTexto 7"/>
+            <p:cNvSpPr txBox="1"/>
+            <p:nvPr/>
+          </p:nvSpPr>
+          <p:spPr>
+            <a:xfrm>
+              <a:off x="2243676" y="1366666"/>
+              <a:ext cx="828753" cy="1092607"/>
+            </a:xfrm>
+            <a:prstGeom prst="rect">
+              <a:avLst/>
+            </a:prstGeom>
+            <a:noFill/>
+            <a:effectLst/>
+          </p:spPr>
+          <p:txBody>
+            <a:bodyPr wrap="none" rtlCol="0">
+              <a:spAutoFit/>
+            </a:bodyPr>
+            <a:lstStyle/>
+            <a:p>
+              <a:r>
+                <a:rPr lang="pt-BR" sz="6500" kern="100" spc="-40" dirty="0">
+                  <a:ln w="38100">
+                    <a:solidFill>
+                      <a:schemeClr val="tx2">
+                        <a:lumMod val="20000"/>
+                        <a:lumOff val="80000"/>
+                      </a:schemeClr>
+                    </a:solidFill>
+                  </a:ln>
+                  <a:blipFill dpi="0" rotWithShape="1">
+                    <a:blip r:embed="rId9">
+                      <a:extLst>
+                        <a:ext uri="{28A0092B-C50C-407E-A947-70E740481C1C}">
+                          <a14:useLocalDpi xmlns:a14="http://schemas.microsoft.com/office/drawing/2010/main" val="0"/>
+                        </a:ext>
+                      </a:extLst>
+                    </a:blip>
+                    <a:srcRect/>
+                    <a:stretch>
+                      <a:fillRect/>
+                    </a:stretch>
+                  </a:blipFill>
+                  <a:effectLst>
+                    <a:glow rad="63500">
+                      <a:schemeClr val="accent1"/>
+                    </a:glow>
+                  </a:effectLst>
+                  <a:latin typeface="Cooper Black" panose="0208090404030B020404" pitchFamily="18" charset="0"/>
+                </a:rPr>
+                <a:t>O</a:t>
+              </a:r>
+            </a:p>
+          </p:txBody>
+        </p:sp>
+        <p:pic>
+          <p:nvPicPr>
+            <p:cNvPr id="1028" name="Picture 4" descr="Resultado de imagem para Graduate Hat png"/>
+            <p:cNvPicPr>
+              <a:picLocks noChangeAspect="1" noChangeArrowheads="1"/>
+            </p:cNvPicPr>
+            <p:nvPr/>
+          </p:nvPicPr>
+          <p:blipFill>
+            <a:blip r:embed="rId10">
+              <a:extLst>
+                <a:ext uri="{28A0092B-C50C-407E-A947-70E740481C1C}">
+                  <a14:useLocalDpi xmlns:a14="http://schemas.microsoft.com/office/drawing/2010/main" val="0"/>
+                </a:ext>
+              </a:extLst>
+            </a:blip>
+            <a:srcRect/>
+            <a:stretch>
+              <a:fillRect/>
+            </a:stretch>
+          </p:blipFill>
+          <p:spPr bwMode="auto">
+            <a:xfrm>
+              <a:off x="2235139" y="1246727"/>
+              <a:ext cx="1155628" cy="843296"/>
+            </a:xfrm>
+            <a:prstGeom prst="rect">
+              <a:avLst/>
+            </a:prstGeom>
+            <a:noFill/>
+            <a:extLst>
+              <a:ext uri="{909E8E84-426E-40DD-AFC4-6F175D3DCCD1}">
+                <a14:hiddenFill xmlns:a14="http://schemas.microsoft.com/office/drawing/2010/main">
+                  <a:solidFill>
+                    <a:srgbClr val="FFFFFF"/>
+                  </a:solidFill>
+                </a14:hiddenFill>
+              </a:ext>
+            </a:extLst>
+          </p:spPr>
+        </p:pic>
+      </p:grpSp>
+    </p:spTree>
+    <p:extLst>
+      <p:ext uri="{BB962C8B-B14F-4D97-AF65-F5344CB8AC3E}">
+        <p14:creationId xmlns:p14="http://schemas.microsoft.com/office/powerpoint/2010/main" val="3070949830"/>
+      </p:ext>
+    </p:extLst>
+  </p:cSld>
+  <p:clrMapOvr>
+    <a:masterClrMapping/>
+  </p:clrMapOvr>
+</p:sld>
+</file>
+
 <file path=ppt/theme/theme1.xml><?xml version="1.0" encoding="utf-8"?>
 <a:theme xmlns:a="http://schemas.openxmlformats.org/drawingml/2006/main" name="Tema do Office">
   <a:themeElements>
